--- a/Documents/Presentation.pptx
+++ b/Documents/Presentation.pptx
@@ -3737,7 +3737,7 @@
           <a:p>
             <a:fld id="{2B85766F-5EC0-4797-B4D1-777FCB005B11}" type="datetimeFigureOut">
               <a:rPr lang="en-US" smtClean="0"/>
-              <a:t>5/10/2022</a:t>
+              <a:t>5/13/2022</a:t>
             </a:fld>
             <a:endParaRPr lang="en-US" dirty="0"/>
           </a:p>
@@ -3914,7 +3914,7 @@
           <a:p>
             <a:fld id="{B2B4B5EC-152C-4627-80C0-63B10D5574EF}" type="datetimeFigureOut">
               <a:rPr lang="en-US" smtClean="0"/>
-              <a:t>5/10/2022</a:t>
+              <a:t>5/13/2022</a:t>
             </a:fld>
             <a:endParaRPr lang="en-US" dirty="0"/>
           </a:p>
@@ -4238,7 +4238,7 @@
           <a:noFill/>
           <a:extLst>
             <a:ext uri="{909E8E84-426E-40dd-AFC4-6F175D3DCCD1}">
-              <a14:hiddenFill xmlns:a14="http://schemas.microsoft.com/office/drawing/2010/main" xmlns="">
+              <a14:hiddenFill xmlns="" xmlns:a14="http://schemas.microsoft.com/office/drawing/2010/main">
                 <a:solidFill>
                   <a:srgbClr val="FFFFFF"/>
                 </a:solidFill>
@@ -4297,7 +4297,7 @@
             </a:ln>
             <a:extLst>
               <a:ext uri="{91240B29-F687-4f45-9708-019B960494DF}">
-                <a14:hiddenLine xmlns:a14="http://schemas.microsoft.com/office/drawing/2010/main" xmlns="" w="9525">
+                <a14:hiddenLine xmlns="" xmlns:a14="http://schemas.microsoft.com/office/drawing/2010/main" w="9525">
                   <a:solidFill>
                     <a:srgbClr val="000000"/>
                   </a:solidFill>
@@ -4387,7 +4387,7 @@
             </a:ln>
             <a:extLst>
               <a:ext uri="{91240B29-F687-4f45-9708-019B960494DF}">
-                <a14:hiddenLine xmlns:a14="http://schemas.microsoft.com/office/drawing/2010/main" xmlns="" w="9525">
+                <a14:hiddenLine xmlns="" xmlns:a14="http://schemas.microsoft.com/office/drawing/2010/main" w="9525">
                   <a:solidFill>
                     <a:srgbClr val="000000"/>
                   </a:solidFill>
@@ -4477,7 +4477,7 @@
             </a:ln>
             <a:extLst>
               <a:ext uri="{91240B29-F687-4f45-9708-019B960494DF}">
-                <a14:hiddenLine xmlns:a14="http://schemas.microsoft.com/office/drawing/2010/main" xmlns="" w="9525">
+                <a14:hiddenLine xmlns="" xmlns:a14="http://schemas.microsoft.com/office/drawing/2010/main" w="9525">
                   <a:solidFill>
                     <a:srgbClr val="000000"/>
                   </a:solidFill>
@@ -4511,7 +4511,7 @@
             </a:ln>
             <a:extLst>
               <a:ext uri="{91240B29-F687-4f45-9708-019B960494DF}">
-                <a14:hiddenLine xmlns:a14="http://schemas.microsoft.com/office/drawing/2010/main" xmlns="" w="9525">
+                <a14:hiddenLine xmlns="" xmlns:a14="http://schemas.microsoft.com/office/drawing/2010/main" w="9525">
                   <a:solidFill>
                     <a:srgbClr val="000000"/>
                   </a:solidFill>
@@ -4601,7 +4601,7 @@
             </a:ln>
             <a:extLst>
               <a:ext uri="{91240B29-F687-4f45-9708-019B960494DF}">
-                <a14:hiddenLine xmlns:a14="http://schemas.microsoft.com/office/drawing/2010/main" xmlns="" w="9525">
+                <a14:hiddenLine xmlns="" xmlns:a14="http://schemas.microsoft.com/office/drawing/2010/main" w="9525">
                   <a:solidFill>
                     <a:srgbClr val="000000"/>
                   </a:solidFill>
@@ -4663,7 +4663,7 @@
             </a:ln>
             <a:extLst>
               <a:ext uri="{91240B29-F687-4f45-9708-019B960494DF}">
-                <a14:hiddenLine xmlns:a14="http://schemas.microsoft.com/office/drawing/2010/main" xmlns="" w="9525">
+                <a14:hiddenLine xmlns="" xmlns:a14="http://schemas.microsoft.com/office/drawing/2010/main" w="9525">
                   <a:solidFill>
                     <a:srgbClr val="000000"/>
                   </a:solidFill>
@@ -4725,7 +4725,7 @@
             </a:ln>
             <a:extLst>
               <a:ext uri="{91240B29-F687-4f45-9708-019B960494DF}">
-                <a14:hiddenLine xmlns:a14="http://schemas.microsoft.com/office/drawing/2010/main" xmlns="" w="9525">
+                <a14:hiddenLine xmlns="" xmlns:a14="http://schemas.microsoft.com/office/drawing/2010/main" w="9525">
                   <a:solidFill>
                     <a:srgbClr val="000000"/>
                   </a:solidFill>
@@ -4815,7 +4815,7 @@
             </a:ln>
             <a:extLst>
               <a:ext uri="{91240B29-F687-4f45-9708-019B960494DF}">
-                <a14:hiddenLine xmlns:a14="http://schemas.microsoft.com/office/drawing/2010/main" xmlns="" w="9525">
+                <a14:hiddenLine xmlns="" xmlns:a14="http://schemas.microsoft.com/office/drawing/2010/main" w="9525">
                   <a:solidFill>
                     <a:srgbClr val="000000"/>
                   </a:solidFill>
@@ -4877,7 +4877,7 @@
             </a:ln>
             <a:extLst>
               <a:ext uri="{91240B29-F687-4f45-9708-019B960494DF}">
-                <a14:hiddenLine xmlns:a14="http://schemas.microsoft.com/office/drawing/2010/main" xmlns="" w="9525">
+                <a14:hiddenLine xmlns="" xmlns:a14="http://schemas.microsoft.com/office/drawing/2010/main" w="9525">
                   <a:solidFill>
                     <a:srgbClr val="000000"/>
                   </a:solidFill>
@@ -4939,7 +4939,7 @@
             </a:ln>
             <a:extLst>
               <a:ext uri="{91240B29-F687-4f45-9708-019B960494DF}">
-                <a14:hiddenLine xmlns:a14="http://schemas.microsoft.com/office/drawing/2010/main" xmlns="" w="9525">
+                <a14:hiddenLine xmlns="" xmlns:a14="http://schemas.microsoft.com/office/drawing/2010/main" w="9525">
                   <a:solidFill>
                     <a:srgbClr val="000000"/>
                   </a:solidFill>
@@ -5029,7 +5029,7 @@
             </a:ln>
             <a:extLst>
               <a:ext uri="{91240B29-F687-4f45-9708-019B960494DF}">
-                <a14:hiddenLine xmlns:a14="http://schemas.microsoft.com/office/drawing/2010/main" xmlns="" w="9525">
+                <a14:hiddenLine xmlns="" xmlns:a14="http://schemas.microsoft.com/office/drawing/2010/main" w="9525">
                   <a:solidFill>
                     <a:srgbClr val="000000"/>
                   </a:solidFill>
@@ -5119,7 +5119,7 @@
             </a:ln>
             <a:extLst>
               <a:ext uri="{91240B29-F687-4f45-9708-019B960494DF}">
-                <a14:hiddenLine xmlns:a14="http://schemas.microsoft.com/office/drawing/2010/main" xmlns="" w="9525">
+                <a14:hiddenLine xmlns="" xmlns:a14="http://schemas.microsoft.com/office/drawing/2010/main" w="9525">
                   <a:solidFill>
                     <a:srgbClr val="000000"/>
                   </a:solidFill>
@@ -5181,7 +5181,7 @@
             </a:ln>
             <a:extLst>
               <a:ext uri="{91240B29-F687-4f45-9708-019B960494DF}">
-                <a14:hiddenLine xmlns:a14="http://schemas.microsoft.com/office/drawing/2010/main" xmlns="" w="9525">
+                <a14:hiddenLine xmlns="" xmlns:a14="http://schemas.microsoft.com/office/drawing/2010/main" w="9525">
                   <a:solidFill>
                     <a:srgbClr val="000000"/>
                   </a:solidFill>
@@ -5291,7 +5291,7 @@
             </a:ln>
             <a:extLst>
               <a:ext uri="{91240B29-F687-4f45-9708-019B960494DF}">
-                <a14:hiddenLine xmlns:a14="http://schemas.microsoft.com/office/drawing/2010/main" xmlns="" w="9525">
+                <a14:hiddenLine xmlns="" xmlns:a14="http://schemas.microsoft.com/office/drawing/2010/main" w="9525">
                   <a:solidFill>
                     <a:srgbClr val="000000"/>
                   </a:solidFill>
@@ -5353,7 +5353,7 @@
             </a:ln>
             <a:extLst>
               <a:ext uri="{91240B29-F687-4f45-9708-019B960494DF}">
-                <a14:hiddenLine xmlns:a14="http://schemas.microsoft.com/office/drawing/2010/main" xmlns="" w="9525">
+                <a14:hiddenLine xmlns="" xmlns:a14="http://schemas.microsoft.com/office/drawing/2010/main" w="9525">
                   <a:solidFill>
                     <a:srgbClr val="000000"/>
                   </a:solidFill>
@@ -5443,7 +5443,7 @@
             </a:ln>
             <a:extLst>
               <a:ext uri="{91240B29-F687-4f45-9708-019B960494DF}">
-                <a14:hiddenLine xmlns:a14="http://schemas.microsoft.com/office/drawing/2010/main" xmlns="" w="9525">
+                <a14:hiddenLine xmlns="" xmlns:a14="http://schemas.microsoft.com/office/drawing/2010/main" w="9525">
                   <a:solidFill>
                     <a:srgbClr val="000000"/>
                   </a:solidFill>
@@ -5533,7 +5533,7 @@
             </a:ln>
             <a:extLst>
               <a:ext uri="{91240B29-F687-4f45-9708-019B960494DF}">
-                <a14:hiddenLine xmlns:a14="http://schemas.microsoft.com/office/drawing/2010/main" xmlns="" w="9525">
+                <a14:hiddenLine xmlns="" xmlns:a14="http://schemas.microsoft.com/office/drawing/2010/main" w="9525">
                   <a:solidFill>
                     <a:srgbClr val="000000"/>
                   </a:solidFill>
@@ -5595,7 +5595,7 @@
             </a:ln>
             <a:extLst>
               <a:ext uri="{91240B29-F687-4f45-9708-019B960494DF}">
-                <a14:hiddenLine xmlns:a14="http://schemas.microsoft.com/office/drawing/2010/main" xmlns="" w="9525">
+                <a14:hiddenLine xmlns="" xmlns:a14="http://schemas.microsoft.com/office/drawing/2010/main" w="9525">
                   <a:solidFill>
                     <a:srgbClr val="000000"/>
                   </a:solidFill>
@@ -5685,7 +5685,7 @@
             </a:ln>
             <a:extLst>
               <a:ext uri="{91240B29-F687-4f45-9708-019B960494DF}">
-                <a14:hiddenLine xmlns:a14="http://schemas.microsoft.com/office/drawing/2010/main" xmlns="" w="9525">
+                <a14:hiddenLine xmlns="" xmlns:a14="http://schemas.microsoft.com/office/drawing/2010/main" w="9525">
                   <a:solidFill>
                     <a:srgbClr val="000000"/>
                   </a:solidFill>
@@ -5775,7 +5775,7 @@
             </a:ln>
             <a:extLst>
               <a:ext uri="{91240B29-F687-4f45-9708-019B960494DF}">
-                <a14:hiddenLine xmlns:a14="http://schemas.microsoft.com/office/drawing/2010/main" xmlns="" w="9525">
+                <a14:hiddenLine xmlns="" xmlns:a14="http://schemas.microsoft.com/office/drawing/2010/main" w="9525">
                   <a:solidFill>
                     <a:srgbClr val="000000"/>
                   </a:solidFill>
@@ -5831,7 +5831,7 @@
             </a:ln>
             <a:extLst>
               <a:ext uri="{91240B29-F687-4f45-9708-019B960494DF}">
-                <a14:hiddenLine xmlns:a14="http://schemas.microsoft.com/office/drawing/2010/main" xmlns="" w="9525">
+                <a14:hiddenLine xmlns="" xmlns:a14="http://schemas.microsoft.com/office/drawing/2010/main" w="9525">
                   <a:solidFill>
                     <a:srgbClr val="000000"/>
                   </a:solidFill>
@@ -5921,7 +5921,7 @@
             </a:ln>
             <a:extLst>
               <a:ext uri="{91240B29-F687-4f45-9708-019B960494DF}">
-                <a14:hiddenLine xmlns:a14="http://schemas.microsoft.com/office/drawing/2010/main" xmlns="" w="9525">
+                <a14:hiddenLine xmlns="" xmlns:a14="http://schemas.microsoft.com/office/drawing/2010/main" w="9525">
                   <a:solidFill>
                     <a:srgbClr val="000000"/>
                   </a:solidFill>
@@ -5977,7 +5977,7 @@
             </a:ln>
             <a:extLst>
               <a:ext uri="{91240B29-F687-4f45-9708-019B960494DF}">
-                <a14:hiddenLine xmlns:a14="http://schemas.microsoft.com/office/drawing/2010/main" xmlns="" w="9525">
+                <a14:hiddenLine xmlns="" xmlns:a14="http://schemas.microsoft.com/office/drawing/2010/main" w="9525">
                   <a:solidFill>
                     <a:srgbClr val="000000"/>
                   </a:solidFill>
@@ -6067,7 +6067,7 @@
             </a:ln>
             <a:extLst>
               <a:ext uri="{91240B29-F687-4f45-9708-019B960494DF}">
-                <a14:hiddenLine xmlns:a14="http://schemas.microsoft.com/office/drawing/2010/main" xmlns="" w="9525">
+                <a14:hiddenLine xmlns="" xmlns:a14="http://schemas.microsoft.com/office/drawing/2010/main" w="9525">
                   <a:solidFill>
                     <a:srgbClr val="000000"/>
                   </a:solidFill>
@@ -6135,7 +6135,7 @@
             </a:ln>
             <a:extLst>
               <a:ext uri="{91240B29-F687-4f45-9708-019B960494DF}">
-                <a14:hiddenLine xmlns:a14="http://schemas.microsoft.com/office/drawing/2010/main" xmlns="" w="9525">
+                <a14:hiddenLine xmlns="" xmlns:a14="http://schemas.microsoft.com/office/drawing/2010/main" w="9525">
                   <a:solidFill>
                     <a:srgbClr val="000000"/>
                   </a:solidFill>
@@ -6225,7 +6225,7 @@
             </a:ln>
             <a:extLst>
               <a:ext uri="{91240B29-F687-4f45-9708-019B960494DF}">
-                <a14:hiddenLine xmlns:a14="http://schemas.microsoft.com/office/drawing/2010/main" xmlns="" w="9525">
+                <a14:hiddenLine xmlns="" xmlns:a14="http://schemas.microsoft.com/office/drawing/2010/main" w="9525">
                   <a:solidFill>
                     <a:srgbClr val="000000"/>
                   </a:solidFill>
@@ -6293,7 +6293,7 @@
             </a:ln>
             <a:extLst>
               <a:ext uri="{91240B29-F687-4f45-9708-019B960494DF}">
-                <a14:hiddenLine xmlns:a14="http://schemas.microsoft.com/office/drawing/2010/main" xmlns="" w="9525">
+                <a14:hiddenLine xmlns="" xmlns:a14="http://schemas.microsoft.com/office/drawing/2010/main" w="9525">
                   <a:solidFill>
                     <a:srgbClr val="000000"/>
                   </a:solidFill>
@@ -6383,7 +6383,7 @@
             </a:ln>
             <a:extLst>
               <a:ext uri="{91240B29-F687-4f45-9708-019B960494DF}">
-                <a14:hiddenLine xmlns:a14="http://schemas.microsoft.com/office/drawing/2010/main" xmlns="" w="9525">
+                <a14:hiddenLine xmlns="" xmlns:a14="http://schemas.microsoft.com/office/drawing/2010/main" w="9525">
                   <a:solidFill>
                     <a:srgbClr val="000000"/>
                   </a:solidFill>
@@ -6417,7 +6417,7 @@
             </a:ln>
             <a:extLst>
               <a:ext uri="{91240B29-F687-4f45-9708-019B960494DF}">
-                <a14:hiddenLine xmlns:a14="http://schemas.microsoft.com/office/drawing/2010/main" xmlns="" w="9525">
+                <a14:hiddenLine xmlns="" xmlns:a14="http://schemas.microsoft.com/office/drawing/2010/main" w="9525">
                   <a:solidFill>
                     <a:srgbClr val="000000"/>
                   </a:solidFill>
@@ -6507,7 +6507,7 @@
             </a:ln>
             <a:extLst>
               <a:ext uri="{91240B29-F687-4f45-9708-019B960494DF}">
-                <a14:hiddenLine xmlns:a14="http://schemas.microsoft.com/office/drawing/2010/main" xmlns="" w="9525">
+                <a14:hiddenLine xmlns="" xmlns:a14="http://schemas.microsoft.com/office/drawing/2010/main" w="9525">
                   <a:solidFill>
                     <a:srgbClr val="000000"/>
                   </a:solidFill>
@@ -6569,7 +6569,7 @@
             </a:ln>
             <a:extLst>
               <a:ext uri="{91240B29-F687-4f45-9708-019B960494DF}">
-                <a14:hiddenLine xmlns:a14="http://schemas.microsoft.com/office/drawing/2010/main" xmlns="" w="9525">
+                <a14:hiddenLine xmlns="" xmlns:a14="http://schemas.microsoft.com/office/drawing/2010/main" w="9525">
                   <a:solidFill>
                     <a:srgbClr val="000000"/>
                   </a:solidFill>
@@ -6631,7 +6631,7 @@
             </a:ln>
             <a:extLst>
               <a:ext uri="{91240B29-F687-4f45-9708-019B960494DF}">
-                <a14:hiddenLine xmlns:a14="http://schemas.microsoft.com/office/drawing/2010/main" xmlns="" w="9525">
+                <a14:hiddenLine xmlns="" xmlns:a14="http://schemas.microsoft.com/office/drawing/2010/main" w="9525">
                   <a:solidFill>
                     <a:srgbClr val="000000"/>
                   </a:solidFill>
@@ -6721,7 +6721,7 @@
             </a:ln>
             <a:extLst>
               <a:ext uri="{91240B29-F687-4f45-9708-019B960494DF}">
-                <a14:hiddenLine xmlns:a14="http://schemas.microsoft.com/office/drawing/2010/main" xmlns="" w="9525">
+                <a14:hiddenLine xmlns="" xmlns:a14="http://schemas.microsoft.com/office/drawing/2010/main" w="9525">
                   <a:solidFill>
                     <a:srgbClr val="000000"/>
                   </a:solidFill>
@@ -6789,7 +6789,7 @@
             </a:ln>
             <a:extLst>
               <a:ext uri="{91240B29-F687-4f45-9708-019B960494DF}">
-                <a14:hiddenLine xmlns:a14="http://schemas.microsoft.com/office/drawing/2010/main" xmlns="" w="9525">
+                <a14:hiddenLine xmlns="" xmlns:a14="http://schemas.microsoft.com/office/drawing/2010/main" w="9525">
                   <a:solidFill>
                     <a:srgbClr val="000000"/>
                   </a:solidFill>
@@ -6851,7 +6851,7 @@
             </a:ln>
             <a:extLst>
               <a:ext uri="{91240B29-F687-4f45-9708-019B960494DF}">
-                <a14:hiddenLine xmlns:a14="http://schemas.microsoft.com/office/drawing/2010/main" xmlns="" w="9525">
+                <a14:hiddenLine xmlns="" xmlns:a14="http://schemas.microsoft.com/office/drawing/2010/main" w="9525">
                   <a:solidFill>
                     <a:srgbClr val="000000"/>
                   </a:solidFill>
@@ -6941,7 +6941,7 @@
             </a:ln>
             <a:extLst>
               <a:ext uri="{91240B29-F687-4f45-9708-019B960494DF}">
-                <a14:hiddenLine xmlns:a14="http://schemas.microsoft.com/office/drawing/2010/main" xmlns="" w="9525">
+                <a14:hiddenLine xmlns="" xmlns:a14="http://schemas.microsoft.com/office/drawing/2010/main" w="9525">
                   <a:solidFill>
                     <a:srgbClr val="000000"/>
                   </a:solidFill>
@@ -7003,7 +7003,7 @@
             </a:ln>
             <a:extLst>
               <a:ext uri="{91240B29-F687-4f45-9708-019B960494DF}">
-                <a14:hiddenLine xmlns:a14="http://schemas.microsoft.com/office/drawing/2010/main" xmlns="" w="9525">
+                <a14:hiddenLine xmlns="" xmlns:a14="http://schemas.microsoft.com/office/drawing/2010/main" w="9525">
                   <a:solidFill>
                     <a:srgbClr val="000000"/>
                   </a:solidFill>
@@ -7093,7 +7093,7 @@
             </a:ln>
             <a:extLst>
               <a:ext uri="{91240B29-F687-4f45-9708-019B960494DF}">
-                <a14:hiddenLine xmlns:a14="http://schemas.microsoft.com/office/drawing/2010/main" xmlns="" w="9525">
+                <a14:hiddenLine xmlns="" xmlns:a14="http://schemas.microsoft.com/office/drawing/2010/main" w="9525">
                   <a:solidFill>
                     <a:srgbClr val="000000"/>
                   </a:solidFill>
@@ -7155,7 +7155,7 @@
             </a:ln>
             <a:extLst>
               <a:ext uri="{91240B29-F687-4f45-9708-019B960494DF}">
-                <a14:hiddenLine xmlns:a14="http://schemas.microsoft.com/office/drawing/2010/main" xmlns="" w="9525">
+                <a14:hiddenLine xmlns="" xmlns:a14="http://schemas.microsoft.com/office/drawing/2010/main" w="9525">
                   <a:solidFill>
                     <a:srgbClr val="000000"/>
                   </a:solidFill>
@@ -7245,7 +7245,7 @@
             </a:ln>
             <a:extLst>
               <a:ext uri="{91240B29-F687-4f45-9708-019B960494DF}">
-                <a14:hiddenLine xmlns:a14="http://schemas.microsoft.com/office/drawing/2010/main" xmlns="" w="9525">
+                <a14:hiddenLine xmlns="" xmlns:a14="http://schemas.microsoft.com/office/drawing/2010/main" w="9525">
                   <a:solidFill>
                     <a:srgbClr val="000000"/>
                   </a:solidFill>
@@ -7279,7 +7279,7 @@
             </a:ln>
             <a:extLst>
               <a:ext uri="{91240B29-F687-4f45-9708-019B960494DF}">
-                <a14:hiddenLine xmlns:a14="http://schemas.microsoft.com/office/drawing/2010/main" xmlns="" w="9525">
+                <a14:hiddenLine xmlns="" xmlns:a14="http://schemas.microsoft.com/office/drawing/2010/main" w="9525">
                   <a:solidFill>
                     <a:srgbClr val="000000"/>
                   </a:solidFill>
@@ -7344,7 +7344,7 @@
             </a:ln>
             <a:extLst>
               <a:ext uri="{91240B29-F687-4f45-9708-019B960494DF}">
-                <a14:hiddenLine xmlns:a14="http://schemas.microsoft.com/office/drawing/2010/main" xmlns="" w="9525">
+                <a14:hiddenLine xmlns="" xmlns:a14="http://schemas.microsoft.com/office/drawing/2010/main" w="9525">
                   <a:solidFill>
                     <a:srgbClr val="000000"/>
                   </a:solidFill>
@@ -7434,7 +7434,7 @@
             </a:ln>
             <a:extLst>
               <a:ext uri="{91240B29-F687-4f45-9708-019B960494DF}">
-                <a14:hiddenLine xmlns:a14="http://schemas.microsoft.com/office/drawing/2010/main" xmlns="" w="9525">
+                <a14:hiddenLine xmlns="" xmlns:a14="http://schemas.microsoft.com/office/drawing/2010/main" w="9525">
                   <a:solidFill>
                     <a:srgbClr val="000000"/>
                   </a:solidFill>
@@ -7496,7 +7496,7 @@
             </a:ln>
             <a:extLst>
               <a:ext uri="{91240B29-F687-4f45-9708-019B960494DF}">
-                <a14:hiddenLine xmlns:a14="http://schemas.microsoft.com/office/drawing/2010/main" xmlns="" w="9525">
+                <a14:hiddenLine xmlns="" xmlns:a14="http://schemas.microsoft.com/office/drawing/2010/main" w="9525">
                   <a:solidFill>
                     <a:srgbClr val="000000"/>
                   </a:solidFill>
@@ -7586,7 +7586,7 @@
             </a:ln>
             <a:extLst>
               <a:ext uri="{91240B29-F687-4f45-9708-019B960494DF}">
-                <a14:hiddenLine xmlns:a14="http://schemas.microsoft.com/office/drawing/2010/main" xmlns="" w="9525">
+                <a14:hiddenLine xmlns="" xmlns:a14="http://schemas.microsoft.com/office/drawing/2010/main" w="9525">
                   <a:solidFill>
                     <a:srgbClr val="000000"/>
                   </a:solidFill>
@@ -7676,7 +7676,7 @@
             </a:ln>
             <a:extLst>
               <a:ext uri="{91240B29-F687-4f45-9708-019B960494DF}">
-                <a14:hiddenLine xmlns:a14="http://schemas.microsoft.com/office/drawing/2010/main" xmlns="" w="9525">
+                <a14:hiddenLine xmlns="" xmlns:a14="http://schemas.microsoft.com/office/drawing/2010/main" w="9525">
                   <a:solidFill>
                     <a:srgbClr val="000000"/>
                   </a:solidFill>
@@ -7741,7 +7741,7 @@
             </a:ln>
             <a:extLst>
               <a:ext uri="{91240B29-F687-4f45-9708-019B960494DF}">
-                <a14:hiddenLine xmlns:a14="http://schemas.microsoft.com/office/drawing/2010/main" xmlns="" w="9525">
+                <a14:hiddenLine xmlns="" xmlns:a14="http://schemas.microsoft.com/office/drawing/2010/main" w="9525">
                   <a:solidFill>
                     <a:srgbClr val="000000"/>
                   </a:solidFill>
@@ -7803,7 +7803,7 @@
             </a:ln>
             <a:extLst>
               <a:ext uri="{91240B29-F687-4f45-9708-019B960494DF}">
-                <a14:hiddenLine xmlns:a14="http://schemas.microsoft.com/office/drawing/2010/main" xmlns="" w="9525">
+                <a14:hiddenLine xmlns="" xmlns:a14="http://schemas.microsoft.com/office/drawing/2010/main" w="9525">
                   <a:solidFill>
                     <a:srgbClr val="000000"/>
                   </a:solidFill>
@@ -7893,7 +7893,7 @@
             </a:ln>
             <a:extLst>
               <a:ext uri="{91240B29-F687-4f45-9708-019B960494DF}">
-                <a14:hiddenLine xmlns:a14="http://schemas.microsoft.com/office/drawing/2010/main" xmlns="" w="9525">
+                <a14:hiddenLine xmlns="" xmlns:a14="http://schemas.microsoft.com/office/drawing/2010/main" w="9525">
                   <a:solidFill>
                     <a:srgbClr val="000000"/>
                   </a:solidFill>
@@ -7983,7 +7983,7 @@
             </a:ln>
             <a:extLst>
               <a:ext uri="{91240B29-F687-4f45-9708-019B960494DF}">
-                <a14:hiddenLine xmlns:a14="http://schemas.microsoft.com/office/drawing/2010/main" xmlns="" w="9525">
+                <a14:hiddenLine xmlns="" xmlns:a14="http://schemas.microsoft.com/office/drawing/2010/main" w="9525">
                   <a:solidFill>
                     <a:srgbClr val="000000"/>
                   </a:solidFill>
@@ -8045,7 +8045,7 @@
             </a:ln>
             <a:extLst>
               <a:ext uri="{91240B29-F687-4f45-9708-019B960494DF}">
-                <a14:hiddenLine xmlns:a14="http://schemas.microsoft.com/office/drawing/2010/main" xmlns="" w="9525">
+                <a14:hiddenLine xmlns="" xmlns:a14="http://schemas.microsoft.com/office/drawing/2010/main" w="9525">
                   <a:solidFill>
                     <a:srgbClr val="000000"/>
                   </a:solidFill>
@@ -8165,7 +8165,7 @@
             </a:ln>
             <a:extLst>
               <a:ext uri="{91240B29-F687-4f45-9708-019B960494DF}">
-                <a14:hiddenLine xmlns:a14="http://schemas.microsoft.com/office/drawing/2010/main" xmlns="" w="9525">
+                <a14:hiddenLine xmlns="" xmlns:a14="http://schemas.microsoft.com/office/drawing/2010/main" w="9525">
                   <a:solidFill>
                     <a:srgbClr val="000000"/>
                   </a:solidFill>
@@ -8233,7 +8233,7 @@
             </a:ln>
             <a:extLst>
               <a:ext uri="{91240B29-F687-4f45-9708-019B960494DF}">
-                <a14:hiddenLine xmlns:a14="http://schemas.microsoft.com/office/drawing/2010/main" xmlns="" w="9525">
+                <a14:hiddenLine xmlns="" xmlns:a14="http://schemas.microsoft.com/office/drawing/2010/main" w="9525">
                   <a:solidFill>
                     <a:srgbClr val="000000"/>
                   </a:solidFill>
@@ -8323,7 +8323,7 @@
             </a:ln>
             <a:extLst>
               <a:ext uri="{91240B29-F687-4f45-9708-019B960494DF}">
-                <a14:hiddenLine xmlns:a14="http://schemas.microsoft.com/office/drawing/2010/main" xmlns="" w="9525">
+                <a14:hiddenLine xmlns="" xmlns:a14="http://schemas.microsoft.com/office/drawing/2010/main" w="9525">
                   <a:solidFill>
                     <a:srgbClr val="000000"/>
                   </a:solidFill>
@@ -8463,7 +8463,7 @@
           <a:p>
             <a:fld id="{48A87A34-81AB-432B-8DAE-1953F412C126}" type="datetimeFigureOut">
               <a:rPr lang="en-US" smtClean="0"/>
-              <a:t>5/10/2022</a:t>
+              <a:t>5/13/2022</a:t>
             </a:fld>
             <a:endParaRPr lang="en-US" dirty="0"/>
           </a:p>
@@ -8730,7 +8730,7 @@
           <a:p>
             <a:fld id="{48A87A34-81AB-432B-8DAE-1953F412C126}" type="datetimeFigureOut">
               <a:rPr lang="en-US" smtClean="0"/>
-              <a:t>5/10/2022</a:t>
+              <a:t>5/13/2022</a:t>
             </a:fld>
             <a:endParaRPr lang="en-US" dirty="0"/>
           </a:p>
@@ -8926,7 +8926,7 @@
           <a:p>
             <a:fld id="{48A87A34-81AB-432B-8DAE-1953F412C126}" type="datetimeFigureOut">
               <a:rPr lang="en-US" smtClean="0"/>
-              <a:t>5/10/2022</a:t>
+              <a:t>5/13/2022</a:t>
             </a:fld>
             <a:endParaRPr lang="en-US" dirty="0"/>
           </a:p>
@@ -9189,7 +9189,7 @@
           <a:p>
             <a:fld id="{48A87A34-81AB-432B-8DAE-1953F412C126}" type="datetimeFigureOut">
               <a:rPr lang="en-US" smtClean="0"/>
-              <a:t>5/10/2022</a:t>
+              <a:t>5/13/2022</a:t>
             </a:fld>
             <a:endParaRPr lang="en-US" dirty="0"/>
           </a:p>
@@ -9623,7 +9623,7 @@
           <a:p>
             <a:fld id="{48A87A34-81AB-432B-8DAE-1953F412C126}" type="datetimeFigureOut">
               <a:rPr lang="en-US" smtClean="0"/>
-              <a:t>5/10/2022</a:t>
+              <a:t>5/13/2022</a:t>
             </a:fld>
             <a:endParaRPr lang="en-US" dirty="0"/>
           </a:p>
@@ -10169,7 +10169,7 @@
           <a:p>
             <a:fld id="{48A87A34-81AB-432B-8DAE-1953F412C126}" type="datetimeFigureOut">
               <a:rPr lang="en-US" smtClean="0"/>
-              <a:t>5/10/2022</a:t>
+              <a:t>5/13/2022</a:t>
             </a:fld>
             <a:endParaRPr lang="en-US" dirty="0"/>
           </a:p>
@@ -10889,7 +10889,7 @@
           <a:p>
             <a:fld id="{48A87A34-81AB-432B-8DAE-1953F412C126}" type="datetimeFigureOut">
               <a:rPr lang="en-US" smtClean="0"/>
-              <a:t>5/10/2022</a:t>
+              <a:t>5/13/2022</a:t>
             </a:fld>
             <a:endParaRPr lang="en-US" dirty="0"/>
           </a:p>
@@ -11059,7 +11059,7 @@
           <a:p>
             <a:fld id="{48A87A34-81AB-432B-8DAE-1953F412C126}" type="datetimeFigureOut">
               <a:rPr lang="en-US" smtClean="0"/>
-              <a:t>5/10/2022</a:t>
+              <a:t>5/13/2022</a:t>
             </a:fld>
             <a:endParaRPr lang="en-US" dirty="0"/>
           </a:p>
@@ -11239,7 +11239,7 @@
           <a:p>
             <a:fld id="{48A87A34-81AB-432B-8DAE-1953F412C126}" type="datetimeFigureOut">
               <a:rPr lang="en-US" smtClean="0"/>
-              <a:t>5/10/2022</a:t>
+              <a:t>5/13/2022</a:t>
             </a:fld>
             <a:endParaRPr lang="en-US" dirty="0"/>
           </a:p>
@@ -11409,7 +11409,7 @@
           <a:p>
             <a:fld id="{48A87A34-81AB-432B-8DAE-1953F412C126}" type="datetimeFigureOut">
               <a:rPr lang="en-US" smtClean="0"/>
-              <a:t>5/10/2022</a:t>
+              <a:t>5/13/2022</a:t>
             </a:fld>
             <a:endParaRPr lang="en-US" dirty="0"/>
           </a:p>
@@ -11659,7 +11659,7 @@
           <a:p>
             <a:fld id="{48A87A34-81AB-432B-8DAE-1953F412C126}" type="datetimeFigureOut">
               <a:rPr lang="en-US" smtClean="0"/>
-              <a:t>5/10/2022</a:t>
+              <a:t>5/13/2022</a:t>
             </a:fld>
             <a:endParaRPr lang="en-US" dirty="0"/>
           </a:p>
@@ -11891,7 +11891,7 @@
           <a:p>
             <a:fld id="{48A87A34-81AB-432B-8DAE-1953F412C126}" type="datetimeFigureOut">
               <a:rPr lang="en-US" smtClean="0"/>
-              <a:t>5/10/2022</a:t>
+              <a:t>5/13/2022</a:t>
             </a:fld>
             <a:endParaRPr lang="en-US" dirty="0"/>
           </a:p>
@@ -12272,7 +12272,7 @@
           <a:p>
             <a:fld id="{48A87A34-81AB-432B-8DAE-1953F412C126}" type="datetimeFigureOut">
               <a:rPr lang="en-US" smtClean="0"/>
-              <a:t>5/10/2022</a:t>
+              <a:t>5/13/2022</a:t>
             </a:fld>
             <a:endParaRPr lang="en-US" dirty="0"/>
           </a:p>
@@ -12390,7 +12390,7 @@
           <a:p>
             <a:fld id="{48A87A34-81AB-432B-8DAE-1953F412C126}" type="datetimeFigureOut">
               <a:rPr lang="en-US" smtClean="0"/>
-              <a:t>5/10/2022</a:t>
+              <a:t>5/13/2022</a:t>
             </a:fld>
             <a:endParaRPr lang="en-US" dirty="0"/>
           </a:p>
@@ -12485,7 +12485,7 @@
           <a:p>
             <a:fld id="{48A87A34-81AB-432B-8DAE-1953F412C126}" type="datetimeFigureOut">
               <a:rPr lang="en-US" smtClean="0"/>
-              <a:t>5/10/2022</a:t>
+              <a:t>5/13/2022</a:t>
             </a:fld>
             <a:endParaRPr lang="en-US" dirty="0"/>
           </a:p>
@@ -12734,7 +12734,7 @@
           <a:p>
             <a:fld id="{48A87A34-81AB-432B-8DAE-1953F412C126}" type="datetimeFigureOut">
               <a:rPr lang="en-US" smtClean="0"/>
-              <a:t>5/10/2022</a:t>
+              <a:t>5/13/2022</a:t>
             </a:fld>
             <a:endParaRPr lang="en-US" dirty="0"/>
           </a:p>
@@ -13014,7 +13014,7 @@
           <a:p>
             <a:fld id="{48A87A34-81AB-432B-8DAE-1953F412C126}" type="datetimeFigureOut">
               <a:rPr lang="en-US" smtClean="0"/>
-              <a:t>5/10/2022</a:t>
+              <a:t>5/13/2022</a:t>
             </a:fld>
             <a:endParaRPr lang="en-US" dirty="0"/>
           </a:p>
@@ -13137,7 +13137,7 @@
           <a:noFill/>
           <a:extLst>
             <a:ext uri="{909E8E84-426E-40dd-AFC4-6F175D3DCCD1}">
-              <a14:hiddenFill xmlns:a14="http://schemas.microsoft.com/office/drawing/2010/main" xmlns="">
+              <a14:hiddenFill xmlns="" xmlns:a14="http://schemas.microsoft.com/office/drawing/2010/main">
                 <a:solidFill>
                   <a:srgbClr val="FFFFFF"/>
                 </a:solidFill>
@@ -13211,7 +13211,7 @@
               </a:ln>
               <a:extLst>
                 <a:ext uri="{91240B29-F687-4f45-9708-019B960494DF}">
-                  <a14:hiddenLine xmlns:a14="http://schemas.microsoft.com/office/drawing/2010/main" xmlns="" w="9525">
+                  <a14:hiddenLine xmlns="" xmlns:a14="http://schemas.microsoft.com/office/drawing/2010/main" w="9525">
                     <a:solidFill>
                       <a:srgbClr val="000000"/>
                     </a:solidFill>
@@ -13301,7 +13301,7 @@
               </a:ln>
               <a:extLst>
                 <a:ext uri="{91240B29-F687-4f45-9708-019B960494DF}">
-                  <a14:hiddenLine xmlns:a14="http://schemas.microsoft.com/office/drawing/2010/main" xmlns="" w="9525">
+                  <a14:hiddenLine xmlns="" xmlns:a14="http://schemas.microsoft.com/office/drawing/2010/main" w="9525">
                     <a:solidFill>
                       <a:srgbClr val="000000"/>
                     </a:solidFill>
@@ -13391,7 +13391,7 @@
               </a:ln>
               <a:extLst>
                 <a:ext uri="{91240B29-F687-4f45-9708-019B960494DF}">
-                  <a14:hiddenLine xmlns:a14="http://schemas.microsoft.com/office/drawing/2010/main" xmlns="" w="9525">
+                  <a14:hiddenLine xmlns="" xmlns:a14="http://schemas.microsoft.com/office/drawing/2010/main" w="9525">
                     <a:solidFill>
                       <a:srgbClr val="000000"/>
                     </a:solidFill>
@@ -13453,7 +13453,7 @@
               </a:ln>
               <a:extLst>
                 <a:ext uri="{91240B29-F687-4f45-9708-019B960494DF}">
-                  <a14:hiddenLine xmlns:a14="http://schemas.microsoft.com/office/drawing/2010/main" xmlns="" w="9525">
+                  <a14:hiddenLine xmlns="" xmlns:a14="http://schemas.microsoft.com/office/drawing/2010/main" w="9525">
                     <a:solidFill>
                       <a:srgbClr val="000000"/>
                     </a:solidFill>
@@ -13543,7 +13543,7 @@
               </a:ln>
               <a:extLst>
                 <a:ext uri="{91240B29-F687-4f45-9708-019B960494DF}">
-                  <a14:hiddenLine xmlns:a14="http://schemas.microsoft.com/office/drawing/2010/main" xmlns="" w="9525">
+                  <a14:hiddenLine xmlns="" xmlns:a14="http://schemas.microsoft.com/office/drawing/2010/main" w="9525">
                     <a:solidFill>
                       <a:srgbClr val="000000"/>
                     </a:solidFill>
@@ -13605,7 +13605,7 @@
               </a:ln>
               <a:extLst>
                 <a:ext uri="{91240B29-F687-4f45-9708-019B960494DF}">
-                  <a14:hiddenLine xmlns:a14="http://schemas.microsoft.com/office/drawing/2010/main" xmlns="" w="9525">
+                  <a14:hiddenLine xmlns="" xmlns:a14="http://schemas.microsoft.com/office/drawing/2010/main" w="9525">
                     <a:solidFill>
                       <a:srgbClr val="000000"/>
                     </a:solidFill>
@@ -13667,7 +13667,7 @@
               </a:ln>
               <a:extLst>
                 <a:ext uri="{91240B29-F687-4f45-9708-019B960494DF}">
-                  <a14:hiddenLine xmlns:a14="http://schemas.microsoft.com/office/drawing/2010/main" xmlns="" w="9525">
+                  <a14:hiddenLine xmlns="" xmlns:a14="http://schemas.microsoft.com/office/drawing/2010/main" w="9525">
                     <a:solidFill>
                       <a:srgbClr val="000000"/>
                     </a:solidFill>
@@ -13757,7 +13757,7 @@
               </a:ln>
               <a:extLst>
                 <a:ext uri="{91240B29-F687-4f45-9708-019B960494DF}">
-                  <a14:hiddenLine xmlns:a14="http://schemas.microsoft.com/office/drawing/2010/main" xmlns="" w="9525">
+                  <a14:hiddenLine xmlns="" xmlns:a14="http://schemas.microsoft.com/office/drawing/2010/main" w="9525">
                     <a:solidFill>
                       <a:srgbClr val="000000"/>
                     </a:solidFill>
@@ -13847,7 +13847,7 @@
               </a:ln>
               <a:extLst>
                 <a:ext uri="{91240B29-F687-4f45-9708-019B960494DF}">
-                  <a14:hiddenLine xmlns:a14="http://schemas.microsoft.com/office/drawing/2010/main" xmlns="" w="9525">
+                  <a14:hiddenLine xmlns="" xmlns:a14="http://schemas.microsoft.com/office/drawing/2010/main" w="9525">
                     <a:solidFill>
                       <a:srgbClr val="000000"/>
                     </a:solidFill>
@@ -13909,7 +13909,7 @@
               </a:ln>
               <a:extLst>
                 <a:ext uri="{91240B29-F687-4f45-9708-019B960494DF}">
-                  <a14:hiddenLine xmlns:a14="http://schemas.microsoft.com/office/drawing/2010/main" xmlns="" w="9525">
+                  <a14:hiddenLine xmlns="" xmlns:a14="http://schemas.microsoft.com/office/drawing/2010/main" w="9525">
                     <a:solidFill>
                       <a:srgbClr val="000000"/>
                     </a:solidFill>
@@ -14019,7 +14019,7 @@
               </a:ln>
               <a:extLst>
                 <a:ext uri="{91240B29-F687-4f45-9708-019B960494DF}">
-                  <a14:hiddenLine xmlns:a14="http://schemas.microsoft.com/office/drawing/2010/main" xmlns="" w="9525">
+                  <a14:hiddenLine xmlns="" xmlns:a14="http://schemas.microsoft.com/office/drawing/2010/main" w="9525">
                     <a:solidFill>
                       <a:srgbClr val="000000"/>
                     </a:solidFill>
@@ -14103,7 +14103,7 @@
               </a:ln>
               <a:extLst>
                 <a:ext uri="{91240B29-F687-4f45-9708-019B960494DF}">
-                  <a14:hiddenLine xmlns:a14="http://schemas.microsoft.com/office/drawing/2010/main" xmlns="" w="9525">
+                  <a14:hiddenLine xmlns="" xmlns:a14="http://schemas.microsoft.com/office/drawing/2010/main" w="9525">
                     <a:solidFill>
                       <a:srgbClr val="000000"/>
                     </a:solidFill>
@@ -14165,7 +14165,7 @@
               </a:ln>
               <a:extLst>
                 <a:ext uri="{91240B29-F687-4f45-9708-019B960494DF}">
-                  <a14:hiddenLine xmlns:a14="http://schemas.microsoft.com/office/drawing/2010/main" xmlns="" w="9525">
+                  <a14:hiddenLine xmlns="" xmlns:a14="http://schemas.microsoft.com/office/drawing/2010/main" w="9525">
                     <a:solidFill>
                       <a:srgbClr val="000000"/>
                     </a:solidFill>
@@ -14227,7 +14227,7 @@
               </a:ln>
               <a:extLst>
                 <a:ext uri="{91240B29-F687-4f45-9708-019B960494DF}">
-                  <a14:hiddenLine xmlns:a14="http://schemas.microsoft.com/office/drawing/2010/main" xmlns="" w="9525">
+                  <a14:hiddenLine xmlns="" xmlns:a14="http://schemas.microsoft.com/office/drawing/2010/main" w="9525">
                     <a:solidFill>
                       <a:srgbClr val="000000"/>
                     </a:solidFill>
@@ -14317,7 +14317,7 @@
               </a:ln>
               <a:extLst>
                 <a:ext uri="{91240B29-F687-4f45-9708-019B960494DF}">
-                  <a14:hiddenLine xmlns:a14="http://schemas.microsoft.com/office/drawing/2010/main" xmlns="" w="9525">
+                  <a14:hiddenLine xmlns="" xmlns:a14="http://schemas.microsoft.com/office/drawing/2010/main" w="9525">
                     <a:solidFill>
                       <a:srgbClr val="000000"/>
                     </a:solidFill>
@@ -14351,7 +14351,7 @@
               </a:ln>
               <a:extLst>
                 <a:ext uri="{91240B29-F687-4f45-9708-019B960494DF}">
-                  <a14:hiddenLine xmlns:a14="http://schemas.microsoft.com/office/drawing/2010/main" xmlns="" w="9525">
+                  <a14:hiddenLine xmlns="" xmlns:a14="http://schemas.microsoft.com/office/drawing/2010/main" w="9525">
                     <a:solidFill>
                       <a:srgbClr val="000000"/>
                     </a:solidFill>
@@ -14416,7 +14416,7 @@
               </a:ln>
               <a:extLst>
                 <a:ext uri="{91240B29-F687-4f45-9708-019B960494DF}">
-                  <a14:hiddenLine xmlns:a14="http://schemas.microsoft.com/office/drawing/2010/main" xmlns="" w="9525">
+                  <a14:hiddenLine xmlns="" xmlns:a14="http://schemas.microsoft.com/office/drawing/2010/main" w="9525">
                     <a:solidFill>
                       <a:srgbClr val="000000"/>
                     </a:solidFill>
@@ -14506,7 +14506,7 @@
               </a:ln>
               <a:extLst>
                 <a:ext uri="{91240B29-F687-4f45-9708-019B960494DF}">
-                  <a14:hiddenLine xmlns:a14="http://schemas.microsoft.com/office/drawing/2010/main" xmlns="" w="9525">
+                  <a14:hiddenLine xmlns="" xmlns:a14="http://schemas.microsoft.com/office/drawing/2010/main" w="9525">
                     <a:solidFill>
                       <a:srgbClr val="000000"/>
                     </a:solidFill>
@@ -14568,7 +14568,7 @@
               </a:ln>
               <a:extLst>
                 <a:ext uri="{91240B29-F687-4f45-9708-019B960494DF}">
-                  <a14:hiddenLine xmlns:a14="http://schemas.microsoft.com/office/drawing/2010/main" xmlns="" w="9525">
+                  <a14:hiddenLine xmlns="" xmlns:a14="http://schemas.microsoft.com/office/drawing/2010/main" w="9525">
                     <a:solidFill>
                       <a:srgbClr val="000000"/>
                     </a:solidFill>
@@ -14658,7 +14658,7 @@
               </a:ln>
               <a:extLst>
                 <a:ext uri="{91240B29-F687-4f45-9708-019B960494DF}">
-                  <a14:hiddenLine xmlns:a14="http://schemas.microsoft.com/office/drawing/2010/main" xmlns="" w="9525">
+                  <a14:hiddenLine xmlns="" xmlns:a14="http://schemas.microsoft.com/office/drawing/2010/main" w="9525">
                     <a:solidFill>
                       <a:srgbClr val="000000"/>
                     </a:solidFill>
@@ -14723,7 +14723,7 @@
               </a:ln>
               <a:extLst>
                 <a:ext uri="{91240B29-F687-4f45-9708-019B960494DF}">
-                  <a14:hiddenLine xmlns:a14="http://schemas.microsoft.com/office/drawing/2010/main" xmlns="" w="9525">
+                  <a14:hiddenLine xmlns="" xmlns:a14="http://schemas.microsoft.com/office/drawing/2010/main" w="9525">
                     <a:solidFill>
                       <a:srgbClr val="000000"/>
                     </a:solidFill>
@@ -14785,7 +14785,7 @@
               </a:ln>
               <a:extLst>
                 <a:ext uri="{91240B29-F687-4f45-9708-019B960494DF}">
-                  <a14:hiddenLine xmlns:a14="http://schemas.microsoft.com/office/drawing/2010/main" xmlns="" w="9525">
+                  <a14:hiddenLine xmlns="" xmlns:a14="http://schemas.microsoft.com/office/drawing/2010/main" w="9525">
                     <a:solidFill>
                       <a:srgbClr val="000000"/>
                     </a:solidFill>
@@ -14875,7 +14875,7 @@
               </a:ln>
               <a:extLst>
                 <a:ext uri="{91240B29-F687-4f45-9708-019B960494DF}">
-                  <a14:hiddenLine xmlns:a14="http://schemas.microsoft.com/office/drawing/2010/main" xmlns="" w="9525">
+                  <a14:hiddenLine xmlns="" xmlns:a14="http://schemas.microsoft.com/office/drawing/2010/main" w="9525">
                     <a:solidFill>
                       <a:srgbClr val="000000"/>
                     </a:solidFill>
@@ -14965,7 +14965,7 @@
               </a:ln>
               <a:extLst>
                 <a:ext uri="{91240B29-F687-4f45-9708-019B960494DF}">
-                  <a14:hiddenLine xmlns:a14="http://schemas.microsoft.com/office/drawing/2010/main" xmlns="" w="9525">
+                  <a14:hiddenLine xmlns="" xmlns:a14="http://schemas.microsoft.com/office/drawing/2010/main" w="9525">
                     <a:solidFill>
                       <a:srgbClr val="000000"/>
                     </a:solidFill>
@@ -15030,7 +15030,7 @@
               </a:ln>
               <a:extLst>
                 <a:ext uri="{91240B29-F687-4f45-9708-019B960494DF}">
-                  <a14:hiddenLine xmlns:a14="http://schemas.microsoft.com/office/drawing/2010/main" xmlns="" w="9525">
+                  <a14:hiddenLine xmlns="" xmlns:a14="http://schemas.microsoft.com/office/drawing/2010/main" w="9525">
                     <a:solidFill>
                       <a:srgbClr val="000000"/>
                     </a:solidFill>
@@ -15150,7 +15150,7 @@
               </a:ln>
               <a:extLst>
                 <a:ext uri="{91240B29-F687-4f45-9708-019B960494DF}">
-                  <a14:hiddenLine xmlns:a14="http://schemas.microsoft.com/office/drawing/2010/main" xmlns="" w="9525">
+                  <a14:hiddenLine xmlns="" xmlns:a14="http://schemas.microsoft.com/office/drawing/2010/main" w="9525">
                     <a:solidFill>
                       <a:srgbClr val="000000"/>
                     </a:solidFill>
@@ -15231,7 +15231,7 @@
               </a:ln>
               <a:extLst>
                 <a:ext uri="{91240B29-F687-4f45-9708-019B960494DF}">
-                  <a14:hiddenLine xmlns:a14="http://schemas.microsoft.com/office/drawing/2010/main" xmlns="" w="9525">
+                  <a14:hiddenLine xmlns="" xmlns:a14="http://schemas.microsoft.com/office/drawing/2010/main" w="9525">
                     <a:solidFill>
                       <a:srgbClr val="000000"/>
                     </a:solidFill>
@@ -15346,7 +15346,7 @@
               </a:ln>
               <a:extLst>
                 <a:ext uri="{91240B29-F687-4f45-9708-019B960494DF}">
-                  <a14:hiddenLine xmlns:a14="http://schemas.microsoft.com/office/drawing/2010/main" xmlns="" w="9525">
+                  <a14:hiddenLine xmlns="" xmlns:a14="http://schemas.microsoft.com/office/drawing/2010/main" w="9525">
                     <a:solidFill>
                       <a:srgbClr val="000000"/>
                     </a:solidFill>
@@ -15436,7 +15436,7 @@
               </a:ln>
               <a:extLst>
                 <a:ext uri="{91240B29-F687-4f45-9708-019B960494DF}">
-                  <a14:hiddenLine xmlns:a14="http://schemas.microsoft.com/office/drawing/2010/main" xmlns="" w="9525">
+                  <a14:hiddenLine xmlns="" xmlns:a14="http://schemas.microsoft.com/office/drawing/2010/main" w="9525">
                     <a:solidFill>
                       <a:srgbClr val="000000"/>
                     </a:solidFill>
@@ -15501,7 +15501,7 @@
               </a:ln>
               <a:extLst>
                 <a:ext uri="{91240B29-F687-4f45-9708-019B960494DF}">
-                  <a14:hiddenLine xmlns:a14="http://schemas.microsoft.com/office/drawing/2010/main" xmlns="" w="9525">
+                  <a14:hiddenLine xmlns="" xmlns:a14="http://schemas.microsoft.com/office/drawing/2010/main" w="9525">
                     <a:solidFill>
                       <a:srgbClr val="000000"/>
                     </a:solidFill>
@@ -15591,7 +15591,7 @@
               </a:ln>
               <a:extLst>
                 <a:ext uri="{91240B29-F687-4f45-9708-019B960494DF}">
-                  <a14:hiddenLine xmlns:a14="http://schemas.microsoft.com/office/drawing/2010/main" xmlns="" w="9525">
+                  <a14:hiddenLine xmlns="" xmlns:a14="http://schemas.microsoft.com/office/drawing/2010/main" w="9525">
                     <a:solidFill>
                       <a:srgbClr val="000000"/>
                     </a:solidFill>
@@ -15659,7 +15659,7 @@
               </a:ln>
               <a:extLst>
                 <a:ext uri="{91240B29-F687-4f45-9708-019B960494DF}">
-                  <a14:hiddenLine xmlns:a14="http://schemas.microsoft.com/office/drawing/2010/main" xmlns="" w="9525">
+                  <a14:hiddenLine xmlns="" xmlns:a14="http://schemas.microsoft.com/office/drawing/2010/main" w="9525">
                     <a:solidFill>
                       <a:srgbClr val="000000"/>
                     </a:solidFill>
@@ -15749,7 +15749,7 @@
               </a:ln>
               <a:extLst>
                 <a:ext uri="{91240B29-F687-4f45-9708-019B960494DF}">
-                  <a14:hiddenLine xmlns:a14="http://schemas.microsoft.com/office/drawing/2010/main" xmlns="" w="9525">
+                  <a14:hiddenLine xmlns="" xmlns:a14="http://schemas.microsoft.com/office/drawing/2010/main" w="9525">
                     <a:solidFill>
                       <a:srgbClr val="000000"/>
                     </a:solidFill>
@@ -15817,7 +15817,7 @@
               </a:ln>
               <a:extLst>
                 <a:ext uri="{91240B29-F687-4f45-9708-019B960494DF}">
-                  <a14:hiddenLine xmlns:a14="http://schemas.microsoft.com/office/drawing/2010/main" xmlns="" w="9525">
+                  <a14:hiddenLine xmlns="" xmlns:a14="http://schemas.microsoft.com/office/drawing/2010/main" w="9525">
                     <a:solidFill>
                       <a:srgbClr val="000000"/>
                     </a:solidFill>
@@ -15907,7 +15907,7 @@
               </a:ln>
               <a:extLst>
                 <a:ext uri="{91240B29-F687-4f45-9708-019B960494DF}">
-                  <a14:hiddenLine xmlns:a14="http://schemas.microsoft.com/office/drawing/2010/main" xmlns="" w="9525">
+                  <a14:hiddenLine xmlns="" xmlns:a14="http://schemas.microsoft.com/office/drawing/2010/main" w="9525">
                     <a:solidFill>
                       <a:srgbClr val="000000"/>
                     </a:solidFill>
@@ -15941,7 +15941,7 @@
               </a:ln>
               <a:extLst>
                 <a:ext uri="{91240B29-F687-4f45-9708-019B960494DF}">
-                  <a14:hiddenLine xmlns:a14="http://schemas.microsoft.com/office/drawing/2010/main" xmlns="" w="9525">
+                  <a14:hiddenLine xmlns="" xmlns:a14="http://schemas.microsoft.com/office/drawing/2010/main" w="9525">
                     <a:solidFill>
                       <a:srgbClr val="000000"/>
                     </a:solidFill>
@@ -16082,7 +16082,7 @@
             <a:fld id="{48A87A34-81AB-432B-8DAE-1953F412C126}" type="datetimeFigureOut">
               <a:rPr lang="en-US" smtClean="0"/>
               <a:pPr/>
-              <a:t>5/10/2022</a:t>
+              <a:t>5/13/2022</a:t>
             </a:fld>
             <a:endParaRPr lang="en-US" dirty="0"/>
           </a:p>
@@ -16578,6 +16578,9 @@
   <p:clrMapOvr>
     <a:masterClrMapping/>
   </p:clrMapOvr>
+  <p:transition spd="slow">
+    <p:wipe/>
+  </p:transition>
 </p:sld>
 </file>
 
@@ -16680,6 +16683,9 @@
   <p:clrMapOvr>
     <a:masterClrMapping/>
   </p:clrMapOvr>
+  <p:transition spd="slow">
+    <p:wipe/>
+  </p:transition>
 </p:sld>
 </file>
 
@@ -16753,7 +16759,7 @@
         </p:nvSpPr>
         <p:spPr>
           <a:xfrm>
-            <a:off x="1035574" y="2028241"/>
+            <a:off x="1853721" y="1941613"/>
             <a:ext cx="2480352" cy="1832578"/>
           </a:xfrm>
           <a:prstGeom prst="roundRect">
@@ -16813,7 +16819,7 @@
         </p:nvSpPr>
         <p:spPr>
           <a:xfrm>
-            <a:off x="1141413" y="4566817"/>
+            <a:off x="1959560" y="4480189"/>
             <a:ext cx="2374513" cy="2015836"/>
           </a:xfrm>
           <a:prstGeom prst="roundRect">
@@ -16874,7 +16880,7 @@
         </p:nvSpPr>
         <p:spPr>
           <a:xfrm>
-            <a:off x="4092431" y="2028241"/>
+            <a:off x="4910578" y="1941613"/>
             <a:ext cx="2480352" cy="2015836"/>
           </a:xfrm>
           <a:prstGeom prst="roundRect">
@@ -16934,7 +16940,7 @@
         </p:nvSpPr>
         <p:spPr>
           <a:xfrm>
-            <a:off x="4092429" y="4566817"/>
+            <a:off x="4910576" y="4480189"/>
             <a:ext cx="2480352" cy="2015836"/>
           </a:xfrm>
           <a:prstGeom prst="roundRect">
@@ -16995,7 +17001,7 @@
         </p:nvSpPr>
         <p:spPr>
           <a:xfrm>
-            <a:off x="7046490" y="2028241"/>
+            <a:off x="7864637" y="1941613"/>
             <a:ext cx="2480352" cy="2015836"/>
           </a:xfrm>
           <a:prstGeom prst="roundRect">
@@ -17055,7 +17061,7 @@
         </p:nvSpPr>
         <p:spPr>
           <a:xfrm>
-            <a:off x="7031998" y="4566817"/>
+            <a:off x="7850145" y="4480189"/>
             <a:ext cx="2480352" cy="2015836"/>
           </a:xfrm>
           <a:prstGeom prst="roundRect">
@@ -17109,6 +17115,9 @@
   <p:clrMapOvr>
     <a:masterClrMapping/>
   </p:clrMapOvr>
+  <p:transition spd="slow">
+    <p:wipe/>
+  </p:transition>
 </p:sld>
 </file>
 
@@ -17187,7 +17196,7 @@
         </p:blipFill>
         <p:spPr>
           <a:xfrm>
-            <a:off x="5525981" y="5245860"/>
+            <a:off x="6773988" y="4971242"/>
             <a:ext cx="1140037" cy="1001850"/>
           </a:xfrm>
           <a:prstGeom prst="rect">
@@ -17516,7 +17525,7 @@
         </p:blipFill>
         <p:spPr>
           <a:xfrm>
-            <a:off x="3738322" y="3429545"/>
+            <a:off x="4163341" y="3148346"/>
             <a:ext cx="1009834" cy="1150779"/>
           </a:xfrm>
           <a:prstGeom prst="rect">
@@ -17552,7 +17561,7 @@
         </p:blipFill>
         <p:spPr>
           <a:xfrm>
-            <a:off x="802082" y="5030127"/>
+            <a:off x="943296" y="3031004"/>
             <a:ext cx="2149974" cy="1433316"/>
           </a:xfrm>
           <a:prstGeom prst="rect">
@@ -17589,8 +17598,8 @@
         </p:blipFill>
         <p:spPr bwMode="auto">
           <a:xfrm>
-            <a:off x="8228055" y="1443433"/>
-            <a:ext cx="3390691" cy="1907073"/>
+            <a:off x="7042854" y="1293537"/>
+            <a:ext cx="3115252" cy="1752154"/>
           </a:xfrm>
           <a:prstGeom prst="rect">
             <a:avLst/>
@@ -17641,8 +17650,8 @@
         </p:blipFill>
         <p:spPr>
           <a:xfrm>
-            <a:off x="1425061" y="1246781"/>
-            <a:ext cx="2281681" cy="2281681"/>
+            <a:off x="2163357" y="1113835"/>
+            <a:ext cx="2149974" cy="2149974"/>
           </a:xfrm>
           <a:prstGeom prst="rect">
             <a:avLst/>
@@ -17678,7 +17687,7 @@
         </p:blipFill>
         <p:spPr bwMode="auto">
           <a:xfrm>
-            <a:off x="9384789" y="5030127"/>
+            <a:off x="9195683" y="3297275"/>
             <a:ext cx="1077221" cy="1001850"/>
           </a:xfrm>
           <a:prstGeom prst="rect">
@@ -17725,8 +17734,8 @@
         </p:blipFill>
         <p:spPr bwMode="auto">
           <a:xfrm>
-            <a:off x="5545040" y="1740803"/>
-            <a:ext cx="1293638" cy="1293638"/>
+            <a:off x="5383402" y="1530060"/>
+            <a:ext cx="1207738" cy="1207738"/>
           </a:xfrm>
           <a:prstGeom prst="rect">
             <a:avLst/>
@@ -17772,7 +17781,7 @@
         </p:blipFill>
         <p:spPr bwMode="auto">
           <a:xfrm>
-            <a:off x="7443845" y="3528462"/>
+            <a:off x="6697018" y="3357816"/>
             <a:ext cx="1293978" cy="952947"/>
           </a:xfrm>
           <a:prstGeom prst="rect">
@@ -17790,6 +17799,42 @@
           </a:extLst>
         </p:spPr>
       </p:pic>
+      <p:pic>
+        <p:nvPicPr>
+          <p:cNvPr id="4" name="Picture 3">
+            <a:extLst>
+              <a:ext uri="{FF2B5EF4-FFF2-40B4-BE49-F238E27FC236}">
+                <a16:creationId xmlns:a16="http://schemas.microsoft.com/office/drawing/2014/main" id="{E04E51FD-C74A-4BCB-569B-30F2CB2AA680}"/>
+              </a:ext>
+            </a:extLst>
+          </p:cNvPr>
+          <p:cNvPicPr>
+            <a:picLocks noChangeAspect="1"/>
+          </p:cNvPicPr>
+          <p:nvPr/>
+        </p:nvPicPr>
+        <p:blipFill>
+          <a:blip r:embed="rId12">
+            <a:extLst>
+              <a:ext uri="{837473B0-CC2E-450A-ABE3-18F120FF3D39}">
+                <a1611:picAttrSrcUrl xmlns:a1611="http://schemas.microsoft.com/office/drawing/2016/11/main" r:id="rId13"/>
+              </a:ext>
+            </a:extLst>
+          </a:blip>
+          <a:stretch>
+            <a:fillRect/>
+          </a:stretch>
+        </p:blipFill>
+        <p:spPr>
+          <a:xfrm>
+            <a:off x="4082619" y="4971242"/>
+            <a:ext cx="1090556" cy="1090556"/>
+          </a:xfrm>
+          <a:prstGeom prst="rect">
+            <a:avLst/>
+          </a:prstGeom>
+        </p:spPr>
+      </p:pic>
     </p:spTree>
     <p:extLst>
       <p:ext uri="{BB962C8B-B14F-4D97-AF65-F5344CB8AC3E}">
@@ -17800,6 +17845,9 @@
   <p:clrMapOvr>
     <a:masterClrMapping/>
   </p:clrMapOvr>
+  <p:transition spd="slow">
+    <p:wipe/>
+  </p:transition>
 </p:sld>
 </file>
 
@@ -17874,6 +17922,9 @@
   <p:clrMapOvr>
     <a:masterClrMapping/>
   </p:clrMapOvr>
+  <p:transition spd="slow">
+    <p:wipe/>
+  </p:transition>
 </p:sld>
 </file>
 
@@ -18719,6 +18770,15 @@
 </file>
 
 <file path=customXml/item1.xml><?xml version="1.0" encoding="utf-8"?>
+<?mso-contentType ?>
+<FormTemplates xmlns="http://schemas.microsoft.com/sharepoint/v3/contenttype/forms">
+  <Display>DocumentLibraryForm</Display>
+  <Edit>DocumentLibraryForm</Edit>
+  <New>DocumentLibraryForm</New>
+</FormTemplates>
+</file>
+
+<file path=customXml/item2.xml><?xml version="1.0" encoding="utf-8"?>
 <ct:contentTypeSchema xmlns:ct="http://schemas.microsoft.com/office/2006/metadata/contentType" xmlns:ma="http://schemas.microsoft.com/office/2006/metadata/properties/metaAttributes" ct:_="" ma:_="" ma:contentTypeName="Document" ma:contentTypeID="0x01010079F111ED35F8CC479449609E8A0923A6" ma:contentTypeVersion="11" ma:contentTypeDescription="Create a new document." ma:contentTypeScope="" ma:versionID="96291512c1ee715ab617f4c07df79fc1">
   <xsd:schema xmlns:xsd="http://www.w3.org/2001/XMLSchema" xmlns:xs="http://www.w3.org/2001/XMLSchema" xmlns:p="http://schemas.microsoft.com/office/2006/metadata/properties" xmlns:ns2="71af3243-3dd4-4a8d-8c0d-dd76da1f02a5" xmlns:ns3="16c05727-aa75-4e4a-9b5f-8a80a1165891" targetNamespace="http://schemas.microsoft.com/office/2006/metadata/properties" ma:root="true" ma:fieldsID="8256c27c40ca5c40ce1cf6c44f0205df" ns2:_="" ns3:_="">
     <xsd:import namespace="71af3243-3dd4-4a8d-8c0d-dd76da1f02a5"/>
@@ -18929,15 +18989,6 @@
 </ct:contentTypeSchema>
 </file>
 
-<file path=customXml/item2.xml><?xml version="1.0" encoding="utf-8"?>
-<?mso-contentType ?>
-<FormTemplates xmlns="http://schemas.microsoft.com/sharepoint/v3/contenttype/forms">
-  <Display>DocumentLibraryForm</Display>
-  <Edit>DocumentLibraryForm</Edit>
-  <New>DocumentLibraryForm</New>
-</FormTemplates>
-</file>
-
 <file path=customXml/item3.xml><?xml version="1.0" encoding="utf-8"?>
 <p:properties xmlns:p="http://schemas.microsoft.com/office/2006/metadata/properties" xmlns:xsi="http://www.w3.org/2001/XMLSchema-instance" xmlns:pc="http://schemas.microsoft.com/office/infopath/2007/PartnerControls">
   <documentManagement>
@@ -18947,6 +18998,14 @@
 </file>
 
 <file path=customXml/itemProps1.xml><?xml version="1.0" encoding="utf-8"?>
+<ds:datastoreItem xmlns:ds="http://schemas.openxmlformats.org/officeDocument/2006/customXml" ds:itemID="{B579702B-25C7-40D7-9E29-7686B11A9660}">
+  <ds:schemaRefs>
+    <ds:schemaRef ds:uri="http://schemas.microsoft.com/sharepoint/v3/contenttype/forms"/>
+  </ds:schemaRefs>
+</ds:datastoreItem>
+</file>
+
+<file path=customXml/itemProps2.xml><?xml version="1.0" encoding="utf-8"?>
 <ds:datastoreItem xmlns:ds="http://schemas.openxmlformats.org/officeDocument/2006/customXml" ds:itemID="{A7C0B241-13E5-418D-8920-D23491E2D2C0}">
   <ds:schemaRefs>
     <ds:schemaRef ds:uri="http://schemas.microsoft.com/office/2006/metadata/contentType"/>
@@ -18965,14 +19024,6 @@
 </ds:datastoreItem>
 </file>
 
-<file path=customXml/itemProps2.xml><?xml version="1.0" encoding="utf-8"?>
-<ds:datastoreItem xmlns:ds="http://schemas.openxmlformats.org/officeDocument/2006/customXml" ds:itemID="{B579702B-25C7-40D7-9E29-7686B11A9660}">
-  <ds:schemaRefs>
-    <ds:schemaRef ds:uri="http://schemas.microsoft.com/sharepoint/v3/contenttype/forms"/>
-  </ds:schemaRefs>
-</ds:datastoreItem>
-</file>
-
 <file path=customXml/itemProps3.xml><?xml version="1.0" encoding="utf-8"?>
 <ds:datastoreItem xmlns:ds="http://schemas.openxmlformats.org/officeDocument/2006/customXml" ds:itemID="{E7866CFD-F94E-4AE5-ACEA-86FEC0F48A10}">
   <ds:schemaRefs>

--- a/Documents/Presentation.pptx
+++ b/Documents/Presentation.pptx
@@ -210,3439 +210,6 @@
 </pc:chgInfo>
 </file>
 
-<file path=ppt/diagrams/colors1.xml><?xml version="1.0" encoding="utf-8"?>
-<dgm:colorsDef xmlns:dgm="http://schemas.openxmlformats.org/drawingml/2006/diagram" xmlns:a="http://schemas.openxmlformats.org/drawingml/2006/main" uniqueId="urn:microsoft.com/office/officeart/2005/8/colors/accent1_2">
-  <dgm:title val=""/>
-  <dgm:desc val=""/>
-  <dgm:catLst>
-    <dgm:cat type="accent1" pri="11200"/>
-  </dgm:catLst>
-  <dgm:styleLbl name="node0">
-    <dgm:fillClrLst meth="repeat">
-      <a:schemeClr val="accent1"/>
-    </dgm:fillClrLst>
-    <dgm:linClrLst meth="repeat">
-      <a:schemeClr val="lt1"/>
-    </dgm:linClrLst>
-    <dgm:effectClrLst/>
-    <dgm:txLinClrLst/>
-    <dgm:txFillClrLst/>
-    <dgm:txEffectClrLst/>
-  </dgm:styleLbl>
-  <dgm:styleLbl name="alignNode1">
-    <dgm:fillClrLst meth="repeat">
-      <a:schemeClr val="accent1"/>
-    </dgm:fillClrLst>
-    <dgm:linClrLst meth="repeat">
-      <a:schemeClr val="accent1"/>
-    </dgm:linClrLst>
-    <dgm:effectClrLst/>
-    <dgm:txLinClrLst/>
-    <dgm:txFillClrLst/>
-    <dgm:txEffectClrLst/>
-  </dgm:styleLbl>
-  <dgm:styleLbl name="node1">
-    <dgm:fillClrLst meth="repeat">
-      <a:schemeClr val="accent1"/>
-    </dgm:fillClrLst>
-    <dgm:linClrLst meth="repeat">
-      <a:schemeClr val="lt1"/>
-    </dgm:linClrLst>
-    <dgm:effectClrLst/>
-    <dgm:txLinClrLst/>
-    <dgm:txFillClrLst/>
-    <dgm:txEffectClrLst/>
-  </dgm:styleLbl>
-  <dgm:styleLbl name="lnNode1">
-    <dgm:fillClrLst meth="repeat">
-      <a:schemeClr val="accent1"/>
-    </dgm:fillClrLst>
-    <dgm:linClrLst meth="repeat">
-      <a:schemeClr val="lt1"/>
-    </dgm:linClrLst>
-    <dgm:effectClrLst/>
-    <dgm:txLinClrLst/>
-    <dgm:txFillClrLst/>
-    <dgm:txEffectClrLst/>
-  </dgm:styleLbl>
-  <dgm:styleLbl name="vennNode1">
-    <dgm:fillClrLst meth="repeat">
-      <a:schemeClr val="accent1">
-        <a:alpha val="50000"/>
-      </a:schemeClr>
-    </dgm:fillClrLst>
-    <dgm:linClrLst meth="repeat">
-      <a:schemeClr val="lt1"/>
-    </dgm:linClrLst>
-    <dgm:effectClrLst/>
-    <dgm:txLinClrLst/>
-    <dgm:txFillClrLst/>
-    <dgm:txEffectClrLst/>
-  </dgm:styleLbl>
-  <dgm:styleLbl name="node2">
-    <dgm:fillClrLst meth="repeat">
-      <a:schemeClr val="accent1"/>
-    </dgm:fillClrLst>
-    <dgm:linClrLst meth="repeat">
-      <a:schemeClr val="lt1"/>
-    </dgm:linClrLst>
-    <dgm:effectClrLst/>
-    <dgm:txLinClrLst/>
-    <dgm:txFillClrLst/>
-    <dgm:txEffectClrLst/>
-  </dgm:styleLbl>
-  <dgm:styleLbl name="node3">
-    <dgm:fillClrLst meth="repeat">
-      <a:schemeClr val="accent1"/>
-    </dgm:fillClrLst>
-    <dgm:linClrLst meth="repeat">
-      <a:schemeClr val="lt1"/>
-    </dgm:linClrLst>
-    <dgm:effectClrLst/>
-    <dgm:txLinClrLst/>
-    <dgm:txFillClrLst/>
-    <dgm:txEffectClrLst/>
-  </dgm:styleLbl>
-  <dgm:styleLbl name="node4">
-    <dgm:fillClrLst meth="repeat">
-      <a:schemeClr val="accent1"/>
-    </dgm:fillClrLst>
-    <dgm:linClrLst meth="repeat">
-      <a:schemeClr val="lt1"/>
-    </dgm:linClrLst>
-    <dgm:effectClrLst/>
-    <dgm:txLinClrLst/>
-    <dgm:txFillClrLst/>
-    <dgm:txEffectClrLst/>
-  </dgm:styleLbl>
-  <dgm:styleLbl name="fgImgPlace1">
-    <dgm:fillClrLst meth="repeat">
-      <a:schemeClr val="accent1">
-        <a:tint val="50000"/>
-      </a:schemeClr>
-    </dgm:fillClrLst>
-    <dgm:linClrLst meth="repeat">
-      <a:schemeClr val="lt1"/>
-    </dgm:linClrLst>
-    <dgm:effectClrLst/>
-    <dgm:txLinClrLst/>
-    <dgm:txFillClrLst meth="repeat">
-      <a:schemeClr val="lt1"/>
-    </dgm:txFillClrLst>
-    <dgm:txEffectClrLst/>
-  </dgm:styleLbl>
-  <dgm:styleLbl name="alignImgPlace1">
-    <dgm:fillClrLst meth="repeat">
-      <a:schemeClr val="accent1">
-        <a:tint val="50000"/>
-      </a:schemeClr>
-    </dgm:fillClrLst>
-    <dgm:linClrLst meth="repeat">
-      <a:schemeClr val="lt1"/>
-    </dgm:linClrLst>
-    <dgm:effectClrLst/>
-    <dgm:txLinClrLst/>
-    <dgm:txFillClrLst meth="repeat">
-      <a:schemeClr val="lt1"/>
-    </dgm:txFillClrLst>
-    <dgm:txEffectClrLst/>
-  </dgm:styleLbl>
-  <dgm:styleLbl name="bgImgPlace1">
-    <dgm:fillClrLst meth="repeat">
-      <a:schemeClr val="accent1">
-        <a:tint val="50000"/>
-      </a:schemeClr>
-    </dgm:fillClrLst>
-    <dgm:linClrLst meth="repeat">
-      <a:schemeClr val="lt1"/>
-    </dgm:linClrLst>
-    <dgm:effectClrLst/>
-    <dgm:txLinClrLst/>
-    <dgm:txFillClrLst meth="repeat">
-      <a:schemeClr val="lt1"/>
-    </dgm:txFillClrLst>
-    <dgm:txEffectClrLst/>
-  </dgm:styleLbl>
-  <dgm:styleLbl name="sibTrans2D1">
-    <dgm:fillClrLst meth="repeat">
-      <a:schemeClr val="accent1">
-        <a:tint val="60000"/>
-      </a:schemeClr>
-    </dgm:fillClrLst>
-    <dgm:linClrLst meth="repeat">
-      <a:schemeClr val="accent1">
-        <a:tint val="60000"/>
-      </a:schemeClr>
-    </dgm:linClrLst>
-    <dgm:effectClrLst/>
-    <dgm:txLinClrLst/>
-    <dgm:txFillClrLst/>
-    <dgm:txEffectClrLst/>
-  </dgm:styleLbl>
-  <dgm:styleLbl name="fgSibTrans2D1">
-    <dgm:fillClrLst meth="repeat">
-      <a:schemeClr val="accent1">
-        <a:tint val="60000"/>
-      </a:schemeClr>
-    </dgm:fillClrLst>
-    <dgm:linClrLst meth="repeat">
-      <a:schemeClr val="accent1">
-        <a:tint val="60000"/>
-      </a:schemeClr>
-    </dgm:linClrLst>
-    <dgm:effectClrLst/>
-    <dgm:txLinClrLst/>
-    <dgm:txFillClrLst/>
-    <dgm:txEffectClrLst/>
-  </dgm:styleLbl>
-  <dgm:styleLbl name="bgSibTrans2D1">
-    <dgm:fillClrLst meth="repeat">
-      <a:schemeClr val="accent1">
-        <a:tint val="60000"/>
-      </a:schemeClr>
-    </dgm:fillClrLst>
-    <dgm:linClrLst meth="repeat">
-      <a:schemeClr val="accent1">
-        <a:tint val="60000"/>
-      </a:schemeClr>
-    </dgm:linClrLst>
-    <dgm:effectClrLst/>
-    <dgm:txLinClrLst/>
-    <dgm:txFillClrLst/>
-    <dgm:txEffectClrLst/>
-  </dgm:styleLbl>
-  <dgm:styleLbl name="sibTrans1D1">
-    <dgm:fillClrLst meth="repeat">
-      <a:schemeClr val="accent1"/>
-    </dgm:fillClrLst>
-    <dgm:linClrLst meth="repeat">
-      <a:schemeClr val="accent1"/>
-    </dgm:linClrLst>
-    <dgm:effectClrLst/>
-    <dgm:txLinClrLst/>
-    <dgm:txFillClrLst meth="repeat">
-      <a:schemeClr val="tx1"/>
-    </dgm:txFillClrLst>
-    <dgm:txEffectClrLst/>
-  </dgm:styleLbl>
-  <dgm:styleLbl name="callout">
-    <dgm:fillClrLst meth="repeat">
-      <a:schemeClr val="accent1"/>
-    </dgm:fillClrLst>
-    <dgm:linClrLst meth="repeat">
-      <a:schemeClr val="accent1">
-        <a:tint val="50000"/>
-      </a:schemeClr>
-    </dgm:linClrLst>
-    <dgm:effectClrLst/>
-    <dgm:txLinClrLst/>
-    <dgm:txFillClrLst meth="repeat">
-      <a:schemeClr val="tx1"/>
-    </dgm:txFillClrLst>
-    <dgm:txEffectClrLst/>
-  </dgm:styleLbl>
-  <dgm:styleLbl name="asst0">
-    <dgm:fillClrLst meth="repeat">
-      <a:schemeClr val="accent1"/>
-    </dgm:fillClrLst>
-    <dgm:linClrLst meth="repeat">
-      <a:schemeClr val="lt1"/>
-    </dgm:linClrLst>
-    <dgm:effectClrLst/>
-    <dgm:txLinClrLst/>
-    <dgm:txFillClrLst/>
-    <dgm:txEffectClrLst/>
-  </dgm:styleLbl>
-  <dgm:styleLbl name="asst1">
-    <dgm:fillClrLst meth="repeat">
-      <a:schemeClr val="accent1"/>
-    </dgm:fillClrLst>
-    <dgm:linClrLst meth="repeat">
-      <a:schemeClr val="lt1"/>
-    </dgm:linClrLst>
-    <dgm:effectClrLst/>
-    <dgm:txLinClrLst/>
-    <dgm:txFillClrLst/>
-    <dgm:txEffectClrLst/>
-  </dgm:styleLbl>
-  <dgm:styleLbl name="asst2">
-    <dgm:fillClrLst meth="repeat">
-      <a:schemeClr val="accent1"/>
-    </dgm:fillClrLst>
-    <dgm:linClrLst meth="repeat">
-      <a:schemeClr val="lt1"/>
-    </dgm:linClrLst>
-    <dgm:effectClrLst/>
-    <dgm:txLinClrLst/>
-    <dgm:txFillClrLst/>
-    <dgm:txEffectClrLst/>
-  </dgm:styleLbl>
-  <dgm:styleLbl name="asst3">
-    <dgm:fillClrLst meth="repeat">
-      <a:schemeClr val="accent1"/>
-    </dgm:fillClrLst>
-    <dgm:linClrLst meth="repeat">
-      <a:schemeClr val="lt1"/>
-    </dgm:linClrLst>
-    <dgm:effectClrLst/>
-    <dgm:txLinClrLst/>
-    <dgm:txFillClrLst/>
-    <dgm:txEffectClrLst/>
-  </dgm:styleLbl>
-  <dgm:styleLbl name="asst4">
-    <dgm:fillClrLst meth="repeat">
-      <a:schemeClr val="accent1"/>
-    </dgm:fillClrLst>
-    <dgm:linClrLst meth="repeat">
-      <a:schemeClr val="lt1"/>
-    </dgm:linClrLst>
-    <dgm:effectClrLst/>
-    <dgm:txLinClrLst/>
-    <dgm:txFillClrLst/>
-    <dgm:txEffectClrLst/>
-  </dgm:styleLbl>
-  <dgm:styleLbl name="parChTrans2D1">
-    <dgm:fillClrLst meth="repeat">
-      <a:schemeClr val="accent1">
-        <a:tint val="60000"/>
-      </a:schemeClr>
-    </dgm:fillClrLst>
-    <dgm:linClrLst meth="repeat">
-      <a:schemeClr val="accent1">
-        <a:tint val="60000"/>
-      </a:schemeClr>
-    </dgm:linClrLst>
-    <dgm:effectClrLst/>
-    <dgm:txLinClrLst/>
-    <dgm:txFillClrLst meth="repeat">
-      <a:schemeClr val="lt1"/>
-    </dgm:txFillClrLst>
-    <dgm:txEffectClrLst/>
-  </dgm:styleLbl>
-  <dgm:styleLbl name="parChTrans2D2">
-    <dgm:fillClrLst meth="repeat">
-      <a:schemeClr val="accent1"/>
-    </dgm:fillClrLst>
-    <dgm:linClrLst meth="repeat">
-      <a:schemeClr val="accent1"/>
-    </dgm:linClrLst>
-    <dgm:effectClrLst/>
-    <dgm:txLinClrLst/>
-    <dgm:txFillClrLst meth="repeat">
-      <a:schemeClr val="lt1"/>
-    </dgm:txFillClrLst>
-    <dgm:txEffectClrLst/>
-  </dgm:styleLbl>
-  <dgm:styleLbl name="parChTrans2D3">
-    <dgm:fillClrLst meth="repeat">
-      <a:schemeClr val="accent1"/>
-    </dgm:fillClrLst>
-    <dgm:linClrLst meth="repeat">
-      <a:schemeClr val="accent1"/>
-    </dgm:linClrLst>
-    <dgm:effectClrLst/>
-    <dgm:txLinClrLst/>
-    <dgm:txFillClrLst meth="repeat">
-      <a:schemeClr val="lt1"/>
-    </dgm:txFillClrLst>
-    <dgm:txEffectClrLst/>
-  </dgm:styleLbl>
-  <dgm:styleLbl name="parChTrans2D4">
-    <dgm:fillClrLst meth="repeat">
-      <a:schemeClr val="accent1"/>
-    </dgm:fillClrLst>
-    <dgm:linClrLst meth="repeat">
-      <a:schemeClr val="accent1"/>
-    </dgm:linClrLst>
-    <dgm:effectClrLst/>
-    <dgm:txLinClrLst/>
-    <dgm:txFillClrLst meth="repeat">
-      <a:schemeClr val="lt1"/>
-    </dgm:txFillClrLst>
-    <dgm:txEffectClrLst/>
-  </dgm:styleLbl>
-  <dgm:styleLbl name="parChTrans1D1">
-    <dgm:fillClrLst meth="repeat">
-      <a:schemeClr val="accent1"/>
-    </dgm:fillClrLst>
-    <dgm:linClrLst meth="repeat">
-      <a:schemeClr val="accent1">
-        <a:shade val="60000"/>
-      </a:schemeClr>
-    </dgm:linClrLst>
-    <dgm:effectClrLst/>
-    <dgm:txLinClrLst/>
-    <dgm:txFillClrLst meth="repeat">
-      <a:schemeClr val="tx1"/>
-    </dgm:txFillClrLst>
-    <dgm:txEffectClrLst/>
-  </dgm:styleLbl>
-  <dgm:styleLbl name="parChTrans1D2">
-    <dgm:fillClrLst meth="repeat">
-      <a:schemeClr val="accent1"/>
-    </dgm:fillClrLst>
-    <dgm:linClrLst meth="repeat">
-      <a:schemeClr val="accent1">
-        <a:shade val="60000"/>
-      </a:schemeClr>
-    </dgm:linClrLst>
-    <dgm:effectClrLst/>
-    <dgm:txLinClrLst/>
-    <dgm:txFillClrLst meth="repeat">
-      <a:schemeClr val="tx1"/>
-    </dgm:txFillClrLst>
-    <dgm:txEffectClrLst/>
-  </dgm:styleLbl>
-  <dgm:styleLbl name="parChTrans1D3">
-    <dgm:fillClrLst meth="repeat">
-      <a:schemeClr val="accent1"/>
-    </dgm:fillClrLst>
-    <dgm:linClrLst meth="repeat">
-      <a:schemeClr val="accent1">
-        <a:shade val="80000"/>
-      </a:schemeClr>
-    </dgm:linClrLst>
-    <dgm:effectClrLst/>
-    <dgm:txLinClrLst/>
-    <dgm:txFillClrLst meth="repeat">
-      <a:schemeClr val="tx1"/>
-    </dgm:txFillClrLst>
-    <dgm:txEffectClrLst/>
-  </dgm:styleLbl>
-  <dgm:styleLbl name="parChTrans1D4">
-    <dgm:fillClrLst meth="repeat">
-      <a:schemeClr val="accent1"/>
-    </dgm:fillClrLst>
-    <dgm:linClrLst meth="repeat">
-      <a:schemeClr val="accent1">
-        <a:shade val="80000"/>
-      </a:schemeClr>
-    </dgm:linClrLst>
-    <dgm:effectClrLst/>
-    <dgm:txLinClrLst/>
-    <dgm:txFillClrLst meth="repeat">
-      <a:schemeClr val="tx1"/>
-    </dgm:txFillClrLst>
-    <dgm:txEffectClrLst/>
-  </dgm:styleLbl>
-  <dgm:styleLbl name="fgAcc1">
-    <dgm:fillClrLst meth="repeat">
-      <a:schemeClr val="lt1">
-        <a:alpha val="90000"/>
-      </a:schemeClr>
-    </dgm:fillClrLst>
-    <dgm:linClrLst meth="repeat">
-      <a:schemeClr val="accent1"/>
-    </dgm:linClrLst>
-    <dgm:effectClrLst/>
-    <dgm:txLinClrLst/>
-    <dgm:txFillClrLst meth="repeat">
-      <a:schemeClr val="dk1"/>
-    </dgm:txFillClrLst>
-    <dgm:txEffectClrLst/>
-  </dgm:styleLbl>
-  <dgm:styleLbl name="conFgAcc1">
-    <dgm:fillClrLst meth="repeat">
-      <a:schemeClr val="lt1">
-        <a:alpha val="90000"/>
-      </a:schemeClr>
-    </dgm:fillClrLst>
-    <dgm:linClrLst meth="repeat">
-      <a:schemeClr val="accent1"/>
-    </dgm:linClrLst>
-    <dgm:effectClrLst/>
-    <dgm:txLinClrLst/>
-    <dgm:txFillClrLst meth="repeat">
-      <a:schemeClr val="dk1"/>
-    </dgm:txFillClrLst>
-    <dgm:txEffectClrLst/>
-  </dgm:styleLbl>
-  <dgm:styleLbl name="alignAcc1">
-    <dgm:fillClrLst meth="repeat">
-      <a:schemeClr val="lt1">
-        <a:alpha val="90000"/>
-      </a:schemeClr>
-    </dgm:fillClrLst>
-    <dgm:linClrLst meth="repeat">
-      <a:schemeClr val="accent1"/>
-    </dgm:linClrLst>
-    <dgm:effectClrLst/>
-    <dgm:txLinClrLst/>
-    <dgm:txFillClrLst meth="repeat">
-      <a:schemeClr val="dk1"/>
-    </dgm:txFillClrLst>
-    <dgm:txEffectClrLst/>
-  </dgm:styleLbl>
-  <dgm:styleLbl name="trAlignAcc1">
-    <dgm:fillClrLst meth="repeat">
-      <a:schemeClr val="lt1">
-        <a:alpha val="40000"/>
-      </a:schemeClr>
-    </dgm:fillClrLst>
-    <dgm:linClrLst meth="repeat">
-      <a:schemeClr val="accent1"/>
-    </dgm:linClrLst>
-    <dgm:effectClrLst/>
-    <dgm:txLinClrLst/>
-    <dgm:txFillClrLst meth="repeat">
-      <a:schemeClr val="dk1"/>
-    </dgm:txFillClrLst>
-    <dgm:txEffectClrLst/>
-  </dgm:styleLbl>
-  <dgm:styleLbl name="bgAcc1">
-    <dgm:fillClrLst meth="repeat">
-      <a:schemeClr val="lt1">
-        <a:alpha val="90000"/>
-      </a:schemeClr>
-    </dgm:fillClrLst>
-    <dgm:linClrLst meth="repeat">
-      <a:schemeClr val="accent1"/>
-    </dgm:linClrLst>
-    <dgm:effectClrLst/>
-    <dgm:txLinClrLst/>
-    <dgm:txFillClrLst meth="repeat">
-      <a:schemeClr val="dk1"/>
-    </dgm:txFillClrLst>
-    <dgm:txEffectClrLst/>
-  </dgm:styleLbl>
-  <dgm:styleLbl name="solidFgAcc1">
-    <dgm:fillClrLst meth="repeat">
-      <a:schemeClr val="lt1"/>
-    </dgm:fillClrLst>
-    <dgm:linClrLst meth="repeat">
-      <a:schemeClr val="accent1"/>
-    </dgm:linClrLst>
-    <dgm:effectClrLst/>
-    <dgm:txLinClrLst/>
-    <dgm:txFillClrLst meth="repeat">
-      <a:schemeClr val="dk1"/>
-    </dgm:txFillClrLst>
-    <dgm:txEffectClrLst/>
-  </dgm:styleLbl>
-  <dgm:styleLbl name="solidAlignAcc1">
-    <dgm:fillClrLst meth="repeat">
-      <a:schemeClr val="lt1"/>
-    </dgm:fillClrLst>
-    <dgm:linClrLst meth="repeat">
-      <a:schemeClr val="accent1"/>
-    </dgm:linClrLst>
-    <dgm:effectClrLst/>
-    <dgm:txLinClrLst/>
-    <dgm:txFillClrLst meth="repeat">
-      <a:schemeClr val="dk1"/>
-    </dgm:txFillClrLst>
-    <dgm:txEffectClrLst/>
-  </dgm:styleLbl>
-  <dgm:styleLbl name="solidBgAcc1">
-    <dgm:fillClrLst meth="repeat">
-      <a:schemeClr val="lt1"/>
-    </dgm:fillClrLst>
-    <dgm:linClrLst meth="repeat">
-      <a:schemeClr val="accent1"/>
-    </dgm:linClrLst>
-    <dgm:effectClrLst/>
-    <dgm:txLinClrLst/>
-    <dgm:txFillClrLst meth="repeat">
-      <a:schemeClr val="dk1"/>
-    </dgm:txFillClrLst>
-    <dgm:txEffectClrLst/>
-  </dgm:styleLbl>
-  <dgm:styleLbl name="fgAccFollowNode1">
-    <dgm:fillClrLst meth="repeat">
-      <a:schemeClr val="accent1">
-        <a:alpha val="90000"/>
-        <a:tint val="40000"/>
-      </a:schemeClr>
-    </dgm:fillClrLst>
-    <dgm:linClrLst meth="repeat">
-      <a:schemeClr val="accent1">
-        <a:alpha val="90000"/>
-        <a:tint val="40000"/>
-      </a:schemeClr>
-    </dgm:linClrLst>
-    <dgm:effectClrLst/>
-    <dgm:txLinClrLst/>
-    <dgm:txFillClrLst meth="repeat">
-      <a:schemeClr val="dk1"/>
-    </dgm:txFillClrLst>
-    <dgm:txEffectClrLst/>
-  </dgm:styleLbl>
-  <dgm:styleLbl name="alignAccFollowNode1">
-    <dgm:fillClrLst meth="repeat">
-      <a:schemeClr val="accent1">
-        <a:alpha val="90000"/>
-        <a:tint val="40000"/>
-      </a:schemeClr>
-    </dgm:fillClrLst>
-    <dgm:linClrLst meth="repeat">
-      <a:schemeClr val="accent1">
-        <a:alpha val="90000"/>
-        <a:tint val="40000"/>
-      </a:schemeClr>
-    </dgm:linClrLst>
-    <dgm:effectClrLst/>
-    <dgm:txLinClrLst/>
-    <dgm:txFillClrLst meth="repeat">
-      <a:schemeClr val="dk1"/>
-    </dgm:txFillClrLst>
-    <dgm:txEffectClrLst/>
-  </dgm:styleLbl>
-  <dgm:styleLbl name="bgAccFollowNode1">
-    <dgm:fillClrLst meth="repeat">
-      <a:schemeClr val="accent1">
-        <a:alpha val="90000"/>
-        <a:tint val="40000"/>
-      </a:schemeClr>
-    </dgm:fillClrLst>
-    <dgm:linClrLst meth="repeat">
-      <a:schemeClr val="accent1">
-        <a:alpha val="90000"/>
-        <a:tint val="40000"/>
-      </a:schemeClr>
-    </dgm:linClrLst>
-    <dgm:effectClrLst/>
-    <dgm:txLinClrLst/>
-    <dgm:txFillClrLst meth="repeat">
-      <a:schemeClr val="dk1"/>
-    </dgm:txFillClrLst>
-    <dgm:txEffectClrLst/>
-  </dgm:styleLbl>
-  <dgm:styleLbl name="fgAcc0">
-    <dgm:fillClrLst meth="repeat">
-      <a:schemeClr val="lt1">
-        <a:alpha val="90000"/>
-      </a:schemeClr>
-    </dgm:fillClrLst>
-    <dgm:linClrLst meth="repeat">
-      <a:schemeClr val="accent1"/>
-    </dgm:linClrLst>
-    <dgm:effectClrLst/>
-    <dgm:txLinClrLst/>
-    <dgm:txFillClrLst meth="repeat">
-      <a:schemeClr val="dk1"/>
-    </dgm:txFillClrLst>
-    <dgm:txEffectClrLst/>
-  </dgm:styleLbl>
-  <dgm:styleLbl name="fgAcc2">
-    <dgm:fillClrLst meth="repeat">
-      <a:schemeClr val="lt1">
-        <a:alpha val="90000"/>
-      </a:schemeClr>
-    </dgm:fillClrLst>
-    <dgm:linClrLst meth="repeat">
-      <a:schemeClr val="accent1"/>
-    </dgm:linClrLst>
-    <dgm:effectClrLst/>
-    <dgm:txLinClrLst/>
-    <dgm:txFillClrLst meth="repeat">
-      <a:schemeClr val="dk1"/>
-    </dgm:txFillClrLst>
-    <dgm:txEffectClrLst/>
-  </dgm:styleLbl>
-  <dgm:styleLbl name="fgAcc3">
-    <dgm:fillClrLst meth="repeat">
-      <a:schemeClr val="lt1">
-        <a:alpha val="90000"/>
-      </a:schemeClr>
-    </dgm:fillClrLst>
-    <dgm:linClrLst meth="repeat">
-      <a:schemeClr val="accent1"/>
-    </dgm:linClrLst>
-    <dgm:effectClrLst/>
-    <dgm:txLinClrLst/>
-    <dgm:txFillClrLst meth="repeat">
-      <a:schemeClr val="dk1"/>
-    </dgm:txFillClrLst>
-    <dgm:txEffectClrLst/>
-  </dgm:styleLbl>
-  <dgm:styleLbl name="fgAcc4">
-    <dgm:fillClrLst meth="repeat">
-      <a:schemeClr val="lt1">
-        <a:alpha val="90000"/>
-      </a:schemeClr>
-    </dgm:fillClrLst>
-    <dgm:linClrLst meth="repeat">
-      <a:schemeClr val="accent1"/>
-    </dgm:linClrLst>
-    <dgm:effectClrLst/>
-    <dgm:txLinClrLst/>
-    <dgm:txFillClrLst meth="repeat">
-      <a:schemeClr val="dk1"/>
-    </dgm:txFillClrLst>
-    <dgm:txEffectClrLst/>
-  </dgm:styleLbl>
-  <dgm:styleLbl name="bgShp">
-    <dgm:fillClrLst meth="repeat">
-      <a:schemeClr val="accent1">
-        <a:tint val="40000"/>
-      </a:schemeClr>
-    </dgm:fillClrLst>
-    <dgm:linClrLst meth="repeat">
-      <a:schemeClr val="accent1"/>
-    </dgm:linClrLst>
-    <dgm:effectClrLst/>
-    <dgm:txLinClrLst/>
-    <dgm:txFillClrLst meth="repeat">
-      <a:schemeClr val="dk1"/>
-    </dgm:txFillClrLst>
-    <dgm:txEffectClrLst/>
-  </dgm:styleLbl>
-  <dgm:styleLbl name="dkBgShp">
-    <dgm:fillClrLst meth="repeat">
-      <a:schemeClr val="accent1">
-        <a:shade val="80000"/>
-      </a:schemeClr>
-    </dgm:fillClrLst>
-    <dgm:linClrLst meth="repeat">
-      <a:schemeClr val="accent1"/>
-    </dgm:linClrLst>
-    <dgm:effectClrLst/>
-    <dgm:txLinClrLst/>
-    <dgm:txFillClrLst meth="repeat">
-      <a:schemeClr val="lt1"/>
-    </dgm:txFillClrLst>
-    <dgm:txEffectClrLst/>
-  </dgm:styleLbl>
-  <dgm:styleLbl name="trBgShp">
-    <dgm:fillClrLst meth="repeat">
-      <a:schemeClr val="accent1">
-        <a:tint val="50000"/>
-        <a:alpha val="40000"/>
-      </a:schemeClr>
-    </dgm:fillClrLst>
-    <dgm:linClrLst meth="repeat">
-      <a:schemeClr val="accent1"/>
-    </dgm:linClrLst>
-    <dgm:effectClrLst/>
-    <dgm:txLinClrLst/>
-    <dgm:txFillClrLst meth="repeat">
-      <a:schemeClr val="lt1"/>
-    </dgm:txFillClrLst>
-    <dgm:txEffectClrLst/>
-  </dgm:styleLbl>
-  <dgm:styleLbl name="fgShp">
-    <dgm:fillClrLst meth="repeat">
-      <a:schemeClr val="accent1">
-        <a:tint val="60000"/>
-      </a:schemeClr>
-    </dgm:fillClrLst>
-    <dgm:linClrLst meth="repeat">
-      <a:schemeClr val="lt1"/>
-    </dgm:linClrLst>
-    <dgm:effectClrLst/>
-    <dgm:txLinClrLst/>
-    <dgm:txFillClrLst meth="repeat">
-      <a:schemeClr val="dk1"/>
-    </dgm:txFillClrLst>
-    <dgm:txEffectClrLst/>
-  </dgm:styleLbl>
-  <dgm:styleLbl name="revTx">
-    <dgm:fillClrLst meth="repeat">
-      <a:schemeClr val="lt1">
-        <a:alpha val="0"/>
-      </a:schemeClr>
-    </dgm:fillClrLst>
-    <dgm:linClrLst meth="repeat">
-      <a:schemeClr val="dk1">
-        <a:alpha val="0"/>
-      </a:schemeClr>
-    </dgm:linClrLst>
-    <dgm:effectClrLst/>
-    <dgm:txLinClrLst/>
-    <dgm:txFillClrLst meth="repeat">
-      <a:schemeClr val="tx1"/>
-    </dgm:txFillClrLst>
-    <dgm:txEffectClrLst/>
-  </dgm:styleLbl>
-</dgm:colorsDef>
-</file>
-
-<file path=ppt/diagrams/data1.xml><?xml version="1.0" encoding="utf-8"?>
-<dgm:dataModel xmlns:dgm="http://schemas.openxmlformats.org/drawingml/2006/diagram" xmlns:a="http://schemas.openxmlformats.org/drawingml/2006/main">
-  <dgm:ptLst>
-    <dgm:pt modelId="{81269538-BFC5-48BB-BEA1-D7AF1F385FD5}" type="doc">
-      <dgm:prSet loTypeId="urn:microsoft.com/office/officeart/2005/8/layout/vList5" loCatId="list" qsTypeId="urn:microsoft.com/office/officeart/2005/8/quickstyle/simple1" qsCatId="simple" csTypeId="urn:microsoft.com/office/officeart/2005/8/colors/accent1_2" csCatId="accent1" phldr="1"/>
-      <dgm:spPr/>
-      <dgm:t>
-        <a:bodyPr/>
-        <a:lstStyle/>
-        <a:p>
-          <a:endParaRPr lang="en-US"/>
-        </a:p>
-      </dgm:t>
-    </dgm:pt>
-    <dgm:pt modelId="{0D51337A-31FA-4717-B2BF-9243F96D2B9B}">
-      <dgm:prSet phldrT="[Text]" custT="1"/>
-      <dgm:spPr/>
-      <dgm:t>
-        <a:bodyPr/>
-        <a:lstStyle/>
-        <a:p>
-          <a:r>
-            <a:rPr lang="en-US" sz="2400" dirty="0" err="1">
-              <a:latin typeface="Tahoma" panose="020B0604030504040204" pitchFamily="34" charset="0"/>
-              <a:ea typeface="Tahoma" panose="020B0604030504040204" pitchFamily="34" charset="0"/>
-              <a:cs typeface="Tahoma" panose="020B0604030504040204" pitchFamily="34" charset="0"/>
-            </a:rPr>
-            <a:t>Iliyana</a:t>
-          </a:r>
-          <a:r>
-            <a:rPr lang="en-US" sz="2400" dirty="0">
-              <a:latin typeface="Tahoma" panose="020B0604030504040204" pitchFamily="34" charset="0"/>
-              <a:ea typeface="Tahoma" panose="020B0604030504040204" pitchFamily="34" charset="0"/>
-              <a:cs typeface="Tahoma" panose="020B0604030504040204" pitchFamily="34" charset="0"/>
-            </a:rPr>
-            <a:t> </a:t>
-          </a:r>
-          <a:r>
-            <a:rPr lang="en-US" sz="2400" dirty="0" err="1">
-              <a:latin typeface="Tahoma" panose="020B0604030504040204" pitchFamily="34" charset="0"/>
-              <a:ea typeface="Tahoma" panose="020B0604030504040204" pitchFamily="34" charset="0"/>
-              <a:cs typeface="Tahoma" panose="020B0604030504040204" pitchFamily="34" charset="0"/>
-            </a:rPr>
-            <a:t>Michevska</a:t>
-          </a:r>
-          <a:endParaRPr lang="en-US" sz="2400" dirty="0">
-            <a:solidFill>
-              <a:schemeClr val="tx1"/>
-            </a:solidFill>
-            <a:latin typeface="Tahoma" panose="020B0604030504040204" pitchFamily="34" charset="0"/>
-            <a:ea typeface="Tahoma" panose="020B0604030504040204" pitchFamily="34" charset="0"/>
-            <a:cs typeface="Tahoma" panose="020B0604030504040204" pitchFamily="34" charset="0"/>
-          </a:endParaRPr>
-        </a:p>
-      </dgm:t>
-    </dgm:pt>
-    <dgm:pt modelId="{A9294D65-F371-46C8-A624-E557E9DF1A30}" type="parTrans" cxnId="{9E6BB655-7FE4-4F8D-B1D2-F885E60B8754}">
-      <dgm:prSet/>
-      <dgm:spPr/>
-      <dgm:t>
-        <a:bodyPr/>
-        <a:lstStyle/>
-        <a:p>
-          <a:endParaRPr lang="en-US" sz="1400"/>
-        </a:p>
-      </dgm:t>
-    </dgm:pt>
-    <dgm:pt modelId="{6799645E-F42F-43D8-B2EA-A1377D84D0B3}" type="sibTrans" cxnId="{9E6BB655-7FE4-4F8D-B1D2-F885E60B8754}">
-      <dgm:prSet/>
-      <dgm:spPr/>
-      <dgm:t>
-        <a:bodyPr/>
-        <a:lstStyle/>
-        <a:p>
-          <a:endParaRPr lang="en-US" sz="1400"/>
-        </a:p>
-      </dgm:t>
-    </dgm:pt>
-    <dgm:pt modelId="{E40970FA-9468-4353-8343-FE5E2BEBB8B0}">
-      <dgm:prSet phldrT="[Text]" custT="1"/>
-      <dgm:spPr/>
-      <dgm:t>
-        <a:bodyPr/>
-        <a:lstStyle/>
-        <a:p>
-          <a:r>
-            <a:rPr lang="en-US" sz="2400" dirty="0">
-              <a:latin typeface="Tahoma" panose="020B0604030504040204" pitchFamily="34" charset="0"/>
-              <a:ea typeface="Tahoma" panose="020B0604030504040204" pitchFamily="34" charset="0"/>
-              <a:cs typeface="Tahoma" panose="020B0604030504040204" pitchFamily="34" charset="0"/>
-            </a:rPr>
-            <a:t>Scrum Trainer</a:t>
-          </a:r>
-        </a:p>
-      </dgm:t>
-    </dgm:pt>
-    <dgm:pt modelId="{85FA6A33-9FA9-4134-A6A3-A5D4748A1779}" type="parTrans" cxnId="{A316347C-9D1A-43C6-BE2B-DC184440E1C9}">
-      <dgm:prSet/>
-      <dgm:spPr/>
-      <dgm:t>
-        <a:bodyPr/>
-        <a:lstStyle/>
-        <a:p>
-          <a:endParaRPr lang="en-US" sz="1400"/>
-        </a:p>
-      </dgm:t>
-    </dgm:pt>
-    <dgm:pt modelId="{04FF68DF-CF36-4D12-9ECE-A3519B0AC88A}" type="sibTrans" cxnId="{A316347C-9D1A-43C6-BE2B-DC184440E1C9}">
-      <dgm:prSet/>
-      <dgm:spPr/>
-      <dgm:t>
-        <a:bodyPr/>
-        <a:lstStyle/>
-        <a:p>
-          <a:endParaRPr lang="en-US" sz="1400"/>
-        </a:p>
-      </dgm:t>
-    </dgm:pt>
-    <dgm:pt modelId="{A7F7584C-6CC5-40A2-9566-2842A5DEA97A}">
-      <dgm:prSet phldrT="[Text]" custT="1"/>
-      <dgm:spPr/>
-      <dgm:t>
-        <a:bodyPr/>
-        <a:lstStyle/>
-        <a:p>
-          <a:r>
-            <a:rPr lang="en-US" sz="2400" dirty="0" err="1">
-              <a:solidFill>
-                <a:schemeClr val="tx1"/>
-              </a:solidFill>
-              <a:latin typeface="Tahoma" panose="020B0604030504040204" pitchFamily="34" charset="0"/>
-              <a:ea typeface="Tahoma" panose="020B0604030504040204" pitchFamily="34" charset="0"/>
-              <a:cs typeface="Tahoma" panose="020B0604030504040204" pitchFamily="34" charset="0"/>
-            </a:rPr>
-            <a:t>Plamen</a:t>
-          </a:r>
-          <a:r>
-            <a:rPr lang="en-US" sz="2400" dirty="0">
-              <a:solidFill>
-                <a:schemeClr val="tx1"/>
-              </a:solidFill>
-              <a:latin typeface="Tahoma" panose="020B0604030504040204" pitchFamily="34" charset="0"/>
-              <a:ea typeface="Tahoma" panose="020B0604030504040204" pitchFamily="34" charset="0"/>
-              <a:cs typeface="Tahoma" panose="020B0604030504040204" pitchFamily="34" charset="0"/>
-            </a:rPr>
-            <a:t> </a:t>
-          </a:r>
-          <a:r>
-            <a:rPr lang="en-US" sz="2400" dirty="0" err="1">
-              <a:solidFill>
-                <a:schemeClr val="tx1"/>
-              </a:solidFill>
-              <a:latin typeface="Tahoma" panose="020B0604030504040204" pitchFamily="34" charset="0"/>
-              <a:ea typeface="Tahoma" panose="020B0604030504040204" pitchFamily="34" charset="0"/>
-              <a:cs typeface="Tahoma" panose="020B0604030504040204" pitchFamily="34" charset="0"/>
-            </a:rPr>
-            <a:t>Daylyanov</a:t>
-          </a:r>
-          <a:endParaRPr lang="en-US" sz="2400" dirty="0">
-            <a:solidFill>
-              <a:schemeClr val="tx1"/>
-            </a:solidFill>
-            <a:latin typeface="Tahoma" panose="020B0604030504040204" pitchFamily="34" charset="0"/>
-            <a:ea typeface="Tahoma" panose="020B0604030504040204" pitchFamily="34" charset="0"/>
-            <a:cs typeface="Tahoma" panose="020B0604030504040204" pitchFamily="34" charset="0"/>
-          </a:endParaRPr>
-        </a:p>
-      </dgm:t>
-    </dgm:pt>
-    <dgm:pt modelId="{581272CD-5908-4C17-8E9B-8BF6DCE43C3E}" type="parTrans" cxnId="{F68422C1-CD34-4DED-AA4B-85EFFF4FE933}">
-      <dgm:prSet/>
-      <dgm:spPr/>
-      <dgm:t>
-        <a:bodyPr/>
-        <a:lstStyle/>
-        <a:p>
-          <a:endParaRPr lang="en-US" sz="1400"/>
-        </a:p>
-      </dgm:t>
-    </dgm:pt>
-    <dgm:pt modelId="{C41ED6A4-512C-48AB-901D-671B73446005}" type="sibTrans" cxnId="{F68422C1-CD34-4DED-AA4B-85EFFF4FE933}">
-      <dgm:prSet/>
-      <dgm:spPr/>
-      <dgm:t>
-        <a:bodyPr/>
-        <a:lstStyle/>
-        <a:p>
-          <a:endParaRPr lang="en-US" sz="1400"/>
-        </a:p>
-      </dgm:t>
-    </dgm:pt>
-    <dgm:pt modelId="{9D8DAFB6-C744-4BD6-B757-393BF647EBB6}">
-      <dgm:prSet phldrT="[Text]" custT="1"/>
-      <dgm:spPr/>
-      <dgm:t>
-        <a:bodyPr/>
-        <a:lstStyle/>
-        <a:p>
-          <a:r>
-            <a:rPr lang="en-US" sz="2400" dirty="0">
-              <a:latin typeface="Tahoma" panose="020B0604030504040204" pitchFamily="34" charset="0"/>
-              <a:ea typeface="Tahoma" panose="020B0604030504040204" pitchFamily="34" charset="0"/>
-              <a:cs typeface="Tahoma" panose="020B0604030504040204" pitchFamily="34" charset="0"/>
-            </a:rPr>
-            <a:t>Back-end Developer</a:t>
-          </a:r>
-        </a:p>
-      </dgm:t>
-    </dgm:pt>
-    <dgm:pt modelId="{17C1C47E-8D1A-404A-B227-B017391CB5F6}" type="parTrans" cxnId="{56052809-46E4-4445-B520-94004C28BB9D}">
-      <dgm:prSet/>
-      <dgm:spPr/>
-      <dgm:t>
-        <a:bodyPr/>
-        <a:lstStyle/>
-        <a:p>
-          <a:endParaRPr lang="en-US" sz="1400"/>
-        </a:p>
-      </dgm:t>
-    </dgm:pt>
-    <dgm:pt modelId="{C9B44773-68B1-427B-B9CA-0AEA186B621E}" type="sibTrans" cxnId="{56052809-46E4-4445-B520-94004C28BB9D}">
-      <dgm:prSet/>
-      <dgm:spPr/>
-      <dgm:t>
-        <a:bodyPr/>
-        <a:lstStyle/>
-        <a:p>
-          <a:endParaRPr lang="en-US" sz="1400"/>
-        </a:p>
-      </dgm:t>
-    </dgm:pt>
-    <dgm:pt modelId="{51A6936C-668E-4912-B1B4-BA2D45D3F624}">
-      <dgm:prSet phldrT="[Text]" custT="1"/>
-      <dgm:spPr/>
-      <dgm:t>
-        <a:bodyPr/>
-        <a:lstStyle/>
-        <a:p>
-          <a:r>
-            <a:rPr lang="en-US" sz="2400" dirty="0" err="1">
-              <a:solidFill>
-                <a:schemeClr val="tx1"/>
-              </a:solidFill>
-              <a:latin typeface="Tahoma" panose="020B0604030504040204" pitchFamily="34" charset="0"/>
-              <a:ea typeface="Tahoma" panose="020B0604030504040204" pitchFamily="34" charset="0"/>
-              <a:cs typeface="Tahoma" panose="020B0604030504040204" pitchFamily="34" charset="0"/>
-            </a:rPr>
-            <a:t>Kaloyan</a:t>
-          </a:r>
-          <a:r>
-            <a:rPr lang="en-US" sz="2400" dirty="0">
-              <a:solidFill>
-                <a:schemeClr val="tx1"/>
-              </a:solidFill>
-              <a:latin typeface="Tahoma" panose="020B0604030504040204" pitchFamily="34" charset="0"/>
-              <a:ea typeface="Tahoma" panose="020B0604030504040204" pitchFamily="34" charset="0"/>
-              <a:cs typeface="Tahoma" panose="020B0604030504040204" pitchFamily="34" charset="0"/>
-            </a:rPr>
-            <a:t> </a:t>
-          </a:r>
-          <a:r>
-            <a:rPr lang="en-US" sz="2400" dirty="0" err="1">
-              <a:solidFill>
-                <a:schemeClr val="tx1"/>
-              </a:solidFill>
-              <a:latin typeface="Tahoma" panose="020B0604030504040204" pitchFamily="34" charset="0"/>
-              <a:ea typeface="Tahoma" panose="020B0604030504040204" pitchFamily="34" charset="0"/>
-              <a:cs typeface="Tahoma" panose="020B0604030504040204" pitchFamily="34" charset="0"/>
-            </a:rPr>
-            <a:t>Dimov</a:t>
-          </a:r>
-          <a:endParaRPr lang="en-US" sz="2400" dirty="0">
-            <a:solidFill>
-              <a:schemeClr val="tx1"/>
-            </a:solidFill>
-            <a:latin typeface="Tahoma" panose="020B0604030504040204" pitchFamily="34" charset="0"/>
-            <a:ea typeface="Tahoma" panose="020B0604030504040204" pitchFamily="34" charset="0"/>
-            <a:cs typeface="Tahoma" panose="020B0604030504040204" pitchFamily="34" charset="0"/>
-          </a:endParaRPr>
-        </a:p>
-      </dgm:t>
-    </dgm:pt>
-    <dgm:pt modelId="{8F7D40F1-9723-47F5-BFD2-340696378D49}" type="parTrans" cxnId="{000FE2BB-9FE6-4965-ADF5-E3E85B644286}">
-      <dgm:prSet/>
-      <dgm:spPr/>
-      <dgm:t>
-        <a:bodyPr/>
-        <a:lstStyle/>
-        <a:p>
-          <a:endParaRPr lang="en-US" sz="1400"/>
-        </a:p>
-      </dgm:t>
-    </dgm:pt>
-    <dgm:pt modelId="{E68031D9-E3F9-439E-86FC-2A0A3A3988D0}" type="sibTrans" cxnId="{000FE2BB-9FE6-4965-ADF5-E3E85B644286}">
-      <dgm:prSet/>
-      <dgm:spPr/>
-      <dgm:t>
-        <a:bodyPr/>
-        <a:lstStyle/>
-        <a:p>
-          <a:endParaRPr lang="en-US" sz="1400"/>
-        </a:p>
-      </dgm:t>
-    </dgm:pt>
-    <dgm:pt modelId="{2A9B6C90-9B70-4ED8-9084-8651413BB905}">
-      <dgm:prSet phldrT="[Text]" custT="1"/>
-      <dgm:spPr/>
-      <dgm:t>
-        <a:bodyPr/>
-        <a:lstStyle/>
-        <a:p>
-          <a:r>
-            <a:rPr lang="en-US" sz="2400" dirty="0">
-              <a:latin typeface="Tahoma" panose="020B0604030504040204" pitchFamily="34" charset="0"/>
-              <a:ea typeface="Tahoma" panose="020B0604030504040204" pitchFamily="34" charset="0"/>
-              <a:cs typeface="Tahoma" panose="020B0604030504040204" pitchFamily="34" charset="0"/>
-            </a:rPr>
-            <a:t>Back-end</a:t>
-          </a:r>
-          <a:r>
-            <a:rPr lang="en-US" sz="2000" dirty="0">
-              <a:latin typeface="Tahoma" panose="020B0604030504040204" pitchFamily="34" charset="0"/>
-              <a:ea typeface="Tahoma" panose="020B0604030504040204" pitchFamily="34" charset="0"/>
-              <a:cs typeface="Tahoma" panose="020B0604030504040204" pitchFamily="34" charset="0"/>
-            </a:rPr>
-            <a:t> </a:t>
-          </a:r>
-          <a:r>
-            <a:rPr lang="en-US" sz="2400" dirty="0">
-              <a:latin typeface="Tahoma" panose="020B0604030504040204" pitchFamily="34" charset="0"/>
-              <a:ea typeface="Tahoma" panose="020B0604030504040204" pitchFamily="34" charset="0"/>
-              <a:cs typeface="Tahoma" panose="020B0604030504040204" pitchFamily="34" charset="0"/>
-            </a:rPr>
-            <a:t>Developer</a:t>
-          </a:r>
-          <a:endParaRPr lang="en-US" sz="2000" dirty="0">
-            <a:latin typeface="Tahoma" panose="020B0604030504040204" pitchFamily="34" charset="0"/>
-            <a:ea typeface="Tahoma" panose="020B0604030504040204" pitchFamily="34" charset="0"/>
-            <a:cs typeface="Tahoma" panose="020B0604030504040204" pitchFamily="34" charset="0"/>
-          </a:endParaRPr>
-        </a:p>
-      </dgm:t>
-    </dgm:pt>
-    <dgm:pt modelId="{47C005B7-F5AA-4111-A87D-782B117A0259}" type="parTrans" cxnId="{1D59D94A-4BF7-417E-B49B-225C005839A9}">
-      <dgm:prSet/>
-      <dgm:spPr/>
-      <dgm:t>
-        <a:bodyPr/>
-        <a:lstStyle/>
-        <a:p>
-          <a:endParaRPr lang="en-US" sz="1400"/>
-        </a:p>
-      </dgm:t>
-    </dgm:pt>
-    <dgm:pt modelId="{54109FB3-0563-4B2C-BFF0-181E047427F8}" type="sibTrans" cxnId="{1D59D94A-4BF7-417E-B49B-225C005839A9}">
-      <dgm:prSet/>
-      <dgm:spPr/>
-      <dgm:t>
-        <a:bodyPr/>
-        <a:lstStyle/>
-        <a:p>
-          <a:endParaRPr lang="en-US" sz="1400"/>
-        </a:p>
-      </dgm:t>
-    </dgm:pt>
-    <dgm:pt modelId="{928B5CB8-3545-4EE5-8BED-981D3C6157A5}">
-      <dgm:prSet phldrT="[Text]" custT="1"/>
-      <dgm:spPr/>
-      <dgm:t>
-        <a:bodyPr/>
-        <a:lstStyle/>
-        <a:p>
-          <a:r>
-            <a:rPr lang="en-US" sz="2400" dirty="0">
-              <a:solidFill>
-                <a:schemeClr val="tx1"/>
-              </a:solidFill>
-              <a:latin typeface="Tahoma" panose="020B0604030504040204" pitchFamily="34" charset="0"/>
-              <a:ea typeface="Tahoma" panose="020B0604030504040204" pitchFamily="34" charset="0"/>
-              <a:cs typeface="Tahoma" panose="020B0604030504040204" pitchFamily="34" charset="0"/>
-            </a:rPr>
-            <a:t>Konstantin </a:t>
-          </a:r>
-          <a:r>
-            <a:rPr lang="en-US" sz="2400" dirty="0" err="1">
-              <a:solidFill>
-                <a:schemeClr val="tx1"/>
-              </a:solidFill>
-              <a:latin typeface="Tahoma" panose="020B0604030504040204" pitchFamily="34" charset="0"/>
-              <a:ea typeface="Tahoma" panose="020B0604030504040204" pitchFamily="34" charset="0"/>
-              <a:cs typeface="Tahoma" panose="020B0604030504040204" pitchFamily="34" charset="0"/>
-            </a:rPr>
-            <a:t>Dinev</a:t>
-          </a:r>
-          <a:endParaRPr lang="en-US" sz="2400" dirty="0">
-            <a:solidFill>
-              <a:schemeClr val="tx1"/>
-            </a:solidFill>
-            <a:latin typeface="Tahoma" panose="020B0604030504040204" pitchFamily="34" charset="0"/>
-            <a:ea typeface="Tahoma" panose="020B0604030504040204" pitchFamily="34" charset="0"/>
-            <a:cs typeface="Tahoma" panose="020B0604030504040204" pitchFamily="34" charset="0"/>
-          </a:endParaRPr>
-        </a:p>
-      </dgm:t>
-    </dgm:pt>
-    <dgm:pt modelId="{8452F8D0-82FD-4609-B6BD-446E31563D8A}" type="parTrans" cxnId="{085D3777-7996-4375-B5FB-BFD96D1BF9E4}">
-      <dgm:prSet/>
-      <dgm:spPr/>
-      <dgm:t>
-        <a:bodyPr/>
-        <a:lstStyle/>
-        <a:p>
-          <a:endParaRPr lang="en-US" sz="1400"/>
-        </a:p>
-      </dgm:t>
-    </dgm:pt>
-    <dgm:pt modelId="{8EF545BA-8D8A-4813-A428-2F18D76E61FA}" type="sibTrans" cxnId="{085D3777-7996-4375-B5FB-BFD96D1BF9E4}">
-      <dgm:prSet/>
-      <dgm:spPr/>
-      <dgm:t>
-        <a:bodyPr/>
-        <a:lstStyle/>
-        <a:p>
-          <a:endParaRPr lang="en-US" sz="1400"/>
-        </a:p>
-      </dgm:t>
-    </dgm:pt>
-    <dgm:pt modelId="{95A524E6-8A71-49A1-AF74-29696A02028A}">
-      <dgm:prSet phldrT="[Text]" custT="1"/>
-      <dgm:spPr/>
-      <dgm:t>
-        <a:bodyPr/>
-        <a:lstStyle/>
-        <a:p>
-          <a:r>
-            <a:rPr lang="en-US" sz="2400" dirty="0">
-              <a:latin typeface="Tahoma" panose="020B0604030504040204" pitchFamily="34" charset="0"/>
-              <a:ea typeface="Tahoma" panose="020B0604030504040204" pitchFamily="34" charset="0"/>
-              <a:cs typeface="Tahoma" panose="020B0604030504040204" pitchFamily="34" charset="0"/>
-            </a:rPr>
-            <a:t>QA Engineer</a:t>
-          </a:r>
-        </a:p>
-      </dgm:t>
-    </dgm:pt>
-    <dgm:pt modelId="{52C86CAF-440B-4BB7-BD46-805908EC2D17}" type="parTrans" cxnId="{764A7F40-FC93-4B5E-82E4-B29F920B2D30}">
-      <dgm:prSet/>
-      <dgm:spPr/>
-      <dgm:t>
-        <a:bodyPr/>
-        <a:lstStyle/>
-        <a:p>
-          <a:endParaRPr lang="en-US" sz="1400"/>
-        </a:p>
-      </dgm:t>
-    </dgm:pt>
-    <dgm:pt modelId="{EE0C23C2-8A0C-497A-A914-ED60FDCA930F}" type="sibTrans" cxnId="{764A7F40-FC93-4B5E-82E4-B29F920B2D30}">
-      <dgm:prSet/>
-      <dgm:spPr/>
-      <dgm:t>
-        <a:bodyPr/>
-        <a:lstStyle/>
-        <a:p>
-          <a:endParaRPr lang="en-US" sz="1400"/>
-        </a:p>
-      </dgm:t>
-    </dgm:pt>
-    <dgm:pt modelId="{99FD7F24-5BB9-46E8-BB7C-4B477B73B815}" type="pres">
-      <dgm:prSet presAssocID="{81269538-BFC5-48BB-BEA1-D7AF1F385FD5}" presName="Name0" presStyleCnt="0">
-        <dgm:presLayoutVars>
-          <dgm:dir/>
-          <dgm:animLvl val="lvl"/>
-          <dgm:resizeHandles val="exact"/>
-        </dgm:presLayoutVars>
-      </dgm:prSet>
-      <dgm:spPr/>
-    </dgm:pt>
-    <dgm:pt modelId="{BBAB8945-0B00-4547-92CF-AE59FDD0EF39}" type="pres">
-      <dgm:prSet presAssocID="{0D51337A-31FA-4717-B2BF-9243F96D2B9B}" presName="linNode" presStyleCnt="0"/>
-      <dgm:spPr/>
-    </dgm:pt>
-    <dgm:pt modelId="{3230722F-B757-4673-BD2F-9D4BAB5CEE8D}" type="pres">
-      <dgm:prSet presAssocID="{0D51337A-31FA-4717-B2BF-9243F96D2B9B}" presName="parentText" presStyleLbl="node1" presStyleIdx="0" presStyleCnt="4" custScaleX="177690">
-        <dgm:presLayoutVars>
-          <dgm:chMax val="1"/>
-          <dgm:bulletEnabled val="1"/>
-        </dgm:presLayoutVars>
-      </dgm:prSet>
-      <dgm:spPr/>
-    </dgm:pt>
-    <dgm:pt modelId="{6FB9694A-6C63-4B23-90F6-4F208C00D399}" type="pres">
-      <dgm:prSet presAssocID="{0D51337A-31FA-4717-B2BF-9243F96D2B9B}" presName="descendantText" presStyleLbl="alignAccFollowNode1" presStyleIdx="0" presStyleCnt="4" custScaleX="177257">
-        <dgm:presLayoutVars>
-          <dgm:bulletEnabled val="1"/>
-        </dgm:presLayoutVars>
-      </dgm:prSet>
-      <dgm:spPr/>
-    </dgm:pt>
-    <dgm:pt modelId="{3E4AEBB9-D07D-412D-A9F3-5F50CE85FF20}" type="pres">
-      <dgm:prSet presAssocID="{6799645E-F42F-43D8-B2EA-A1377D84D0B3}" presName="sp" presStyleCnt="0"/>
-      <dgm:spPr/>
-    </dgm:pt>
-    <dgm:pt modelId="{C60E4332-AB2E-4201-AF29-E3D9D2CE99DD}" type="pres">
-      <dgm:prSet presAssocID="{A7F7584C-6CC5-40A2-9566-2842A5DEA97A}" presName="linNode" presStyleCnt="0"/>
-      <dgm:spPr/>
-    </dgm:pt>
-    <dgm:pt modelId="{8A3FE5E4-2689-4041-B2C5-C63BC276A3EF}" type="pres">
-      <dgm:prSet presAssocID="{A7F7584C-6CC5-40A2-9566-2842A5DEA97A}" presName="parentText" presStyleLbl="node1" presStyleIdx="1" presStyleCnt="4">
-        <dgm:presLayoutVars>
-          <dgm:chMax val="1"/>
-          <dgm:bulletEnabled val="1"/>
-        </dgm:presLayoutVars>
-      </dgm:prSet>
-      <dgm:spPr/>
-    </dgm:pt>
-    <dgm:pt modelId="{329ECF1A-78BE-41CB-B252-8011825B67CD}" type="pres">
-      <dgm:prSet presAssocID="{A7F7584C-6CC5-40A2-9566-2842A5DEA97A}" presName="descendantText" presStyleLbl="alignAccFollowNode1" presStyleIdx="1" presStyleCnt="4" custLinFactNeighborX="0">
-        <dgm:presLayoutVars>
-          <dgm:bulletEnabled val="1"/>
-        </dgm:presLayoutVars>
-      </dgm:prSet>
-      <dgm:spPr/>
-    </dgm:pt>
-    <dgm:pt modelId="{CF97419B-1653-4404-8A25-A4EB2811914A}" type="pres">
-      <dgm:prSet presAssocID="{C41ED6A4-512C-48AB-901D-671B73446005}" presName="sp" presStyleCnt="0"/>
-      <dgm:spPr/>
-    </dgm:pt>
-    <dgm:pt modelId="{74B4E996-D144-43FA-9C7B-5183D295C315}" type="pres">
-      <dgm:prSet presAssocID="{51A6936C-668E-4912-B1B4-BA2D45D3F624}" presName="linNode" presStyleCnt="0"/>
-      <dgm:spPr/>
-    </dgm:pt>
-    <dgm:pt modelId="{1C763A21-352A-41D1-A2E2-E305DABA275D}" type="pres">
-      <dgm:prSet presAssocID="{51A6936C-668E-4912-B1B4-BA2D45D3F624}" presName="parentText" presStyleLbl="node1" presStyleIdx="2" presStyleCnt="4">
-        <dgm:presLayoutVars>
-          <dgm:chMax val="1"/>
-          <dgm:bulletEnabled val="1"/>
-        </dgm:presLayoutVars>
-      </dgm:prSet>
-      <dgm:spPr/>
-    </dgm:pt>
-    <dgm:pt modelId="{A66EBD3D-E7C5-421C-B8B5-728648057DDC}" type="pres">
-      <dgm:prSet presAssocID="{51A6936C-668E-4912-B1B4-BA2D45D3F624}" presName="descendantText" presStyleLbl="alignAccFollowNode1" presStyleIdx="2" presStyleCnt="4">
-        <dgm:presLayoutVars>
-          <dgm:bulletEnabled val="1"/>
-        </dgm:presLayoutVars>
-      </dgm:prSet>
-      <dgm:spPr/>
-    </dgm:pt>
-    <dgm:pt modelId="{4D3735EA-64D5-44A4-9D60-787BDDA83D1A}" type="pres">
-      <dgm:prSet presAssocID="{E68031D9-E3F9-439E-86FC-2A0A3A3988D0}" presName="sp" presStyleCnt="0"/>
-      <dgm:spPr/>
-    </dgm:pt>
-    <dgm:pt modelId="{120DCED0-01FF-429D-8B4B-923E0875F75E}" type="pres">
-      <dgm:prSet presAssocID="{928B5CB8-3545-4EE5-8BED-981D3C6157A5}" presName="linNode" presStyleCnt="0"/>
-      <dgm:spPr/>
-    </dgm:pt>
-    <dgm:pt modelId="{B9324B26-5FF5-4FF7-9073-66103CBE8481}" type="pres">
-      <dgm:prSet presAssocID="{928B5CB8-3545-4EE5-8BED-981D3C6157A5}" presName="parentText" presStyleLbl="node1" presStyleIdx="3" presStyleCnt="4">
-        <dgm:presLayoutVars>
-          <dgm:chMax val="1"/>
-          <dgm:bulletEnabled val="1"/>
-        </dgm:presLayoutVars>
-      </dgm:prSet>
-      <dgm:spPr/>
-    </dgm:pt>
-    <dgm:pt modelId="{95E0557D-F0A1-4F38-8083-55DE7503164F}" type="pres">
-      <dgm:prSet presAssocID="{928B5CB8-3545-4EE5-8BED-981D3C6157A5}" presName="descendantText" presStyleLbl="alignAccFollowNode1" presStyleIdx="3" presStyleCnt="4" custLinFactNeighborX="0" custLinFactNeighborY="-1411">
-        <dgm:presLayoutVars>
-          <dgm:bulletEnabled val="1"/>
-        </dgm:presLayoutVars>
-      </dgm:prSet>
-      <dgm:spPr/>
-    </dgm:pt>
-  </dgm:ptLst>
-  <dgm:cxnLst>
-    <dgm:cxn modelId="{56052809-46E4-4445-B520-94004C28BB9D}" srcId="{A7F7584C-6CC5-40A2-9566-2842A5DEA97A}" destId="{9D8DAFB6-C744-4BD6-B757-393BF647EBB6}" srcOrd="0" destOrd="0" parTransId="{17C1C47E-8D1A-404A-B227-B017391CB5F6}" sibTransId="{C9B44773-68B1-427B-B9CA-0AEA186B621E}"/>
-    <dgm:cxn modelId="{A38C1039-CB78-4EBF-844F-7A838983E228}" type="presOf" srcId="{A7F7584C-6CC5-40A2-9566-2842A5DEA97A}" destId="{8A3FE5E4-2689-4041-B2C5-C63BC276A3EF}" srcOrd="0" destOrd="0" presId="urn:microsoft.com/office/officeart/2005/8/layout/vList5"/>
-    <dgm:cxn modelId="{764A7F40-FC93-4B5E-82E4-B29F920B2D30}" srcId="{928B5CB8-3545-4EE5-8BED-981D3C6157A5}" destId="{95A524E6-8A71-49A1-AF74-29696A02028A}" srcOrd="0" destOrd="0" parTransId="{52C86CAF-440B-4BB7-BD46-805908EC2D17}" sibTransId="{EE0C23C2-8A0C-497A-A914-ED60FDCA930F}"/>
-    <dgm:cxn modelId="{1D59D94A-4BF7-417E-B49B-225C005839A9}" srcId="{51A6936C-668E-4912-B1B4-BA2D45D3F624}" destId="{2A9B6C90-9B70-4ED8-9084-8651413BB905}" srcOrd="0" destOrd="0" parTransId="{47C005B7-F5AA-4111-A87D-782B117A0259}" sibTransId="{54109FB3-0563-4B2C-BFF0-181E047427F8}"/>
-    <dgm:cxn modelId="{6DF17F4D-4120-4DE8-8738-503F2519CD40}" type="presOf" srcId="{9D8DAFB6-C744-4BD6-B757-393BF647EBB6}" destId="{329ECF1A-78BE-41CB-B252-8011825B67CD}" srcOrd="0" destOrd="0" presId="urn:microsoft.com/office/officeart/2005/8/layout/vList5"/>
-    <dgm:cxn modelId="{D51B6075-27E4-4292-9F89-0CC50DF21ED9}" type="presOf" srcId="{51A6936C-668E-4912-B1B4-BA2D45D3F624}" destId="{1C763A21-352A-41D1-A2E2-E305DABA275D}" srcOrd="0" destOrd="0" presId="urn:microsoft.com/office/officeart/2005/8/layout/vList5"/>
-    <dgm:cxn modelId="{9E6BB655-7FE4-4F8D-B1D2-F885E60B8754}" srcId="{81269538-BFC5-48BB-BEA1-D7AF1F385FD5}" destId="{0D51337A-31FA-4717-B2BF-9243F96D2B9B}" srcOrd="0" destOrd="0" parTransId="{A9294D65-F371-46C8-A624-E557E9DF1A30}" sibTransId="{6799645E-F42F-43D8-B2EA-A1377D84D0B3}"/>
-    <dgm:cxn modelId="{085D3777-7996-4375-B5FB-BFD96D1BF9E4}" srcId="{81269538-BFC5-48BB-BEA1-D7AF1F385FD5}" destId="{928B5CB8-3545-4EE5-8BED-981D3C6157A5}" srcOrd="3" destOrd="0" parTransId="{8452F8D0-82FD-4609-B6BD-446E31563D8A}" sibTransId="{8EF545BA-8D8A-4813-A428-2F18D76E61FA}"/>
-    <dgm:cxn modelId="{C65EFE7A-5430-4917-89D2-D70BAF0289E3}" type="presOf" srcId="{2A9B6C90-9B70-4ED8-9084-8651413BB905}" destId="{A66EBD3D-E7C5-421C-B8B5-728648057DDC}" srcOrd="0" destOrd="0" presId="urn:microsoft.com/office/officeart/2005/8/layout/vList5"/>
-    <dgm:cxn modelId="{A316347C-9D1A-43C6-BE2B-DC184440E1C9}" srcId="{0D51337A-31FA-4717-B2BF-9243F96D2B9B}" destId="{E40970FA-9468-4353-8343-FE5E2BEBB8B0}" srcOrd="0" destOrd="0" parTransId="{85FA6A33-9FA9-4134-A6A3-A5D4748A1779}" sibTransId="{04FF68DF-CF36-4D12-9ECE-A3519B0AC88A}"/>
-    <dgm:cxn modelId="{53988784-A0E1-4D82-B36B-740DE83EB0C9}" type="presOf" srcId="{81269538-BFC5-48BB-BEA1-D7AF1F385FD5}" destId="{99FD7F24-5BB9-46E8-BB7C-4B477B73B815}" srcOrd="0" destOrd="0" presId="urn:microsoft.com/office/officeart/2005/8/layout/vList5"/>
-    <dgm:cxn modelId="{993E0796-DCBD-4EB2-9BAB-4437E125DA45}" type="presOf" srcId="{E40970FA-9468-4353-8343-FE5E2BEBB8B0}" destId="{6FB9694A-6C63-4B23-90F6-4F208C00D399}" srcOrd="0" destOrd="0" presId="urn:microsoft.com/office/officeart/2005/8/layout/vList5"/>
-    <dgm:cxn modelId="{000FE2BB-9FE6-4965-ADF5-E3E85B644286}" srcId="{81269538-BFC5-48BB-BEA1-D7AF1F385FD5}" destId="{51A6936C-668E-4912-B1B4-BA2D45D3F624}" srcOrd="2" destOrd="0" parTransId="{8F7D40F1-9723-47F5-BFD2-340696378D49}" sibTransId="{E68031D9-E3F9-439E-86FC-2A0A3A3988D0}"/>
-    <dgm:cxn modelId="{F68422C1-CD34-4DED-AA4B-85EFFF4FE933}" srcId="{81269538-BFC5-48BB-BEA1-D7AF1F385FD5}" destId="{A7F7584C-6CC5-40A2-9566-2842A5DEA97A}" srcOrd="1" destOrd="0" parTransId="{581272CD-5908-4C17-8E9B-8BF6DCE43C3E}" sibTransId="{C41ED6A4-512C-48AB-901D-671B73446005}"/>
-    <dgm:cxn modelId="{02B1C3C3-F2D2-4C80-8962-E0C9B39A6EF4}" type="presOf" srcId="{0D51337A-31FA-4717-B2BF-9243F96D2B9B}" destId="{3230722F-B757-4673-BD2F-9D4BAB5CEE8D}" srcOrd="0" destOrd="0" presId="urn:microsoft.com/office/officeart/2005/8/layout/vList5"/>
-    <dgm:cxn modelId="{A44DF6E5-2150-478D-AAB9-24BC6742BCEE}" type="presOf" srcId="{928B5CB8-3545-4EE5-8BED-981D3C6157A5}" destId="{B9324B26-5FF5-4FF7-9073-66103CBE8481}" srcOrd="0" destOrd="0" presId="urn:microsoft.com/office/officeart/2005/8/layout/vList5"/>
-    <dgm:cxn modelId="{66EBA0EC-F77C-4ABE-8815-8C8F4F6ACAB5}" type="presOf" srcId="{95A524E6-8A71-49A1-AF74-29696A02028A}" destId="{95E0557D-F0A1-4F38-8083-55DE7503164F}" srcOrd="0" destOrd="0" presId="urn:microsoft.com/office/officeart/2005/8/layout/vList5"/>
-    <dgm:cxn modelId="{45435F90-22A5-4C03-B101-FD4577E8A794}" type="presParOf" srcId="{99FD7F24-5BB9-46E8-BB7C-4B477B73B815}" destId="{BBAB8945-0B00-4547-92CF-AE59FDD0EF39}" srcOrd="0" destOrd="0" presId="urn:microsoft.com/office/officeart/2005/8/layout/vList5"/>
-    <dgm:cxn modelId="{B399DCC2-FF40-4D75-A2A7-A495D4AF2387}" type="presParOf" srcId="{BBAB8945-0B00-4547-92CF-AE59FDD0EF39}" destId="{3230722F-B757-4673-BD2F-9D4BAB5CEE8D}" srcOrd="0" destOrd="0" presId="urn:microsoft.com/office/officeart/2005/8/layout/vList5"/>
-    <dgm:cxn modelId="{4A0749A4-83B7-4DF9-BA0E-5506B76F10A1}" type="presParOf" srcId="{BBAB8945-0B00-4547-92CF-AE59FDD0EF39}" destId="{6FB9694A-6C63-4B23-90F6-4F208C00D399}" srcOrd="1" destOrd="0" presId="urn:microsoft.com/office/officeart/2005/8/layout/vList5"/>
-    <dgm:cxn modelId="{26C2F444-58E5-4B3C-A169-EBC64ABE0EE9}" type="presParOf" srcId="{99FD7F24-5BB9-46E8-BB7C-4B477B73B815}" destId="{3E4AEBB9-D07D-412D-A9F3-5F50CE85FF20}" srcOrd="1" destOrd="0" presId="urn:microsoft.com/office/officeart/2005/8/layout/vList5"/>
-    <dgm:cxn modelId="{FB2D3183-70C6-44DD-875A-CC09A2C89FEB}" type="presParOf" srcId="{99FD7F24-5BB9-46E8-BB7C-4B477B73B815}" destId="{C60E4332-AB2E-4201-AF29-E3D9D2CE99DD}" srcOrd="2" destOrd="0" presId="urn:microsoft.com/office/officeart/2005/8/layout/vList5"/>
-    <dgm:cxn modelId="{B9D84324-BE5B-4514-8201-6B25BE814C19}" type="presParOf" srcId="{C60E4332-AB2E-4201-AF29-E3D9D2CE99DD}" destId="{8A3FE5E4-2689-4041-B2C5-C63BC276A3EF}" srcOrd="0" destOrd="0" presId="urn:microsoft.com/office/officeart/2005/8/layout/vList5"/>
-    <dgm:cxn modelId="{62F196CC-DD4E-41F1-95F6-0E80E18CA40A}" type="presParOf" srcId="{C60E4332-AB2E-4201-AF29-E3D9D2CE99DD}" destId="{329ECF1A-78BE-41CB-B252-8011825B67CD}" srcOrd="1" destOrd="0" presId="urn:microsoft.com/office/officeart/2005/8/layout/vList5"/>
-    <dgm:cxn modelId="{902C8576-A8E1-4C1E-B647-4F0EFC878EDE}" type="presParOf" srcId="{99FD7F24-5BB9-46E8-BB7C-4B477B73B815}" destId="{CF97419B-1653-4404-8A25-A4EB2811914A}" srcOrd="3" destOrd="0" presId="urn:microsoft.com/office/officeart/2005/8/layout/vList5"/>
-    <dgm:cxn modelId="{C0AE58B2-3BCF-4A17-9962-82AF5DB00A66}" type="presParOf" srcId="{99FD7F24-5BB9-46E8-BB7C-4B477B73B815}" destId="{74B4E996-D144-43FA-9C7B-5183D295C315}" srcOrd="4" destOrd="0" presId="urn:microsoft.com/office/officeart/2005/8/layout/vList5"/>
-    <dgm:cxn modelId="{CC23B1CA-2592-479D-988C-BB870D7E9EC9}" type="presParOf" srcId="{74B4E996-D144-43FA-9C7B-5183D295C315}" destId="{1C763A21-352A-41D1-A2E2-E305DABA275D}" srcOrd="0" destOrd="0" presId="urn:microsoft.com/office/officeart/2005/8/layout/vList5"/>
-    <dgm:cxn modelId="{477107E6-023C-4B3F-96EF-D2D5DA516C5C}" type="presParOf" srcId="{74B4E996-D144-43FA-9C7B-5183D295C315}" destId="{A66EBD3D-E7C5-421C-B8B5-728648057DDC}" srcOrd="1" destOrd="0" presId="urn:microsoft.com/office/officeart/2005/8/layout/vList5"/>
-    <dgm:cxn modelId="{933347A6-BCAF-495A-96A7-208A97A1751A}" type="presParOf" srcId="{99FD7F24-5BB9-46E8-BB7C-4B477B73B815}" destId="{4D3735EA-64D5-44A4-9D60-787BDDA83D1A}" srcOrd="5" destOrd="0" presId="urn:microsoft.com/office/officeart/2005/8/layout/vList5"/>
-    <dgm:cxn modelId="{677D4939-AE22-4645-A75D-BD07DA38E78F}" type="presParOf" srcId="{99FD7F24-5BB9-46E8-BB7C-4B477B73B815}" destId="{120DCED0-01FF-429D-8B4B-923E0875F75E}" srcOrd="6" destOrd="0" presId="urn:microsoft.com/office/officeart/2005/8/layout/vList5"/>
-    <dgm:cxn modelId="{AF6385C2-1319-4602-9D19-9A89E6EBF57F}" type="presParOf" srcId="{120DCED0-01FF-429D-8B4B-923E0875F75E}" destId="{B9324B26-5FF5-4FF7-9073-66103CBE8481}" srcOrd="0" destOrd="0" presId="urn:microsoft.com/office/officeart/2005/8/layout/vList5"/>
-    <dgm:cxn modelId="{16466152-551A-417E-9EB3-4C0FC3867902}" type="presParOf" srcId="{120DCED0-01FF-429D-8B4B-923E0875F75E}" destId="{95E0557D-F0A1-4F38-8083-55DE7503164F}" srcOrd="1" destOrd="0" presId="urn:microsoft.com/office/officeart/2005/8/layout/vList5"/>
-  </dgm:cxnLst>
-  <dgm:bg/>
-  <dgm:whole/>
-  <dgm:extLst>
-    <a:ext uri="http://schemas.microsoft.com/office/drawing/2008/diagram">
-      <dsp:dataModelExt xmlns:dsp="http://schemas.microsoft.com/office/drawing/2008/diagram" relId="rId6" minVer="http://schemas.openxmlformats.org/drawingml/2006/diagram"/>
-    </a:ext>
-  </dgm:extLst>
-</dgm:dataModel>
-</file>
-
-<file path=ppt/diagrams/drawing1.xml><?xml version="1.0" encoding="utf-8"?>
-<dsp:drawing xmlns:dgm="http://schemas.openxmlformats.org/drawingml/2006/diagram" xmlns:dsp="http://schemas.microsoft.com/office/drawing/2008/diagram" xmlns:a="http://schemas.openxmlformats.org/drawingml/2006/main">
-  <dsp:spTree>
-    <dsp:nvGrpSpPr>
-      <dsp:cNvPr id="0" name=""/>
-      <dsp:cNvGrpSpPr/>
-    </dsp:nvGrpSpPr>
-    <dsp:grpSpPr/>
-    <dsp:sp modelId="{6FB9694A-6C63-4B23-90F6-4F208C00D399}">
-      <dsp:nvSpPr>
-        <dsp:cNvPr id="0" name=""/>
-        <dsp:cNvSpPr/>
-      </dsp:nvSpPr>
-      <dsp:spPr>
-        <a:xfrm rot="5400000">
-          <a:off x="6395680" y="-2738063"/>
-          <a:ext cx="682056" cy="6332242"/>
-        </a:xfrm>
-        <a:prstGeom prst="round2SameRect">
-          <a:avLst/>
-        </a:prstGeom>
-        <a:solidFill>
-          <a:schemeClr val="accent1">
-            <a:alpha val="90000"/>
-            <a:tint val="40000"/>
-            <a:hueOff val="0"/>
-            <a:satOff val="0"/>
-            <a:lumOff val="0"/>
-            <a:alphaOff val="0"/>
-          </a:schemeClr>
-        </a:solidFill>
-        <a:ln w="15875" cap="flat" cmpd="sng" algn="ctr">
-          <a:solidFill>
-            <a:schemeClr val="accent1">
-              <a:alpha val="90000"/>
-              <a:tint val="40000"/>
-              <a:hueOff val="0"/>
-              <a:satOff val="0"/>
-              <a:lumOff val="0"/>
-              <a:alphaOff val="0"/>
-            </a:schemeClr>
-          </a:solidFill>
-          <a:prstDash val="solid"/>
-        </a:ln>
-        <a:effectLst/>
-      </dsp:spPr>
-      <dsp:style>
-        <a:lnRef idx="2">
-          <a:scrgbClr r="0" g="0" b="0"/>
-        </a:lnRef>
-        <a:fillRef idx="1">
-          <a:scrgbClr r="0" g="0" b="0"/>
-        </a:fillRef>
-        <a:effectRef idx="0">
-          <a:scrgbClr r="0" g="0" b="0"/>
-        </a:effectRef>
-        <a:fontRef idx="minor"/>
-      </dsp:style>
-      <dsp:txBody>
-        <a:bodyPr spcFirstLastPara="0" vert="horz" wrap="square" lIns="247650" tIns="123825" rIns="247650" bIns="123825" numCol="1" spcCol="1270" anchor="ctr" anchorCtr="0">
-          <a:noAutofit/>
-        </a:bodyPr>
-        <a:lstStyle/>
-        <a:p>
-          <a:pPr marL="228600" lvl="1" indent="-228600" algn="l" defTabSz="1066800">
-            <a:lnSpc>
-              <a:spcPct val="90000"/>
-            </a:lnSpc>
-            <a:spcBef>
-              <a:spcPct val="0"/>
-            </a:spcBef>
-            <a:spcAft>
-              <a:spcPct val="15000"/>
-            </a:spcAft>
-            <a:buChar char="•"/>
-          </a:pPr>
-          <a:r>
-            <a:rPr lang="en-US" sz="2400" kern="1200" dirty="0">
-              <a:latin typeface="Tahoma" panose="020B0604030504040204" pitchFamily="34" charset="0"/>
-              <a:ea typeface="Tahoma" panose="020B0604030504040204" pitchFamily="34" charset="0"/>
-              <a:cs typeface="Tahoma" panose="020B0604030504040204" pitchFamily="34" charset="0"/>
-            </a:rPr>
-            <a:t>Scrum Trainer</a:t>
-          </a:r>
-        </a:p>
-      </dsp:txBody>
-      <dsp:txXfrm rot="-5400000">
-        <a:off x="3570588" y="120324"/>
-        <a:ext cx="6298947" cy="615466"/>
-      </dsp:txXfrm>
-    </dsp:sp>
-    <dsp:sp modelId="{3230722F-B757-4673-BD2F-9D4BAB5CEE8D}">
-      <dsp:nvSpPr>
-        <dsp:cNvPr id="0" name=""/>
-        <dsp:cNvSpPr/>
-      </dsp:nvSpPr>
-      <dsp:spPr>
-        <a:xfrm>
-          <a:off x="0" y="1772"/>
-          <a:ext cx="3570587" cy="852570"/>
-        </a:xfrm>
-        <a:prstGeom prst="roundRect">
-          <a:avLst/>
-        </a:prstGeom>
-        <a:solidFill>
-          <a:schemeClr val="accent1">
-            <a:hueOff val="0"/>
-            <a:satOff val="0"/>
-            <a:lumOff val="0"/>
-            <a:alphaOff val="0"/>
-          </a:schemeClr>
-        </a:solidFill>
-        <a:ln w="15875" cap="flat" cmpd="sng" algn="ctr">
-          <a:solidFill>
-            <a:schemeClr val="lt1">
-              <a:hueOff val="0"/>
-              <a:satOff val="0"/>
-              <a:lumOff val="0"/>
-              <a:alphaOff val="0"/>
-            </a:schemeClr>
-          </a:solidFill>
-          <a:prstDash val="solid"/>
-        </a:ln>
-        <a:effectLst/>
-      </dsp:spPr>
-      <dsp:style>
-        <a:lnRef idx="2">
-          <a:scrgbClr r="0" g="0" b="0"/>
-        </a:lnRef>
-        <a:fillRef idx="1">
-          <a:scrgbClr r="0" g="0" b="0"/>
-        </a:fillRef>
-        <a:effectRef idx="0">
-          <a:scrgbClr r="0" g="0" b="0"/>
-        </a:effectRef>
-        <a:fontRef idx="minor">
-          <a:schemeClr val="lt1"/>
-        </a:fontRef>
-      </dsp:style>
-      <dsp:txBody>
-        <a:bodyPr spcFirstLastPara="0" vert="horz" wrap="square" lIns="91440" tIns="45720" rIns="91440" bIns="45720" numCol="1" spcCol="1270" anchor="ctr" anchorCtr="0">
-          <a:noAutofit/>
-        </a:bodyPr>
-        <a:lstStyle/>
-        <a:p>
-          <a:pPr marL="0" lvl="0" indent="0" algn="ctr" defTabSz="1066800">
-            <a:lnSpc>
-              <a:spcPct val="90000"/>
-            </a:lnSpc>
-            <a:spcBef>
-              <a:spcPct val="0"/>
-            </a:spcBef>
-            <a:spcAft>
-              <a:spcPct val="35000"/>
-            </a:spcAft>
-            <a:buNone/>
-          </a:pPr>
-          <a:r>
-            <a:rPr lang="en-US" sz="2400" kern="1200" dirty="0" err="1">
-              <a:latin typeface="Tahoma" panose="020B0604030504040204" pitchFamily="34" charset="0"/>
-              <a:ea typeface="Tahoma" panose="020B0604030504040204" pitchFamily="34" charset="0"/>
-              <a:cs typeface="Tahoma" panose="020B0604030504040204" pitchFamily="34" charset="0"/>
-            </a:rPr>
-            <a:t>Iliyana</a:t>
-          </a:r>
-          <a:r>
-            <a:rPr lang="en-US" sz="2400" kern="1200" dirty="0">
-              <a:latin typeface="Tahoma" panose="020B0604030504040204" pitchFamily="34" charset="0"/>
-              <a:ea typeface="Tahoma" panose="020B0604030504040204" pitchFamily="34" charset="0"/>
-              <a:cs typeface="Tahoma" panose="020B0604030504040204" pitchFamily="34" charset="0"/>
-            </a:rPr>
-            <a:t> </a:t>
-          </a:r>
-          <a:r>
-            <a:rPr lang="en-US" sz="2400" kern="1200" dirty="0" err="1">
-              <a:latin typeface="Tahoma" panose="020B0604030504040204" pitchFamily="34" charset="0"/>
-              <a:ea typeface="Tahoma" panose="020B0604030504040204" pitchFamily="34" charset="0"/>
-              <a:cs typeface="Tahoma" panose="020B0604030504040204" pitchFamily="34" charset="0"/>
-            </a:rPr>
-            <a:t>Michevska</a:t>
-          </a:r>
-          <a:endParaRPr lang="en-US" sz="2400" kern="1200" dirty="0">
-            <a:solidFill>
-              <a:schemeClr val="tx1"/>
-            </a:solidFill>
-            <a:latin typeface="Tahoma" panose="020B0604030504040204" pitchFamily="34" charset="0"/>
-            <a:ea typeface="Tahoma" panose="020B0604030504040204" pitchFamily="34" charset="0"/>
-            <a:cs typeface="Tahoma" panose="020B0604030504040204" pitchFamily="34" charset="0"/>
-          </a:endParaRPr>
-        </a:p>
-      </dsp:txBody>
-      <dsp:txXfrm>
-        <a:off x="41619" y="43391"/>
-        <a:ext cx="3487349" cy="769332"/>
-      </dsp:txXfrm>
-    </dsp:sp>
-    <dsp:sp modelId="{329ECF1A-78BE-41CB-B252-8011825B67CD}">
-      <dsp:nvSpPr>
-        <dsp:cNvPr id="0" name=""/>
-        <dsp:cNvSpPr/>
-      </dsp:nvSpPr>
-      <dsp:spPr>
-        <a:xfrm rot="5400000">
-          <a:off x="6395051" y="-1846663"/>
-          <a:ext cx="682056" cy="6339840"/>
-        </a:xfrm>
-        <a:prstGeom prst="round2SameRect">
-          <a:avLst/>
-        </a:prstGeom>
-        <a:solidFill>
-          <a:schemeClr val="accent1">
-            <a:alpha val="90000"/>
-            <a:tint val="40000"/>
-            <a:hueOff val="0"/>
-            <a:satOff val="0"/>
-            <a:lumOff val="0"/>
-            <a:alphaOff val="0"/>
-          </a:schemeClr>
-        </a:solidFill>
-        <a:ln w="15875" cap="flat" cmpd="sng" algn="ctr">
-          <a:solidFill>
-            <a:schemeClr val="accent1">
-              <a:alpha val="90000"/>
-              <a:tint val="40000"/>
-              <a:hueOff val="0"/>
-              <a:satOff val="0"/>
-              <a:lumOff val="0"/>
-              <a:alphaOff val="0"/>
-            </a:schemeClr>
-          </a:solidFill>
-          <a:prstDash val="solid"/>
-        </a:ln>
-        <a:effectLst/>
-      </dsp:spPr>
-      <dsp:style>
-        <a:lnRef idx="2">
-          <a:scrgbClr r="0" g="0" b="0"/>
-        </a:lnRef>
-        <a:fillRef idx="1">
-          <a:scrgbClr r="0" g="0" b="0"/>
-        </a:fillRef>
-        <a:effectRef idx="0">
-          <a:scrgbClr r="0" g="0" b="0"/>
-        </a:effectRef>
-        <a:fontRef idx="minor"/>
-      </dsp:style>
-      <dsp:txBody>
-        <a:bodyPr spcFirstLastPara="0" vert="horz" wrap="square" lIns="247650" tIns="123825" rIns="247650" bIns="123825" numCol="1" spcCol="1270" anchor="ctr" anchorCtr="0">
-          <a:noAutofit/>
-        </a:bodyPr>
-        <a:lstStyle/>
-        <a:p>
-          <a:pPr marL="228600" lvl="1" indent="-228600" algn="l" defTabSz="1066800">
-            <a:lnSpc>
-              <a:spcPct val="90000"/>
-            </a:lnSpc>
-            <a:spcBef>
-              <a:spcPct val="0"/>
-            </a:spcBef>
-            <a:spcAft>
-              <a:spcPct val="15000"/>
-            </a:spcAft>
-            <a:buChar char="•"/>
-          </a:pPr>
-          <a:r>
-            <a:rPr lang="en-US" sz="2400" kern="1200" dirty="0">
-              <a:latin typeface="Tahoma" panose="020B0604030504040204" pitchFamily="34" charset="0"/>
-              <a:ea typeface="Tahoma" panose="020B0604030504040204" pitchFamily="34" charset="0"/>
-              <a:cs typeface="Tahoma" panose="020B0604030504040204" pitchFamily="34" charset="0"/>
-            </a:rPr>
-            <a:t>Back-end Developer</a:t>
-          </a:r>
-        </a:p>
-      </dsp:txBody>
-      <dsp:txXfrm rot="-5400000">
-        <a:off x="3566160" y="1015523"/>
-        <a:ext cx="6306545" cy="615466"/>
-      </dsp:txXfrm>
-    </dsp:sp>
-    <dsp:sp modelId="{8A3FE5E4-2689-4041-B2C5-C63BC276A3EF}">
-      <dsp:nvSpPr>
-        <dsp:cNvPr id="0" name=""/>
-        <dsp:cNvSpPr/>
-      </dsp:nvSpPr>
-      <dsp:spPr>
-        <a:xfrm>
-          <a:off x="0" y="896971"/>
-          <a:ext cx="3566160" cy="852570"/>
-        </a:xfrm>
-        <a:prstGeom prst="roundRect">
-          <a:avLst/>
-        </a:prstGeom>
-        <a:solidFill>
-          <a:schemeClr val="accent1">
-            <a:hueOff val="0"/>
-            <a:satOff val="0"/>
-            <a:lumOff val="0"/>
-            <a:alphaOff val="0"/>
-          </a:schemeClr>
-        </a:solidFill>
-        <a:ln w="15875" cap="flat" cmpd="sng" algn="ctr">
-          <a:solidFill>
-            <a:schemeClr val="lt1">
-              <a:hueOff val="0"/>
-              <a:satOff val="0"/>
-              <a:lumOff val="0"/>
-              <a:alphaOff val="0"/>
-            </a:schemeClr>
-          </a:solidFill>
-          <a:prstDash val="solid"/>
-        </a:ln>
-        <a:effectLst/>
-      </dsp:spPr>
-      <dsp:style>
-        <a:lnRef idx="2">
-          <a:scrgbClr r="0" g="0" b="0"/>
-        </a:lnRef>
-        <a:fillRef idx="1">
-          <a:scrgbClr r="0" g="0" b="0"/>
-        </a:fillRef>
-        <a:effectRef idx="0">
-          <a:scrgbClr r="0" g="0" b="0"/>
-        </a:effectRef>
-        <a:fontRef idx="minor">
-          <a:schemeClr val="lt1"/>
-        </a:fontRef>
-      </dsp:style>
-      <dsp:txBody>
-        <a:bodyPr spcFirstLastPara="0" vert="horz" wrap="square" lIns="91440" tIns="45720" rIns="91440" bIns="45720" numCol="1" spcCol="1270" anchor="ctr" anchorCtr="0">
-          <a:noAutofit/>
-        </a:bodyPr>
-        <a:lstStyle/>
-        <a:p>
-          <a:pPr marL="0" lvl="0" indent="0" algn="ctr" defTabSz="1066800">
-            <a:lnSpc>
-              <a:spcPct val="90000"/>
-            </a:lnSpc>
-            <a:spcBef>
-              <a:spcPct val="0"/>
-            </a:spcBef>
-            <a:spcAft>
-              <a:spcPct val="35000"/>
-            </a:spcAft>
-            <a:buNone/>
-          </a:pPr>
-          <a:r>
-            <a:rPr lang="en-US" sz="2400" kern="1200" dirty="0" err="1">
-              <a:solidFill>
-                <a:schemeClr val="tx1"/>
-              </a:solidFill>
-              <a:latin typeface="Tahoma" panose="020B0604030504040204" pitchFamily="34" charset="0"/>
-              <a:ea typeface="Tahoma" panose="020B0604030504040204" pitchFamily="34" charset="0"/>
-              <a:cs typeface="Tahoma" panose="020B0604030504040204" pitchFamily="34" charset="0"/>
-            </a:rPr>
-            <a:t>Plamen</a:t>
-          </a:r>
-          <a:r>
-            <a:rPr lang="en-US" sz="2400" kern="1200" dirty="0">
-              <a:solidFill>
-                <a:schemeClr val="tx1"/>
-              </a:solidFill>
-              <a:latin typeface="Tahoma" panose="020B0604030504040204" pitchFamily="34" charset="0"/>
-              <a:ea typeface="Tahoma" panose="020B0604030504040204" pitchFamily="34" charset="0"/>
-              <a:cs typeface="Tahoma" panose="020B0604030504040204" pitchFamily="34" charset="0"/>
-            </a:rPr>
-            <a:t> </a:t>
-          </a:r>
-          <a:r>
-            <a:rPr lang="en-US" sz="2400" kern="1200" dirty="0" err="1">
-              <a:solidFill>
-                <a:schemeClr val="tx1"/>
-              </a:solidFill>
-              <a:latin typeface="Tahoma" panose="020B0604030504040204" pitchFamily="34" charset="0"/>
-              <a:ea typeface="Tahoma" panose="020B0604030504040204" pitchFamily="34" charset="0"/>
-              <a:cs typeface="Tahoma" panose="020B0604030504040204" pitchFamily="34" charset="0"/>
-            </a:rPr>
-            <a:t>Daylyanov</a:t>
-          </a:r>
-          <a:endParaRPr lang="en-US" sz="2400" kern="1200" dirty="0">
-            <a:solidFill>
-              <a:schemeClr val="tx1"/>
-            </a:solidFill>
-            <a:latin typeface="Tahoma" panose="020B0604030504040204" pitchFamily="34" charset="0"/>
-            <a:ea typeface="Tahoma" panose="020B0604030504040204" pitchFamily="34" charset="0"/>
-            <a:cs typeface="Tahoma" panose="020B0604030504040204" pitchFamily="34" charset="0"/>
-          </a:endParaRPr>
-        </a:p>
-      </dsp:txBody>
-      <dsp:txXfrm>
-        <a:off x="41619" y="938590"/>
-        <a:ext cx="3482922" cy="769332"/>
-      </dsp:txXfrm>
-    </dsp:sp>
-    <dsp:sp modelId="{A66EBD3D-E7C5-421C-B8B5-728648057DDC}">
-      <dsp:nvSpPr>
-        <dsp:cNvPr id="0" name=""/>
-        <dsp:cNvSpPr/>
-      </dsp:nvSpPr>
-      <dsp:spPr>
-        <a:xfrm rot="5400000">
-          <a:off x="6395051" y="-951464"/>
-          <a:ext cx="682056" cy="6339840"/>
-        </a:xfrm>
-        <a:prstGeom prst="round2SameRect">
-          <a:avLst/>
-        </a:prstGeom>
-        <a:solidFill>
-          <a:schemeClr val="accent1">
-            <a:alpha val="90000"/>
-            <a:tint val="40000"/>
-            <a:hueOff val="0"/>
-            <a:satOff val="0"/>
-            <a:lumOff val="0"/>
-            <a:alphaOff val="0"/>
-          </a:schemeClr>
-        </a:solidFill>
-        <a:ln w="15875" cap="flat" cmpd="sng" algn="ctr">
-          <a:solidFill>
-            <a:schemeClr val="accent1">
-              <a:alpha val="90000"/>
-              <a:tint val="40000"/>
-              <a:hueOff val="0"/>
-              <a:satOff val="0"/>
-              <a:lumOff val="0"/>
-              <a:alphaOff val="0"/>
-            </a:schemeClr>
-          </a:solidFill>
-          <a:prstDash val="solid"/>
-        </a:ln>
-        <a:effectLst/>
-      </dsp:spPr>
-      <dsp:style>
-        <a:lnRef idx="2">
-          <a:scrgbClr r="0" g="0" b="0"/>
-        </a:lnRef>
-        <a:fillRef idx="1">
-          <a:scrgbClr r="0" g="0" b="0"/>
-        </a:fillRef>
-        <a:effectRef idx="0">
-          <a:scrgbClr r="0" g="0" b="0"/>
-        </a:effectRef>
-        <a:fontRef idx="minor"/>
-      </dsp:style>
-      <dsp:txBody>
-        <a:bodyPr spcFirstLastPara="0" vert="horz" wrap="square" lIns="247650" tIns="123825" rIns="247650" bIns="123825" numCol="1" spcCol="1270" anchor="ctr" anchorCtr="0">
-          <a:noAutofit/>
-        </a:bodyPr>
-        <a:lstStyle/>
-        <a:p>
-          <a:pPr marL="228600" lvl="1" indent="-228600" algn="l" defTabSz="1066800">
-            <a:lnSpc>
-              <a:spcPct val="90000"/>
-            </a:lnSpc>
-            <a:spcBef>
-              <a:spcPct val="0"/>
-            </a:spcBef>
-            <a:spcAft>
-              <a:spcPct val="15000"/>
-            </a:spcAft>
-            <a:buChar char="•"/>
-          </a:pPr>
-          <a:r>
-            <a:rPr lang="en-US" sz="2400" kern="1200" dirty="0">
-              <a:latin typeface="Tahoma" panose="020B0604030504040204" pitchFamily="34" charset="0"/>
-              <a:ea typeface="Tahoma" panose="020B0604030504040204" pitchFamily="34" charset="0"/>
-              <a:cs typeface="Tahoma" panose="020B0604030504040204" pitchFamily="34" charset="0"/>
-            </a:rPr>
-            <a:t>Back-end</a:t>
-          </a:r>
-          <a:r>
-            <a:rPr lang="en-US" sz="2000" kern="1200" dirty="0">
-              <a:latin typeface="Tahoma" panose="020B0604030504040204" pitchFamily="34" charset="0"/>
-              <a:ea typeface="Tahoma" panose="020B0604030504040204" pitchFamily="34" charset="0"/>
-              <a:cs typeface="Tahoma" panose="020B0604030504040204" pitchFamily="34" charset="0"/>
-            </a:rPr>
-            <a:t> </a:t>
-          </a:r>
-          <a:r>
-            <a:rPr lang="en-US" sz="2400" kern="1200" dirty="0">
-              <a:latin typeface="Tahoma" panose="020B0604030504040204" pitchFamily="34" charset="0"/>
-              <a:ea typeface="Tahoma" panose="020B0604030504040204" pitchFamily="34" charset="0"/>
-              <a:cs typeface="Tahoma" panose="020B0604030504040204" pitchFamily="34" charset="0"/>
-            </a:rPr>
-            <a:t>Developer</a:t>
-          </a:r>
-          <a:endParaRPr lang="en-US" sz="2000" kern="1200" dirty="0">
-            <a:latin typeface="Tahoma" panose="020B0604030504040204" pitchFamily="34" charset="0"/>
-            <a:ea typeface="Tahoma" panose="020B0604030504040204" pitchFamily="34" charset="0"/>
-            <a:cs typeface="Tahoma" panose="020B0604030504040204" pitchFamily="34" charset="0"/>
-          </a:endParaRPr>
-        </a:p>
-      </dsp:txBody>
-      <dsp:txXfrm rot="-5400000">
-        <a:off x="3566160" y="1910722"/>
-        <a:ext cx="6306545" cy="615466"/>
-      </dsp:txXfrm>
-    </dsp:sp>
-    <dsp:sp modelId="{1C763A21-352A-41D1-A2E2-E305DABA275D}">
-      <dsp:nvSpPr>
-        <dsp:cNvPr id="0" name=""/>
-        <dsp:cNvSpPr/>
-      </dsp:nvSpPr>
-      <dsp:spPr>
-        <a:xfrm>
-          <a:off x="0" y="1792170"/>
-          <a:ext cx="3566160" cy="852570"/>
-        </a:xfrm>
-        <a:prstGeom prst="roundRect">
-          <a:avLst/>
-        </a:prstGeom>
-        <a:solidFill>
-          <a:schemeClr val="accent1">
-            <a:hueOff val="0"/>
-            <a:satOff val="0"/>
-            <a:lumOff val="0"/>
-            <a:alphaOff val="0"/>
-          </a:schemeClr>
-        </a:solidFill>
-        <a:ln w="15875" cap="flat" cmpd="sng" algn="ctr">
-          <a:solidFill>
-            <a:schemeClr val="lt1">
-              <a:hueOff val="0"/>
-              <a:satOff val="0"/>
-              <a:lumOff val="0"/>
-              <a:alphaOff val="0"/>
-            </a:schemeClr>
-          </a:solidFill>
-          <a:prstDash val="solid"/>
-        </a:ln>
-        <a:effectLst/>
-      </dsp:spPr>
-      <dsp:style>
-        <a:lnRef idx="2">
-          <a:scrgbClr r="0" g="0" b="0"/>
-        </a:lnRef>
-        <a:fillRef idx="1">
-          <a:scrgbClr r="0" g="0" b="0"/>
-        </a:fillRef>
-        <a:effectRef idx="0">
-          <a:scrgbClr r="0" g="0" b="0"/>
-        </a:effectRef>
-        <a:fontRef idx="minor">
-          <a:schemeClr val="lt1"/>
-        </a:fontRef>
-      </dsp:style>
-      <dsp:txBody>
-        <a:bodyPr spcFirstLastPara="0" vert="horz" wrap="square" lIns="91440" tIns="45720" rIns="91440" bIns="45720" numCol="1" spcCol="1270" anchor="ctr" anchorCtr="0">
-          <a:noAutofit/>
-        </a:bodyPr>
-        <a:lstStyle/>
-        <a:p>
-          <a:pPr marL="0" lvl="0" indent="0" algn="ctr" defTabSz="1066800">
-            <a:lnSpc>
-              <a:spcPct val="90000"/>
-            </a:lnSpc>
-            <a:spcBef>
-              <a:spcPct val="0"/>
-            </a:spcBef>
-            <a:spcAft>
-              <a:spcPct val="35000"/>
-            </a:spcAft>
-            <a:buNone/>
-          </a:pPr>
-          <a:r>
-            <a:rPr lang="en-US" sz="2400" kern="1200" dirty="0" err="1">
-              <a:solidFill>
-                <a:schemeClr val="tx1"/>
-              </a:solidFill>
-              <a:latin typeface="Tahoma" panose="020B0604030504040204" pitchFamily="34" charset="0"/>
-              <a:ea typeface="Tahoma" panose="020B0604030504040204" pitchFamily="34" charset="0"/>
-              <a:cs typeface="Tahoma" panose="020B0604030504040204" pitchFamily="34" charset="0"/>
-            </a:rPr>
-            <a:t>Kaloyan</a:t>
-          </a:r>
-          <a:r>
-            <a:rPr lang="en-US" sz="2400" kern="1200" dirty="0">
-              <a:solidFill>
-                <a:schemeClr val="tx1"/>
-              </a:solidFill>
-              <a:latin typeface="Tahoma" panose="020B0604030504040204" pitchFamily="34" charset="0"/>
-              <a:ea typeface="Tahoma" panose="020B0604030504040204" pitchFamily="34" charset="0"/>
-              <a:cs typeface="Tahoma" panose="020B0604030504040204" pitchFamily="34" charset="0"/>
-            </a:rPr>
-            <a:t> </a:t>
-          </a:r>
-          <a:r>
-            <a:rPr lang="en-US" sz="2400" kern="1200" dirty="0" err="1">
-              <a:solidFill>
-                <a:schemeClr val="tx1"/>
-              </a:solidFill>
-              <a:latin typeface="Tahoma" panose="020B0604030504040204" pitchFamily="34" charset="0"/>
-              <a:ea typeface="Tahoma" panose="020B0604030504040204" pitchFamily="34" charset="0"/>
-              <a:cs typeface="Tahoma" panose="020B0604030504040204" pitchFamily="34" charset="0"/>
-            </a:rPr>
-            <a:t>Dimov</a:t>
-          </a:r>
-          <a:endParaRPr lang="en-US" sz="2400" kern="1200" dirty="0">
-            <a:solidFill>
-              <a:schemeClr val="tx1"/>
-            </a:solidFill>
-            <a:latin typeface="Tahoma" panose="020B0604030504040204" pitchFamily="34" charset="0"/>
-            <a:ea typeface="Tahoma" panose="020B0604030504040204" pitchFamily="34" charset="0"/>
-            <a:cs typeface="Tahoma" panose="020B0604030504040204" pitchFamily="34" charset="0"/>
-          </a:endParaRPr>
-        </a:p>
-      </dsp:txBody>
-      <dsp:txXfrm>
-        <a:off x="41619" y="1833789"/>
-        <a:ext cx="3482922" cy="769332"/>
-      </dsp:txXfrm>
-    </dsp:sp>
-    <dsp:sp modelId="{95E0557D-F0A1-4F38-8083-55DE7503164F}">
-      <dsp:nvSpPr>
-        <dsp:cNvPr id="0" name=""/>
-        <dsp:cNvSpPr/>
-      </dsp:nvSpPr>
-      <dsp:spPr>
-        <a:xfrm rot="5400000">
-          <a:off x="6395051" y="-65889"/>
-          <a:ext cx="682056" cy="6339840"/>
-        </a:xfrm>
-        <a:prstGeom prst="round2SameRect">
-          <a:avLst/>
-        </a:prstGeom>
-        <a:solidFill>
-          <a:schemeClr val="accent1">
-            <a:alpha val="90000"/>
-            <a:tint val="40000"/>
-            <a:hueOff val="0"/>
-            <a:satOff val="0"/>
-            <a:lumOff val="0"/>
-            <a:alphaOff val="0"/>
-          </a:schemeClr>
-        </a:solidFill>
-        <a:ln w="15875" cap="flat" cmpd="sng" algn="ctr">
-          <a:solidFill>
-            <a:schemeClr val="accent1">
-              <a:alpha val="90000"/>
-              <a:tint val="40000"/>
-              <a:hueOff val="0"/>
-              <a:satOff val="0"/>
-              <a:lumOff val="0"/>
-              <a:alphaOff val="0"/>
-            </a:schemeClr>
-          </a:solidFill>
-          <a:prstDash val="solid"/>
-        </a:ln>
-        <a:effectLst/>
-      </dsp:spPr>
-      <dsp:style>
-        <a:lnRef idx="2">
-          <a:scrgbClr r="0" g="0" b="0"/>
-        </a:lnRef>
-        <a:fillRef idx="1">
-          <a:scrgbClr r="0" g="0" b="0"/>
-        </a:fillRef>
-        <a:effectRef idx="0">
-          <a:scrgbClr r="0" g="0" b="0"/>
-        </a:effectRef>
-        <a:fontRef idx="minor"/>
-      </dsp:style>
-      <dsp:txBody>
-        <a:bodyPr spcFirstLastPara="0" vert="horz" wrap="square" lIns="247650" tIns="123825" rIns="247650" bIns="123825" numCol="1" spcCol="1270" anchor="ctr" anchorCtr="0">
-          <a:noAutofit/>
-        </a:bodyPr>
-        <a:lstStyle/>
-        <a:p>
-          <a:pPr marL="228600" lvl="1" indent="-228600" algn="l" defTabSz="1066800">
-            <a:lnSpc>
-              <a:spcPct val="90000"/>
-            </a:lnSpc>
-            <a:spcBef>
-              <a:spcPct val="0"/>
-            </a:spcBef>
-            <a:spcAft>
-              <a:spcPct val="15000"/>
-            </a:spcAft>
-            <a:buChar char="•"/>
-          </a:pPr>
-          <a:r>
-            <a:rPr lang="en-US" sz="2400" kern="1200" dirty="0">
-              <a:latin typeface="Tahoma" panose="020B0604030504040204" pitchFamily="34" charset="0"/>
-              <a:ea typeface="Tahoma" panose="020B0604030504040204" pitchFamily="34" charset="0"/>
-              <a:cs typeface="Tahoma" panose="020B0604030504040204" pitchFamily="34" charset="0"/>
-            </a:rPr>
-            <a:t>QA Engineer</a:t>
-          </a:r>
-        </a:p>
-      </dsp:txBody>
-      <dsp:txXfrm rot="-5400000">
-        <a:off x="3566160" y="2796297"/>
-        <a:ext cx="6306545" cy="615466"/>
-      </dsp:txXfrm>
-    </dsp:sp>
-    <dsp:sp modelId="{B9324B26-5FF5-4FF7-9073-66103CBE8481}">
-      <dsp:nvSpPr>
-        <dsp:cNvPr id="0" name=""/>
-        <dsp:cNvSpPr/>
-      </dsp:nvSpPr>
-      <dsp:spPr>
-        <a:xfrm>
-          <a:off x="0" y="2687369"/>
-          <a:ext cx="3566160" cy="852570"/>
-        </a:xfrm>
-        <a:prstGeom prst="roundRect">
-          <a:avLst/>
-        </a:prstGeom>
-        <a:solidFill>
-          <a:schemeClr val="accent1">
-            <a:hueOff val="0"/>
-            <a:satOff val="0"/>
-            <a:lumOff val="0"/>
-            <a:alphaOff val="0"/>
-          </a:schemeClr>
-        </a:solidFill>
-        <a:ln w="15875" cap="flat" cmpd="sng" algn="ctr">
-          <a:solidFill>
-            <a:schemeClr val="lt1">
-              <a:hueOff val="0"/>
-              <a:satOff val="0"/>
-              <a:lumOff val="0"/>
-              <a:alphaOff val="0"/>
-            </a:schemeClr>
-          </a:solidFill>
-          <a:prstDash val="solid"/>
-        </a:ln>
-        <a:effectLst/>
-      </dsp:spPr>
-      <dsp:style>
-        <a:lnRef idx="2">
-          <a:scrgbClr r="0" g="0" b="0"/>
-        </a:lnRef>
-        <a:fillRef idx="1">
-          <a:scrgbClr r="0" g="0" b="0"/>
-        </a:fillRef>
-        <a:effectRef idx="0">
-          <a:scrgbClr r="0" g="0" b="0"/>
-        </a:effectRef>
-        <a:fontRef idx="minor">
-          <a:schemeClr val="lt1"/>
-        </a:fontRef>
-      </dsp:style>
-      <dsp:txBody>
-        <a:bodyPr spcFirstLastPara="0" vert="horz" wrap="square" lIns="91440" tIns="45720" rIns="91440" bIns="45720" numCol="1" spcCol="1270" anchor="ctr" anchorCtr="0">
-          <a:noAutofit/>
-        </a:bodyPr>
-        <a:lstStyle/>
-        <a:p>
-          <a:pPr marL="0" lvl="0" indent="0" algn="ctr" defTabSz="1066800">
-            <a:lnSpc>
-              <a:spcPct val="90000"/>
-            </a:lnSpc>
-            <a:spcBef>
-              <a:spcPct val="0"/>
-            </a:spcBef>
-            <a:spcAft>
-              <a:spcPct val="35000"/>
-            </a:spcAft>
-            <a:buNone/>
-          </a:pPr>
-          <a:r>
-            <a:rPr lang="en-US" sz="2400" kern="1200" dirty="0">
-              <a:solidFill>
-                <a:schemeClr val="tx1"/>
-              </a:solidFill>
-              <a:latin typeface="Tahoma" panose="020B0604030504040204" pitchFamily="34" charset="0"/>
-              <a:ea typeface="Tahoma" panose="020B0604030504040204" pitchFamily="34" charset="0"/>
-              <a:cs typeface="Tahoma" panose="020B0604030504040204" pitchFamily="34" charset="0"/>
-            </a:rPr>
-            <a:t>Konstantin </a:t>
-          </a:r>
-          <a:r>
-            <a:rPr lang="en-US" sz="2400" kern="1200" dirty="0" err="1">
-              <a:solidFill>
-                <a:schemeClr val="tx1"/>
-              </a:solidFill>
-              <a:latin typeface="Tahoma" panose="020B0604030504040204" pitchFamily="34" charset="0"/>
-              <a:ea typeface="Tahoma" panose="020B0604030504040204" pitchFamily="34" charset="0"/>
-              <a:cs typeface="Tahoma" panose="020B0604030504040204" pitchFamily="34" charset="0"/>
-            </a:rPr>
-            <a:t>Dinev</a:t>
-          </a:r>
-          <a:endParaRPr lang="en-US" sz="2400" kern="1200" dirty="0">
-            <a:solidFill>
-              <a:schemeClr val="tx1"/>
-            </a:solidFill>
-            <a:latin typeface="Tahoma" panose="020B0604030504040204" pitchFamily="34" charset="0"/>
-            <a:ea typeface="Tahoma" panose="020B0604030504040204" pitchFamily="34" charset="0"/>
-            <a:cs typeface="Tahoma" panose="020B0604030504040204" pitchFamily="34" charset="0"/>
-          </a:endParaRPr>
-        </a:p>
-      </dsp:txBody>
-      <dsp:txXfrm>
-        <a:off x="41619" y="2728988"/>
-        <a:ext cx="3482922" cy="769332"/>
-      </dsp:txXfrm>
-    </dsp:sp>
-  </dsp:spTree>
-</dsp:drawing>
-</file>
-
-<file path=ppt/diagrams/layout1.xml><?xml version="1.0" encoding="utf-8"?>
-<dgm:layoutDef xmlns:dgm="http://schemas.openxmlformats.org/drawingml/2006/diagram" xmlns:a="http://schemas.openxmlformats.org/drawingml/2006/main" uniqueId="urn:microsoft.com/office/officeart/2005/8/layout/vList5">
-  <dgm:title val=""/>
-  <dgm:desc val=""/>
-  <dgm:catLst>
-    <dgm:cat type="list" pri="15000"/>
-    <dgm:cat type="convert" pri="2000"/>
-  </dgm:catLst>
-  <dgm:sampData>
-    <dgm:dataModel>
-      <dgm:ptLst>
-        <dgm:pt modelId="0" type="doc"/>
-        <dgm:pt modelId="1">
-          <dgm:prSet phldr="1"/>
-        </dgm:pt>
-        <dgm:pt modelId="11">
-          <dgm:prSet phldr="1"/>
-        </dgm:pt>
-        <dgm:pt modelId="12">
-          <dgm:prSet phldr="1"/>
-        </dgm:pt>
-        <dgm:pt modelId="2">
-          <dgm:prSet phldr="1"/>
-        </dgm:pt>
-        <dgm:pt modelId="21">
-          <dgm:prSet phldr="1"/>
-        </dgm:pt>
-        <dgm:pt modelId="22">
-          <dgm:prSet phldr="1"/>
-        </dgm:pt>
-        <dgm:pt modelId="3">
-          <dgm:prSet phldr="1"/>
-        </dgm:pt>
-        <dgm:pt modelId="31">
-          <dgm:prSet phldr="1"/>
-        </dgm:pt>
-        <dgm:pt modelId="32">
-          <dgm:prSet phldr="1"/>
-        </dgm:pt>
-      </dgm:ptLst>
-      <dgm:cxnLst>
-        <dgm:cxn modelId="4" srcId="0" destId="1" srcOrd="0" destOrd="0"/>
-        <dgm:cxn modelId="5" srcId="0" destId="2" srcOrd="1" destOrd="0"/>
-        <dgm:cxn modelId="6" srcId="0" destId="3" srcOrd="2" destOrd="0"/>
-        <dgm:cxn modelId="13" srcId="1" destId="11" srcOrd="0" destOrd="0"/>
-        <dgm:cxn modelId="14" srcId="1" destId="12" srcOrd="1" destOrd="0"/>
-        <dgm:cxn modelId="23" srcId="2" destId="21" srcOrd="0" destOrd="0"/>
-        <dgm:cxn modelId="24" srcId="2" destId="22" srcOrd="1" destOrd="0"/>
-        <dgm:cxn modelId="33" srcId="3" destId="31" srcOrd="0" destOrd="0"/>
-        <dgm:cxn modelId="34" srcId="3" destId="32" srcOrd="1" destOrd="0"/>
-      </dgm:cxnLst>
-      <dgm:bg/>
-      <dgm:whole/>
-    </dgm:dataModel>
-  </dgm:sampData>
-  <dgm:styleData>
-    <dgm:dataModel>
-      <dgm:ptLst>
-        <dgm:pt modelId="0" type="doc"/>
-        <dgm:pt modelId="1"/>
-        <dgm:pt modelId="11"/>
-        <dgm:pt modelId="2"/>
-        <dgm:pt modelId="21"/>
-      </dgm:ptLst>
-      <dgm:cxnLst>
-        <dgm:cxn modelId="4" srcId="0" destId="1" srcOrd="0" destOrd="0"/>
-        <dgm:cxn modelId="5" srcId="0" destId="2" srcOrd="1" destOrd="0"/>
-        <dgm:cxn modelId="13" srcId="1" destId="11" srcOrd="0" destOrd="0"/>
-        <dgm:cxn modelId="23" srcId="2" destId="21" srcOrd="0" destOrd="0"/>
-      </dgm:cxnLst>
-      <dgm:bg/>
-      <dgm:whole/>
-    </dgm:dataModel>
-  </dgm:styleData>
-  <dgm:clrData>
-    <dgm:dataModel>
-      <dgm:ptLst>
-        <dgm:pt modelId="0" type="doc"/>
-        <dgm:pt modelId="1"/>
-        <dgm:pt modelId="11"/>
-        <dgm:pt modelId="2"/>
-        <dgm:pt modelId="21"/>
-        <dgm:pt modelId="3"/>
-        <dgm:pt modelId="31"/>
-        <dgm:pt modelId="4"/>
-        <dgm:pt modelId="41"/>
-      </dgm:ptLst>
-      <dgm:cxnLst>
-        <dgm:cxn modelId="5" srcId="0" destId="1" srcOrd="0" destOrd="0"/>
-        <dgm:cxn modelId="6" srcId="0" destId="2" srcOrd="1" destOrd="0"/>
-        <dgm:cxn modelId="7" srcId="0" destId="3" srcOrd="2" destOrd="0"/>
-        <dgm:cxn modelId="8" srcId="0" destId="4" srcOrd="3" destOrd="0"/>
-        <dgm:cxn modelId="13" srcId="1" destId="11" srcOrd="0" destOrd="0"/>
-        <dgm:cxn modelId="23" srcId="2" destId="21" srcOrd="0" destOrd="0"/>
-        <dgm:cxn modelId="33" srcId="3" destId="31" srcOrd="0" destOrd="0"/>
-        <dgm:cxn modelId="43" srcId="4" destId="41" srcOrd="0" destOrd="0"/>
-      </dgm:cxnLst>
-      <dgm:bg/>
-      <dgm:whole/>
-    </dgm:dataModel>
-  </dgm:clrData>
-  <dgm:layoutNode name="Name0">
-    <dgm:varLst>
-      <dgm:dir/>
-      <dgm:animLvl val="lvl"/>
-      <dgm:resizeHandles val="exact"/>
-    </dgm:varLst>
-    <dgm:choose name="Name1">
-      <dgm:if name="Name2" func="var" arg="dir" op="equ" val="norm">
-        <dgm:alg type="lin">
-          <dgm:param type="linDir" val="fromT"/>
-          <dgm:param type="nodeHorzAlign" val="l"/>
-        </dgm:alg>
-      </dgm:if>
-      <dgm:else name="Name3">
-        <dgm:alg type="lin">
-          <dgm:param type="linDir" val="fromT"/>
-          <dgm:param type="nodeHorzAlign" val="r"/>
-        </dgm:alg>
-      </dgm:else>
-    </dgm:choose>
-    <dgm:shape xmlns:r="http://schemas.openxmlformats.org/officeDocument/2006/relationships" r:blip="">
-      <dgm:adjLst/>
-    </dgm:shape>
-    <dgm:presOf/>
-    <dgm:constrLst>
-      <dgm:constr type="h" for="ch" forName="linNode" refType="h"/>
-      <dgm:constr type="w" for="ch" forName="linNode" refType="w"/>
-      <dgm:constr type="h" for="ch" forName="sp" refType="h" fact="0.05"/>
-      <dgm:constr type="primFontSz" for="des" forName="parentText" op="equ" val="65"/>
-      <dgm:constr type="secFontSz" for="des" forName="descendantText" op="equ"/>
-    </dgm:constrLst>
-    <dgm:ruleLst/>
-    <dgm:forEach name="Name4" axis="ch" ptType="node">
-      <dgm:layoutNode name="linNode">
-        <dgm:choose name="Name5">
-          <dgm:if name="Name6" func="var" arg="dir" op="equ" val="norm">
-            <dgm:alg type="lin">
-              <dgm:param type="linDir" val="fromL"/>
-            </dgm:alg>
-          </dgm:if>
-          <dgm:else name="Name7">
-            <dgm:alg type="lin">
-              <dgm:param type="linDir" val="fromR"/>
-            </dgm:alg>
-          </dgm:else>
-        </dgm:choose>
-        <dgm:shape xmlns:r="http://schemas.openxmlformats.org/officeDocument/2006/relationships" r:blip="">
-          <dgm:adjLst/>
-        </dgm:shape>
-        <dgm:presOf/>
-        <dgm:constrLst>
-          <dgm:constr type="w" for="ch" forName="parentText" refType="w" fact="0.36"/>
-          <dgm:constr type="w" for="ch" forName="descendantText" refType="w" fact="0.64"/>
-          <dgm:constr type="h" for="ch" forName="parentText" refType="h"/>
-          <dgm:constr type="h" for="ch" forName="descendantText" refType="h" refFor="ch" refForName="parentText" fact="0.8"/>
-        </dgm:constrLst>
-        <dgm:ruleLst/>
-        <dgm:layoutNode name="parentText">
-          <dgm:varLst>
-            <dgm:chMax val="1"/>
-            <dgm:bulletEnabled val="1"/>
-          </dgm:varLst>
-          <dgm:alg type="tx"/>
-          <dgm:shape xmlns:r="http://schemas.openxmlformats.org/officeDocument/2006/relationships" type="roundRect" r:blip="" zOrderOff="3">
-            <dgm:adjLst/>
-          </dgm:shape>
-          <dgm:presOf axis="self" ptType="node"/>
-          <dgm:constrLst>
-            <dgm:constr type="tMarg" refType="primFontSz" fact="0.15"/>
-            <dgm:constr type="bMarg" refType="primFontSz" fact="0.15"/>
-            <dgm:constr type="lMarg" refType="primFontSz" fact="0.3"/>
-            <dgm:constr type="rMarg" refType="primFontSz" fact="0.3"/>
-          </dgm:constrLst>
-          <dgm:ruleLst>
-            <dgm:rule type="primFontSz" val="5" fact="NaN" max="NaN"/>
-          </dgm:ruleLst>
-        </dgm:layoutNode>
-        <dgm:choose name="Name8">
-          <dgm:if name="Name9" axis="ch" ptType="node" func="cnt" op="gte" val="1">
-            <dgm:layoutNode name="descendantText" styleLbl="alignAccFollowNode1">
-              <dgm:varLst>
-                <dgm:bulletEnabled val="1"/>
-              </dgm:varLst>
-              <dgm:alg type="tx">
-                <dgm:param type="stBulletLvl" val="1"/>
-                <dgm:param type="txAnchorVertCh" val="mid"/>
-              </dgm:alg>
-              <dgm:choose name="Name10">
-                <dgm:if name="Name11" func="var" arg="dir" op="equ" val="norm">
-                  <dgm:shape xmlns:r="http://schemas.openxmlformats.org/officeDocument/2006/relationships" rot="90" type="round2SameRect" r:blip="">
-                    <dgm:adjLst/>
-                  </dgm:shape>
-                </dgm:if>
-                <dgm:else name="Name12">
-                  <dgm:shape xmlns:r="http://schemas.openxmlformats.org/officeDocument/2006/relationships" rot="-90" type="round2SameRect" r:blip="">
-                    <dgm:adjLst/>
-                  </dgm:shape>
-                </dgm:else>
-              </dgm:choose>
-              <dgm:presOf axis="des" ptType="node"/>
-              <dgm:constrLst>
-                <dgm:constr type="secFontSz" val="65"/>
-                <dgm:constr type="primFontSz" refType="secFontSz"/>
-                <dgm:constr type="lMarg" refType="secFontSz" fact="0.3"/>
-                <dgm:constr type="rMarg" refType="secFontSz" fact="0.3"/>
-                <dgm:constr type="tMarg" refType="secFontSz" fact="0.15"/>
-                <dgm:constr type="bMarg" refType="secFontSz" fact="0.15"/>
-              </dgm:constrLst>
-              <dgm:ruleLst>
-                <dgm:rule type="secFontSz" val="5" fact="NaN" max="NaN"/>
-              </dgm:ruleLst>
-            </dgm:layoutNode>
-          </dgm:if>
-          <dgm:else name="Name13"/>
-        </dgm:choose>
-      </dgm:layoutNode>
-      <dgm:forEach name="Name14" axis="followSib" ptType="sibTrans" cnt="1">
-        <dgm:layoutNode name="sp">
-          <dgm:alg type="sp"/>
-          <dgm:shape xmlns:r="http://schemas.openxmlformats.org/officeDocument/2006/relationships" r:blip="">
-            <dgm:adjLst/>
-          </dgm:shape>
-          <dgm:presOf/>
-          <dgm:constrLst/>
-          <dgm:ruleLst/>
-        </dgm:layoutNode>
-      </dgm:forEach>
-    </dgm:forEach>
-  </dgm:layoutNode>
-</dgm:layoutDef>
-</file>
-
-<file path=ppt/diagrams/quickStyle1.xml><?xml version="1.0" encoding="utf-8"?>
-<dgm:styleDef xmlns:dgm="http://schemas.openxmlformats.org/drawingml/2006/diagram" xmlns:a="http://schemas.openxmlformats.org/drawingml/2006/main" uniqueId="urn:microsoft.com/office/officeart/2005/8/quickstyle/simple1">
-  <dgm:title val=""/>
-  <dgm:desc val=""/>
-  <dgm:catLst>
-    <dgm:cat type="simple" pri="10100"/>
-  </dgm:catLst>
-  <dgm:scene3d>
-    <a:camera prst="orthographicFront"/>
-    <a:lightRig rig="threePt" dir="t"/>
-  </dgm:scene3d>
-  <dgm:styleLbl name="node0">
-    <dgm:scene3d>
-      <a:camera prst="orthographicFront"/>
-      <a:lightRig rig="threePt" dir="t"/>
-    </dgm:scene3d>
-    <dgm:sp3d/>
-    <dgm:txPr/>
-    <dgm:style>
-      <a:lnRef idx="2">
-        <a:scrgbClr r="0" g="0" b="0"/>
-      </a:lnRef>
-      <a:fillRef idx="1">
-        <a:scrgbClr r="0" g="0" b="0"/>
-      </a:fillRef>
-      <a:effectRef idx="0">
-        <a:scrgbClr r="0" g="0" b="0"/>
-      </a:effectRef>
-      <a:fontRef idx="minor">
-        <a:schemeClr val="lt1"/>
-      </a:fontRef>
-    </dgm:style>
-  </dgm:styleLbl>
-  <dgm:styleLbl name="lnNode1">
-    <dgm:scene3d>
-      <a:camera prst="orthographicFront"/>
-      <a:lightRig rig="threePt" dir="t"/>
-    </dgm:scene3d>
-    <dgm:sp3d/>
-    <dgm:txPr/>
-    <dgm:style>
-      <a:lnRef idx="2">
-        <a:scrgbClr r="0" g="0" b="0"/>
-      </a:lnRef>
-      <a:fillRef idx="1">
-        <a:scrgbClr r="0" g="0" b="0"/>
-      </a:fillRef>
-      <a:effectRef idx="0">
-        <a:scrgbClr r="0" g="0" b="0"/>
-      </a:effectRef>
-      <a:fontRef idx="minor">
-        <a:schemeClr val="lt1"/>
-      </a:fontRef>
-    </dgm:style>
-  </dgm:styleLbl>
-  <dgm:styleLbl name="vennNode1">
-    <dgm:scene3d>
-      <a:camera prst="orthographicFront"/>
-      <a:lightRig rig="threePt" dir="t"/>
-    </dgm:scene3d>
-    <dgm:sp3d/>
-    <dgm:txPr/>
-    <dgm:style>
-      <a:lnRef idx="2">
-        <a:scrgbClr r="0" g="0" b="0"/>
-      </a:lnRef>
-      <a:fillRef idx="1">
-        <a:scrgbClr r="0" g="0" b="0"/>
-      </a:fillRef>
-      <a:effectRef idx="0">
-        <a:scrgbClr r="0" g="0" b="0"/>
-      </a:effectRef>
-      <a:fontRef idx="minor">
-        <a:schemeClr val="tx1"/>
-      </a:fontRef>
-    </dgm:style>
-  </dgm:styleLbl>
-  <dgm:styleLbl name="alignNode1">
-    <dgm:scene3d>
-      <a:camera prst="orthographicFront"/>
-      <a:lightRig rig="threePt" dir="t"/>
-    </dgm:scene3d>
-    <dgm:sp3d/>
-    <dgm:txPr/>
-    <dgm:style>
-      <a:lnRef idx="2">
-        <a:scrgbClr r="0" g="0" b="0"/>
-      </a:lnRef>
-      <a:fillRef idx="1">
-        <a:scrgbClr r="0" g="0" b="0"/>
-      </a:fillRef>
-      <a:effectRef idx="0">
-        <a:scrgbClr r="0" g="0" b="0"/>
-      </a:effectRef>
-      <a:fontRef idx="minor">
-        <a:schemeClr val="lt1"/>
-      </a:fontRef>
-    </dgm:style>
-  </dgm:styleLbl>
-  <dgm:styleLbl name="node1">
-    <dgm:scene3d>
-      <a:camera prst="orthographicFront"/>
-      <a:lightRig rig="threePt" dir="t"/>
-    </dgm:scene3d>
-    <dgm:sp3d/>
-    <dgm:txPr/>
-    <dgm:style>
-      <a:lnRef idx="2">
-        <a:scrgbClr r="0" g="0" b="0"/>
-      </a:lnRef>
-      <a:fillRef idx="1">
-        <a:scrgbClr r="0" g="0" b="0"/>
-      </a:fillRef>
-      <a:effectRef idx="0">
-        <a:scrgbClr r="0" g="0" b="0"/>
-      </a:effectRef>
-      <a:fontRef idx="minor">
-        <a:schemeClr val="lt1"/>
-      </a:fontRef>
-    </dgm:style>
-  </dgm:styleLbl>
-  <dgm:styleLbl name="node2">
-    <dgm:scene3d>
-      <a:camera prst="orthographicFront"/>
-      <a:lightRig rig="threePt" dir="t"/>
-    </dgm:scene3d>
-    <dgm:sp3d/>
-    <dgm:txPr/>
-    <dgm:style>
-      <a:lnRef idx="2">
-        <a:scrgbClr r="0" g="0" b="0"/>
-      </a:lnRef>
-      <a:fillRef idx="1">
-        <a:scrgbClr r="0" g="0" b="0"/>
-      </a:fillRef>
-      <a:effectRef idx="0">
-        <a:scrgbClr r="0" g="0" b="0"/>
-      </a:effectRef>
-      <a:fontRef idx="minor">
-        <a:schemeClr val="lt1"/>
-      </a:fontRef>
-    </dgm:style>
-  </dgm:styleLbl>
-  <dgm:styleLbl name="node3">
-    <dgm:scene3d>
-      <a:camera prst="orthographicFront"/>
-      <a:lightRig rig="threePt" dir="t"/>
-    </dgm:scene3d>
-    <dgm:sp3d/>
-    <dgm:txPr/>
-    <dgm:style>
-      <a:lnRef idx="2">
-        <a:scrgbClr r="0" g="0" b="0"/>
-      </a:lnRef>
-      <a:fillRef idx="1">
-        <a:scrgbClr r="0" g="0" b="0"/>
-      </a:fillRef>
-      <a:effectRef idx="0">
-        <a:scrgbClr r="0" g="0" b="0"/>
-      </a:effectRef>
-      <a:fontRef idx="minor">
-        <a:schemeClr val="lt1"/>
-      </a:fontRef>
-    </dgm:style>
-  </dgm:styleLbl>
-  <dgm:styleLbl name="node4">
-    <dgm:scene3d>
-      <a:camera prst="orthographicFront"/>
-      <a:lightRig rig="threePt" dir="t"/>
-    </dgm:scene3d>
-    <dgm:sp3d/>
-    <dgm:txPr/>
-    <dgm:style>
-      <a:lnRef idx="2">
-        <a:scrgbClr r="0" g="0" b="0"/>
-      </a:lnRef>
-      <a:fillRef idx="1">
-        <a:scrgbClr r="0" g="0" b="0"/>
-      </a:fillRef>
-      <a:effectRef idx="0">
-        <a:scrgbClr r="0" g="0" b="0"/>
-      </a:effectRef>
-      <a:fontRef idx="minor">
-        <a:schemeClr val="lt1"/>
-      </a:fontRef>
-    </dgm:style>
-  </dgm:styleLbl>
-  <dgm:styleLbl name="fgImgPlace1">
-    <dgm:scene3d>
-      <a:camera prst="orthographicFront"/>
-      <a:lightRig rig="threePt" dir="t"/>
-    </dgm:scene3d>
-    <dgm:sp3d/>
-    <dgm:txPr/>
-    <dgm:style>
-      <a:lnRef idx="2">
-        <a:scrgbClr r="0" g="0" b="0"/>
-      </a:lnRef>
-      <a:fillRef idx="1">
-        <a:scrgbClr r="0" g="0" b="0"/>
-      </a:fillRef>
-      <a:effectRef idx="0">
-        <a:scrgbClr r="0" g="0" b="0"/>
-      </a:effectRef>
-      <a:fontRef idx="minor"/>
-    </dgm:style>
-  </dgm:styleLbl>
-  <dgm:styleLbl name="alignImgPlace1">
-    <dgm:scene3d>
-      <a:camera prst="orthographicFront"/>
-      <a:lightRig rig="threePt" dir="t"/>
-    </dgm:scene3d>
-    <dgm:sp3d/>
-    <dgm:txPr/>
-    <dgm:style>
-      <a:lnRef idx="2">
-        <a:scrgbClr r="0" g="0" b="0"/>
-      </a:lnRef>
-      <a:fillRef idx="1">
-        <a:scrgbClr r="0" g="0" b="0"/>
-      </a:fillRef>
-      <a:effectRef idx="0">
-        <a:scrgbClr r="0" g="0" b="0"/>
-      </a:effectRef>
-      <a:fontRef idx="minor"/>
-    </dgm:style>
-  </dgm:styleLbl>
-  <dgm:styleLbl name="bgImgPlace1">
-    <dgm:scene3d>
-      <a:camera prst="orthographicFront"/>
-      <a:lightRig rig="threePt" dir="t"/>
-    </dgm:scene3d>
-    <dgm:sp3d/>
-    <dgm:txPr/>
-    <dgm:style>
-      <a:lnRef idx="2">
-        <a:scrgbClr r="0" g="0" b="0"/>
-      </a:lnRef>
-      <a:fillRef idx="1">
-        <a:scrgbClr r="0" g="0" b="0"/>
-      </a:fillRef>
-      <a:effectRef idx="0">
-        <a:scrgbClr r="0" g="0" b="0"/>
-      </a:effectRef>
-      <a:fontRef idx="minor"/>
-    </dgm:style>
-  </dgm:styleLbl>
-  <dgm:styleLbl name="sibTrans2D1">
-    <dgm:scene3d>
-      <a:camera prst="orthographicFront"/>
-      <a:lightRig rig="threePt" dir="t"/>
-    </dgm:scene3d>
-    <dgm:sp3d/>
-    <dgm:txPr/>
-    <dgm:style>
-      <a:lnRef idx="0">
-        <a:scrgbClr r="0" g="0" b="0"/>
-      </a:lnRef>
-      <a:fillRef idx="1">
-        <a:scrgbClr r="0" g="0" b="0"/>
-      </a:fillRef>
-      <a:effectRef idx="0">
-        <a:scrgbClr r="0" g="0" b="0"/>
-      </a:effectRef>
-      <a:fontRef idx="minor">
-        <a:schemeClr val="lt1"/>
-      </a:fontRef>
-    </dgm:style>
-  </dgm:styleLbl>
-  <dgm:styleLbl name="fgSibTrans2D1">
-    <dgm:scene3d>
-      <a:camera prst="orthographicFront"/>
-      <a:lightRig rig="threePt" dir="t"/>
-    </dgm:scene3d>
-    <dgm:sp3d/>
-    <dgm:txPr/>
-    <dgm:style>
-      <a:lnRef idx="0">
-        <a:scrgbClr r="0" g="0" b="0"/>
-      </a:lnRef>
-      <a:fillRef idx="1">
-        <a:scrgbClr r="0" g="0" b="0"/>
-      </a:fillRef>
-      <a:effectRef idx="0">
-        <a:scrgbClr r="0" g="0" b="0"/>
-      </a:effectRef>
-      <a:fontRef idx="minor">
-        <a:schemeClr val="lt1"/>
-      </a:fontRef>
-    </dgm:style>
-  </dgm:styleLbl>
-  <dgm:styleLbl name="bgSibTrans2D1">
-    <dgm:scene3d>
-      <a:camera prst="orthographicFront"/>
-      <a:lightRig rig="threePt" dir="t"/>
-    </dgm:scene3d>
-    <dgm:sp3d/>
-    <dgm:txPr/>
-    <dgm:style>
-      <a:lnRef idx="0">
-        <a:scrgbClr r="0" g="0" b="0"/>
-      </a:lnRef>
-      <a:fillRef idx="1">
-        <a:scrgbClr r="0" g="0" b="0"/>
-      </a:fillRef>
-      <a:effectRef idx="0">
-        <a:scrgbClr r="0" g="0" b="0"/>
-      </a:effectRef>
-      <a:fontRef idx="minor">
-        <a:schemeClr val="lt1"/>
-      </a:fontRef>
-    </dgm:style>
-  </dgm:styleLbl>
-  <dgm:styleLbl name="sibTrans1D1">
-    <dgm:scene3d>
-      <a:camera prst="orthographicFront"/>
-      <a:lightRig rig="threePt" dir="t"/>
-    </dgm:scene3d>
-    <dgm:sp3d/>
-    <dgm:txPr/>
-    <dgm:style>
-      <a:lnRef idx="1">
-        <a:scrgbClr r="0" g="0" b="0"/>
-      </a:lnRef>
-      <a:fillRef idx="0">
-        <a:scrgbClr r="0" g="0" b="0"/>
-      </a:fillRef>
-      <a:effectRef idx="0">
-        <a:scrgbClr r="0" g="0" b="0"/>
-      </a:effectRef>
-      <a:fontRef idx="minor"/>
-    </dgm:style>
-  </dgm:styleLbl>
-  <dgm:styleLbl name="callout">
-    <dgm:scene3d>
-      <a:camera prst="orthographicFront"/>
-      <a:lightRig rig="threePt" dir="t"/>
-    </dgm:scene3d>
-    <dgm:sp3d/>
-    <dgm:txPr/>
-    <dgm:style>
-      <a:lnRef idx="2">
-        <a:scrgbClr r="0" g="0" b="0"/>
-      </a:lnRef>
-      <a:fillRef idx="1">
-        <a:scrgbClr r="0" g="0" b="0"/>
-      </a:fillRef>
-      <a:effectRef idx="0">
-        <a:scrgbClr r="0" g="0" b="0"/>
-      </a:effectRef>
-      <a:fontRef idx="minor"/>
-    </dgm:style>
-  </dgm:styleLbl>
-  <dgm:styleLbl name="asst0">
-    <dgm:scene3d>
-      <a:camera prst="orthographicFront"/>
-      <a:lightRig rig="threePt" dir="t"/>
-    </dgm:scene3d>
-    <dgm:sp3d/>
-    <dgm:txPr/>
-    <dgm:style>
-      <a:lnRef idx="2">
-        <a:scrgbClr r="0" g="0" b="0"/>
-      </a:lnRef>
-      <a:fillRef idx="1">
-        <a:scrgbClr r="0" g="0" b="0"/>
-      </a:fillRef>
-      <a:effectRef idx="0">
-        <a:scrgbClr r="0" g="0" b="0"/>
-      </a:effectRef>
-      <a:fontRef idx="minor">
-        <a:schemeClr val="lt1"/>
-      </a:fontRef>
-    </dgm:style>
-  </dgm:styleLbl>
-  <dgm:styleLbl name="asst1">
-    <dgm:scene3d>
-      <a:camera prst="orthographicFront"/>
-      <a:lightRig rig="threePt" dir="t"/>
-    </dgm:scene3d>
-    <dgm:sp3d/>
-    <dgm:txPr/>
-    <dgm:style>
-      <a:lnRef idx="2">
-        <a:scrgbClr r="0" g="0" b="0"/>
-      </a:lnRef>
-      <a:fillRef idx="1">
-        <a:scrgbClr r="0" g="0" b="0"/>
-      </a:fillRef>
-      <a:effectRef idx="0">
-        <a:scrgbClr r="0" g="0" b="0"/>
-      </a:effectRef>
-      <a:fontRef idx="minor">
-        <a:schemeClr val="lt1"/>
-      </a:fontRef>
-    </dgm:style>
-  </dgm:styleLbl>
-  <dgm:styleLbl name="asst2">
-    <dgm:scene3d>
-      <a:camera prst="orthographicFront"/>
-      <a:lightRig rig="threePt" dir="t"/>
-    </dgm:scene3d>
-    <dgm:sp3d/>
-    <dgm:txPr/>
-    <dgm:style>
-      <a:lnRef idx="2">
-        <a:scrgbClr r="0" g="0" b="0"/>
-      </a:lnRef>
-      <a:fillRef idx="1">
-        <a:scrgbClr r="0" g="0" b="0"/>
-      </a:fillRef>
-      <a:effectRef idx="0">
-        <a:scrgbClr r="0" g="0" b="0"/>
-      </a:effectRef>
-      <a:fontRef idx="minor">
-        <a:schemeClr val="lt1"/>
-      </a:fontRef>
-    </dgm:style>
-  </dgm:styleLbl>
-  <dgm:styleLbl name="asst3">
-    <dgm:scene3d>
-      <a:camera prst="orthographicFront"/>
-      <a:lightRig rig="threePt" dir="t"/>
-    </dgm:scene3d>
-    <dgm:sp3d/>
-    <dgm:txPr/>
-    <dgm:style>
-      <a:lnRef idx="2">
-        <a:scrgbClr r="0" g="0" b="0"/>
-      </a:lnRef>
-      <a:fillRef idx="1">
-        <a:scrgbClr r="0" g="0" b="0"/>
-      </a:fillRef>
-      <a:effectRef idx="0">
-        <a:scrgbClr r="0" g="0" b="0"/>
-      </a:effectRef>
-      <a:fontRef idx="minor">
-        <a:schemeClr val="lt1"/>
-      </a:fontRef>
-    </dgm:style>
-  </dgm:styleLbl>
-  <dgm:styleLbl name="asst4">
-    <dgm:scene3d>
-      <a:camera prst="orthographicFront"/>
-      <a:lightRig rig="threePt" dir="t"/>
-    </dgm:scene3d>
-    <dgm:sp3d/>
-    <dgm:txPr/>
-    <dgm:style>
-      <a:lnRef idx="2">
-        <a:scrgbClr r="0" g="0" b="0"/>
-      </a:lnRef>
-      <a:fillRef idx="1">
-        <a:scrgbClr r="0" g="0" b="0"/>
-      </a:fillRef>
-      <a:effectRef idx="0">
-        <a:scrgbClr r="0" g="0" b="0"/>
-      </a:effectRef>
-      <a:fontRef idx="minor">
-        <a:schemeClr val="lt1"/>
-      </a:fontRef>
-    </dgm:style>
-  </dgm:styleLbl>
-  <dgm:styleLbl name="parChTrans2D1">
-    <dgm:scene3d>
-      <a:camera prst="orthographicFront"/>
-      <a:lightRig rig="threePt" dir="t"/>
-    </dgm:scene3d>
-    <dgm:sp3d/>
-    <dgm:txPr/>
-    <dgm:style>
-      <a:lnRef idx="2">
-        <a:scrgbClr r="0" g="0" b="0"/>
-      </a:lnRef>
-      <a:fillRef idx="1">
-        <a:scrgbClr r="0" g="0" b="0"/>
-      </a:fillRef>
-      <a:effectRef idx="0">
-        <a:scrgbClr r="0" g="0" b="0"/>
-      </a:effectRef>
-      <a:fontRef idx="minor">
-        <a:schemeClr val="lt1"/>
-      </a:fontRef>
-    </dgm:style>
-  </dgm:styleLbl>
-  <dgm:styleLbl name="parChTrans2D2">
-    <dgm:scene3d>
-      <a:camera prst="orthographicFront"/>
-      <a:lightRig rig="threePt" dir="t"/>
-    </dgm:scene3d>
-    <dgm:sp3d/>
-    <dgm:txPr/>
-    <dgm:style>
-      <a:lnRef idx="2">
-        <a:scrgbClr r="0" g="0" b="0"/>
-      </a:lnRef>
-      <a:fillRef idx="1">
-        <a:scrgbClr r="0" g="0" b="0"/>
-      </a:fillRef>
-      <a:effectRef idx="0">
-        <a:scrgbClr r="0" g="0" b="0"/>
-      </a:effectRef>
-      <a:fontRef idx="minor">
-        <a:schemeClr val="lt1"/>
-      </a:fontRef>
-    </dgm:style>
-  </dgm:styleLbl>
-  <dgm:styleLbl name="parChTrans2D3">
-    <dgm:scene3d>
-      <a:camera prst="orthographicFront"/>
-      <a:lightRig rig="threePt" dir="t"/>
-    </dgm:scene3d>
-    <dgm:sp3d/>
-    <dgm:txPr/>
-    <dgm:style>
-      <a:lnRef idx="2">
-        <a:scrgbClr r="0" g="0" b="0"/>
-      </a:lnRef>
-      <a:fillRef idx="1">
-        <a:scrgbClr r="0" g="0" b="0"/>
-      </a:fillRef>
-      <a:effectRef idx="0">
-        <a:scrgbClr r="0" g="0" b="0"/>
-      </a:effectRef>
-      <a:fontRef idx="minor">
-        <a:schemeClr val="lt1"/>
-      </a:fontRef>
-    </dgm:style>
-  </dgm:styleLbl>
-  <dgm:styleLbl name="parChTrans2D4">
-    <dgm:scene3d>
-      <a:camera prst="orthographicFront"/>
-      <a:lightRig rig="threePt" dir="t"/>
-    </dgm:scene3d>
-    <dgm:sp3d/>
-    <dgm:txPr/>
-    <dgm:style>
-      <a:lnRef idx="2">
-        <a:scrgbClr r="0" g="0" b="0"/>
-      </a:lnRef>
-      <a:fillRef idx="1">
-        <a:scrgbClr r="0" g="0" b="0"/>
-      </a:fillRef>
-      <a:effectRef idx="0">
-        <a:scrgbClr r="0" g="0" b="0"/>
-      </a:effectRef>
-      <a:fontRef idx="minor">
-        <a:schemeClr val="lt1"/>
-      </a:fontRef>
-    </dgm:style>
-  </dgm:styleLbl>
-  <dgm:styleLbl name="parChTrans1D1">
-    <dgm:scene3d>
-      <a:camera prst="orthographicFront"/>
-      <a:lightRig rig="threePt" dir="t"/>
-    </dgm:scene3d>
-    <dgm:sp3d/>
-    <dgm:txPr/>
-    <dgm:style>
-      <a:lnRef idx="2">
-        <a:scrgbClr r="0" g="0" b="0"/>
-      </a:lnRef>
-      <a:fillRef idx="0">
-        <a:scrgbClr r="0" g="0" b="0"/>
-      </a:fillRef>
-      <a:effectRef idx="0">
-        <a:scrgbClr r="0" g="0" b="0"/>
-      </a:effectRef>
-      <a:fontRef idx="minor"/>
-    </dgm:style>
-  </dgm:styleLbl>
-  <dgm:styleLbl name="parChTrans1D2">
-    <dgm:scene3d>
-      <a:camera prst="orthographicFront"/>
-      <a:lightRig rig="threePt" dir="t"/>
-    </dgm:scene3d>
-    <dgm:sp3d/>
-    <dgm:txPr/>
-    <dgm:style>
-      <a:lnRef idx="2">
-        <a:scrgbClr r="0" g="0" b="0"/>
-      </a:lnRef>
-      <a:fillRef idx="0">
-        <a:scrgbClr r="0" g="0" b="0"/>
-      </a:fillRef>
-      <a:effectRef idx="0">
-        <a:scrgbClr r="0" g="0" b="0"/>
-      </a:effectRef>
-      <a:fontRef idx="minor"/>
-    </dgm:style>
-  </dgm:styleLbl>
-  <dgm:styleLbl name="parChTrans1D3">
-    <dgm:scene3d>
-      <a:camera prst="orthographicFront"/>
-      <a:lightRig rig="threePt" dir="t"/>
-    </dgm:scene3d>
-    <dgm:sp3d/>
-    <dgm:txPr/>
-    <dgm:style>
-      <a:lnRef idx="2">
-        <a:scrgbClr r="0" g="0" b="0"/>
-      </a:lnRef>
-      <a:fillRef idx="0">
-        <a:scrgbClr r="0" g="0" b="0"/>
-      </a:fillRef>
-      <a:effectRef idx="0">
-        <a:scrgbClr r="0" g="0" b="0"/>
-      </a:effectRef>
-      <a:fontRef idx="minor"/>
-    </dgm:style>
-  </dgm:styleLbl>
-  <dgm:styleLbl name="parChTrans1D4">
-    <dgm:scene3d>
-      <a:camera prst="orthographicFront"/>
-      <a:lightRig rig="threePt" dir="t"/>
-    </dgm:scene3d>
-    <dgm:sp3d/>
-    <dgm:txPr/>
-    <dgm:style>
-      <a:lnRef idx="2">
-        <a:scrgbClr r="0" g="0" b="0"/>
-      </a:lnRef>
-      <a:fillRef idx="0">
-        <a:scrgbClr r="0" g="0" b="0"/>
-      </a:fillRef>
-      <a:effectRef idx="0">
-        <a:scrgbClr r="0" g="0" b="0"/>
-      </a:effectRef>
-      <a:fontRef idx="minor"/>
-    </dgm:style>
-  </dgm:styleLbl>
-  <dgm:styleLbl name="fgAcc1">
-    <dgm:scene3d>
-      <a:camera prst="orthographicFront"/>
-      <a:lightRig rig="threePt" dir="t"/>
-    </dgm:scene3d>
-    <dgm:sp3d/>
-    <dgm:txPr/>
-    <dgm:style>
-      <a:lnRef idx="2">
-        <a:scrgbClr r="0" g="0" b="0"/>
-      </a:lnRef>
-      <a:fillRef idx="1">
-        <a:scrgbClr r="0" g="0" b="0"/>
-      </a:fillRef>
-      <a:effectRef idx="0">
-        <a:scrgbClr r="0" g="0" b="0"/>
-      </a:effectRef>
-      <a:fontRef idx="minor"/>
-    </dgm:style>
-  </dgm:styleLbl>
-  <dgm:styleLbl name="conFgAcc1">
-    <dgm:scene3d>
-      <a:camera prst="orthographicFront"/>
-      <a:lightRig rig="threePt" dir="t"/>
-    </dgm:scene3d>
-    <dgm:sp3d/>
-    <dgm:txPr/>
-    <dgm:style>
-      <a:lnRef idx="2">
-        <a:scrgbClr r="0" g="0" b="0"/>
-      </a:lnRef>
-      <a:fillRef idx="1">
-        <a:scrgbClr r="0" g="0" b="0"/>
-      </a:fillRef>
-      <a:effectRef idx="0">
-        <a:scrgbClr r="0" g="0" b="0"/>
-      </a:effectRef>
-      <a:fontRef idx="minor"/>
-    </dgm:style>
-  </dgm:styleLbl>
-  <dgm:styleLbl name="alignAcc1">
-    <dgm:scene3d>
-      <a:camera prst="orthographicFront"/>
-      <a:lightRig rig="threePt" dir="t"/>
-    </dgm:scene3d>
-    <dgm:sp3d/>
-    <dgm:txPr/>
-    <dgm:style>
-      <a:lnRef idx="2">
-        <a:scrgbClr r="0" g="0" b="0"/>
-      </a:lnRef>
-      <a:fillRef idx="1">
-        <a:scrgbClr r="0" g="0" b="0"/>
-      </a:fillRef>
-      <a:effectRef idx="0">
-        <a:scrgbClr r="0" g="0" b="0"/>
-      </a:effectRef>
-      <a:fontRef idx="minor"/>
-    </dgm:style>
-  </dgm:styleLbl>
-  <dgm:styleLbl name="trAlignAcc1">
-    <dgm:scene3d>
-      <a:camera prst="orthographicFront"/>
-      <a:lightRig rig="threePt" dir="t"/>
-    </dgm:scene3d>
-    <dgm:sp3d/>
-    <dgm:txPr/>
-    <dgm:style>
-      <a:lnRef idx="1">
-        <a:scrgbClr r="0" g="0" b="0"/>
-      </a:lnRef>
-      <a:fillRef idx="1">
-        <a:scrgbClr r="0" g="0" b="0"/>
-      </a:fillRef>
-      <a:effectRef idx="0">
-        <a:scrgbClr r="0" g="0" b="0"/>
-      </a:effectRef>
-      <a:fontRef idx="minor"/>
-    </dgm:style>
-  </dgm:styleLbl>
-  <dgm:styleLbl name="bgAcc1">
-    <dgm:scene3d>
-      <a:camera prst="orthographicFront"/>
-      <a:lightRig rig="threePt" dir="t"/>
-    </dgm:scene3d>
-    <dgm:sp3d/>
-    <dgm:txPr/>
-    <dgm:style>
-      <a:lnRef idx="2">
-        <a:scrgbClr r="0" g="0" b="0"/>
-      </a:lnRef>
-      <a:fillRef idx="1">
-        <a:scrgbClr r="0" g="0" b="0"/>
-      </a:fillRef>
-      <a:effectRef idx="0">
-        <a:scrgbClr r="0" g="0" b="0"/>
-      </a:effectRef>
-      <a:fontRef idx="minor"/>
-    </dgm:style>
-  </dgm:styleLbl>
-  <dgm:styleLbl name="solidFgAcc1">
-    <dgm:scene3d>
-      <a:camera prst="orthographicFront"/>
-      <a:lightRig rig="threePt" dir="t"/>
-    </dgm:scene3d>
-    <dgm:sp3d/>
-    <dgm:txPr/>
-    <dgm:style>
-      <a:lnRef idx="2">
-        <a:scrgbClr r="0" g="0" b="0"/>
-      </a:lnRef>
-      <a:fillRef idx="1">
-        <a:scrgbClr r="0" g="0" b="0"/>
-      </a:fillRef>
-      <a:effectRef idx="0">
-        <a:scrgbClr r="0" g="0" b="0"/>
-      </a:effectRef>
-      <a:fontRef idx="minor"/>
-    </dgm:style>
-  </dgm:styleLbl>
-  <dgm:styleLbl name="solidAlignAcc1">
-    <dgm:scene3d>
-      <a:camera prst="orthographicFront"/>
-      <a:lightRig rig="threePt" dir="t"/>
-    </dgm:scene3d>
-    <dgm:sp3d/>
-    <dgm:txPr/>
-    <dgm:style>
-      <a:lnRef idx="2">
-        <a:scrgbClr r="0" g="0" b="0"/>
-      </a:lnRef>
-      <a:fillRef idx="1">
-        <a:scrgbClr r="0" g="0" b="0"/>
-      </a:fillRef>
-      <a:effectRef idx="0">
-        <a:scrgbClr r="0" g="0" b="0"/>
-      </a:effectRef>
-      <a:fontRef idx="minor"/>
-    </dgm:style>
-  </dgm:styleLbl>
-  <dgm:styleLbl name="solidBgAcc1">
-    <dgm:scene3d>
-      <a:camera prst="orthographicFront"/>
-      <a:lightRig rig="threePt" dir="t"/>
-    </dgm:scene3d>
-    <dgm:sp3d/>
-    <dgm:txPr/>
-    <dgm:style>
-      <a:lnRef idx="2">
-        <a:scrgbClr r="0" g="0" b="0"/>
-      </a:lnRef>
-      <a:fillRef idx="1">
-        <a:scrgbClr r="0" g="0" b="0"/>
-      </a:fillRef>
-      <a:effectRef idx="0">
-        <a:scrgbClr r="0" g="0" b="0"/>
-      </a:effectRef>
-      <a:fontRef idx="minor"/>
-    </dgm:style>
-  </dgm:styleLbl>
-  <dgm:styleLbl name="fgAccFollowNode1">
-    <dgm:scene3d>
-      <a:camera prst="orthographicFront"/>
-      <a:lightRig rig="threePt" dir="t"/>
-    </dgm:scene3d>
-    <dgm:sp3d/>
-    <dgm:txPr/>
-    <dgm:style>
-      <a:lnRef idx="2">
-        <a:scrgbClr r="0" g="0" b="0"/>
-      </a:lnRef>
-      <a:fillRef idx="1">
-        <a:scrgbClr r="0" g="0" b="0"/>
-      </a:fillRef>
-      <a:effectRef idx="0">
-        <a:scrgbClr r="0" g="0" b="0"/>
-      </a:effectRef>
-      <a:fontRef idx="minor"/>
-    </dgm:style>
-  </dgm:styleLbl>
-  <dgm:styleLbl name="alignAccFollowNode1">
-    <dgm:scene3d>
-      <a:camera prst="orthographicFront"/>
-      <a:lightRig rig="threePt" dir="t"/>
-    </dgm:scene3d>
-    <dgm:sp3d/>
-    <dgm:txPr/>
-    <dgm:style>
-      <a:lnRef idx="2">
-        <a:scrgbClr r="0" g="0" b="0"/>
-      </a:lnRef>
-      <a:fillRef idx="1">
-        <a:scrgbClr r="0" g="0" b="0"/>
-      </a:fillRef>
-      <a:effectRef idx="0">
-        <a:scrgbClr r="0" g="0" b="0"/>
-      </a:effectRef>
-      <a:fontRef idx="minor"/>
-    </dgm:style>
-  </dgm:styleLbl>
-  <dgm:styleLbl name="bgAccFollowNode1">
-    <dgm:scene3d>
-      <a:camera prst="orthographicFront"/>
-      <a:lightRig rig="threePt" dir="t"/>
-    </dgm:scene3d>
-    <dgm:sp3d/>
-    <dgm:txPr/>
-    <dgm:style>
-      <a:lnRef idx="2">
-        <a:scrgbClr r="0" g="0" b="0"/>
-      </a:lnRef>
-      <a:fillRef idx="1">
-        <a:scrgbClr r="0" g="0" b="0"/>
-      </a:fillRef>
-      <a:effectRef idx="0">
-        <a:scrgbClr r="0" g="0" b="0"/>
-      </a:effectRef>
-      <a:fontRef idx="minor"/>
-    </dgm:style>
-  </dgm:styleLbl>
-  <dgm:styleLbl name="fgAcc0">
-    <dgm:scene3d>
-      <a:camera prst="orthographicFront"/>
-      <a:lightRig rig="threePt" dir="t"/>
-    </dgm:scene3d>
-    <dgm:sp3d/>
-    <dgm:txPr/>
-    <dgm:style>
-      <a:lnRef idx="2">
-        <a:scrgbClr r="0" g="0" b="0"/>
-      </a:lnRef>
-      <a:fillRef idx="1">
-        <a:scrgbClr r="0" g="0" b="0"/>
-      </a:fillRef>
-      <a:effectRef idx="0">
-        <a:scrgbClr r="0" g="0" b="0"/>
-      </a:effectRef>
-      <a:fontRef idx="minor"/>
-    </dgm:style>
-  </dgm:styleLbl>
-  <dgm:styleLbl name="fgAcc2">
-    <dgm:scene3d>
-      <a:camera prst="orthographicFront"/>
-      <a:lightRig rig="threePt" dir="t"/>
-    </dgm:scene3d>
-    <dgm:sp3d/>
-    <dgm:txPr/>
-    <dgm:style>
-      <a:lnRef idx="2">
-        <a:scrgbClr r="0" g="0" b="0"/>
-      </a:lnRef>
-      <a:fillRef idx="1">
-        <a:scrgbClr r="0" g="0" b="0"/>
-      </a:fillRef>
-      <a:effectRef idx="0">
-        <a:scrgbClr r="0" g="0" b="0"/>
-      </a:effectRef>
-      <a:fontRef idx="minor"/>
-    </dgm:style>
-  </dgm:styleLbl>
-  <dgm:styleLbl name="fgAcc3">
-    <dgm:scene3d>
-      <a:camera prst="orthographicFront"/>
-      <a:lightRig rig="threePt" dir="t"/>
-    </dgm:scene3d>
-    <dgm:sp3d/>
-    <dgm:txPr/>
-    <dgm:style>
-      <a:lnRef idx="2">
-        <a:scrgbClr r="0" g="0" b="0"/>
-      </a:lnRef>
-      <a:fillRef idx="1">
-        <a:scrgbClr r="0" g="0" b="0"/>
-      </a:fillRef>
-      <a:effectRef idx="0">
-        <a:scrgbClr r="0" g="0" b="0"/>
-      </a:effectRef>
-      <a:fontRef idx="minor"/>
-    </dgm:style>
-  </dgm:styleLbl>
-  <dgm:styleLbl name="fgAcc4">
-    <dgm:scene3d>
-      <a:camera prst="orthographicFront"/>
-      <a:lightRig rig="threePt" dir="t"/>
-    </dgm:scene3d>
-    <dgm:sp3d/>
-    <dgm:txPr/>
-    <dgm:style>
-      <a:lnRef idx="2">
-        <a:scrgbClr r="0" g="0" b="0"/>
-      </a:lnRef>
-      <a:fillRef idx="1">
-        <a:scrgbClr r="0" g="0" b="0"/>
-      </a:fillRef>
-      <a:effectRef idx="0">
-        <a:scrgbClr r="0" g="0" b="0"/>
-      </a:effectRef>
-      <a:fontRef idx="minor"/>
-    </dgm:style>
-  </dgm:styleLbl>
-  <dgm:styleLbl name="bgShp">
-    <dgm:scene3d>
-      <a:camera prst="orthographicFront"/>
-      <a:lightRig rig="threePt" dir="t"/>
-    </dgm:scene3d>
-    <dgm:sp3d/>
-    <dgm:txPr/>
-    <dgm:style>
-      <a:lnRef idx="0">
-        <a:scrgbClr r="0" g="0" b="0"/>
-      </a:lnRef>
-      <a:fillRef idx="1">
-        <a:scrgbClr r="0" g="0" b="0"/>
-      </a:fillRef>
-      <a:effectRef idx="0">
-        <a:scrgbClr r="0" g="0" b="0"/>
-      </a:effectRef>
-      <a:fontRef idx="minor"/>
-    </dgm:style>
-  </dgm:styleLbl>
-  <dgm:styleLbl name="dkBgShp">
-    <dgm:scene3d>
-      <a:camera prst="orthographicFront"/>
-      <a:lightRig rig="threePt" dir="t"/>
-    </dgm:scene3d>
-    <dgm:sp3d/>
-    <dgm:txPr/>
-    <dgm:style>
-      <a:lnRef idx="0">
-        <a:scrgbClr r="0" g="0" b="0"/>
-      </a:lnRef>
-      <a:fillRef idx="1">
-        <a:scrgbClr r="0" g="0" b="0"/>
-      </a:fillRef>
-      <a:effectRef idx="0">
-        <a:scrgbClr r="0" g="0" b="0"/>
-      </a:effectRef>
-      <a:fontRef idx="minor"/>
-    </dgm:style>
-  </dgm:styleLbl>
-  <dgm:styleLbl name="trBgShp">
-    <dgm:scene3d>
-      <a:camera prst="orthographicFront"/>
-      <a:lightRig rig="threePt" dir="t"/>
-    </dgm:scene3d>
-    <dgm:sp3d/>
-    <dgm:txPr/>
-    <dgm:style>
-      <a:lnRef idx="0">
-        <a:scrgbClr r="0" g="0" b="0"/>
-      </a:lnRef>
-      <a:fillRef idx="1">
-        <a:scrgbClr r="0" g="0" b="0"/>
-      </a:fillRef>
-      <a:effectRef idx="0">
-        <a:scrgbClr r="0" g="0" b="0"/>
-      </a:effectRef>
-      <a:fontRef idx="minor"/>
-    </dgm:style>
-  </dgm:styleLbl>
-  <dgm:styleLbl name="fgShp">
-    <dgm:scene3d>
-      <a:camera prst="orthographicFront"/>
-      <a:lightRig rig="threePt" dir="t"/>
-    </dgm:scene3d>
-    <dgm:sp3d/>
-    <dgm:txPr/>
-    <dgm:style>
-      <a:lnRef idx="2">
-        <a:scrgbClr r="0" g="0" b="0"/>
-      </a:lnRef>
-      <a:fillRef idx="1">
-        <a:scrgbClr r="0" g="0" b="0"/>
-      </a:fillRef>
-      <a:effectRef idx="0">
-        <a:scrgbClr r="0" g="0" b="0"/>
-      </a:effectRef>
-      <a:fontRef idx="minor"/>
-    </dgm:style>
-  </dgm:styleLbl>
-  <dgm:styleLbl name="revTx">
-    <dgm:scene3d>
-      <a:camera prst="orthographicFront"/>
-      <a:lightRig rig="threePt" dir="t"/>
-    </dgm:scene3d>
-    <dgm:sp3d/>
-    <dgm:txPr/>
-    <dgm:style>
-      <a:lnRef idx="0">
-        <a:scrgbClr r="0" g="0" b="0"/>
-      </a:lnRef>
-      <a:fillRef idx="0">
-        <a:scrgbClr r="0" g="0" b="0"/>
-      </a:fillRef>
-      <a:effectRef idx="0">
-        <a:scrgbClr r="0" g="0" b="0"/>
-      </a:effectRef>
-      <a:fontRef idx="minor"/>
-    </dgm:style>
-  </dgm:styleLbl>
-</dgm:styleDef>
-</file>
-
 <file path=ppt/handoutMasters/handoutMaster1.xml><?xml version="1.0" encoding="utf-8"?>
 <p:handoutMaster xmlns:a="http://schemas.openxmlformats.org/drawingml/2006/main" xmlns:r="http://schemas.openxmlformats.org/officeDocument/2006/relationships" xmlns:p="http://schemas.openxmlformats.org/presentationml/2006/main">
   <p:cSld>
@@ -3737,7 +304,7 @@
           <a:p>
             <a:fld id="{2B85766F-5EC0-4797-B4D1-777FCB005B11}" type="datetimeFigureOut">
               <a:rPr lang="en-US" smtClean="0"/>
-              <a:t>5/13/2022</a:t>
+              <a:t>5/15/2022</a:t>
             </a:fld>
             <a:endParaRPr lang="en-US" dirty="0"/>
           </a:p>
@@ -3914,7 +481,7 @@
           <a:p>
             <a:fld id="{B2B4B5EC-152C-4627-80C0-63B10D5574EF}" type="datetimeFigureOut">
               <a:rPr lang="en-US" smtClean="0"/>
-              <a:t>5/13/2022</a:t>
+              <a:t>5/15/2022</a:t>
             </a:fld>
             <a:endParaRPr lang="en-US" dirty="0"/>
           </a:p>
@@ -4238,7 +805,7 @@
           <a:noFill/>
           <a:extLst>
             <a:ext uri="{909E8E84-426E-40dd-AFC4-6F175D3DCCD1}">
-              <a14:hiddenFill xmlns="" xmlns:a14="http://schemas.microsoft.com/office/drawing/2010/main">
+              <a14:hiddenFill xmlns:a14="http://schemas.microsoft.com/office/drawing/2010/main" xmlns="">
                 <a:solidFill>
                   <a:srgbClr val="FFFFFF"/>
                 </a:solidFill>
@@ -4297,7 +864,7 @@
             </a:ln>
             <a:extLst>
               <a:ext uri="{91240B29-F687-4f45-9708-019B960494DF}">
-                <a14:hiddenLine xmlns="" xmlns:a14="http://schemas.microsoft.com/office/drawing/2010/main" w="9525">
+                <a14:hiddenLine xmlns:a14="http://schemas.microsoft.com/office/drawing/2010/main" xmlns="" w="9525">
                   <a:solidFill>
                     <a:srgbClr val="000000"/>
                   </a:solidFill>
@@ -4387,7 +954,7 @@
             </a:ln>
             <a:extLst>
               <a:ext uri="{91240B29-F687-4f45-9708-019B960494DF}">
-                <a14:hiddenLine xmlns="" xmlns:a14="http://schemas.microsoft.com/office/drawing/2010/main" w="9525">
+                <a14:hiddenLine xmlns:a14="http://schemas.microsoft.com/office/drawing/2010/main" xmlns="" w="9525">
                   <a:solidFill>
                     <a:srgbClr val="000000"/>
                   </a:solidFill>
@@ -4477,7 +1044,7 @@
             </a:ln>
             <a:extLst>
               <a:ext uri="{91240B29-F687-4f45-9708-019B960494DF}">
-                <a14:hiddenLine xmlns="" xmlns:a14="http://schemas.microsoft.com/office/drawing/2010/main" w="9525">
+                <a14:hiddenLine xmlns:a14="http://schemas.microsoft.com/office/drawing/2010/main" xmlns="" w="9525">
                   <a:solidFill>
                     <a:srgbClr val="000000"/>
                   </a:solidFill>
@@ -4511,7 +1078,7 @@
             </a:ln>
             <a:extLst>
               <a:ext uri="{91240B29-F687-4f45-9708-019B960494DF}">
-                <a14:hiddenLine xmlns="" xmlns:a14="http://schemas.microsoft.com/office/drawing/2010/main" w="9525">
+                <a14:hiddenLine xmlns:a14="http://schemas.microsoft.com/office/drawing/2010/main" xmlns="" w="9525">
                   <a:solidFill>
                     <a:srgbClr val="000000"/>
                   </a:solidFill>
@@ -4601,7 +1168,7 @@
             </a:ln>
             <a:extLst>
               <a:ext uri="{91240B29-F687-4f45-9708-019B960494DF}">
-                <a14:hiddenLine xmlns="" xmlns:a14="http://schemas.microsoft.com/office/drawing/2010/main" w="9525">
+                <a14:hiddenLine xmlns:a14="http://schemas.microsoft.com/office/drawing/2010/main" xmlns="" w="9525">
                   <a:solidFill>
                     <a:srgbClr val="000000"/>
                   </a:solidFill>
@@ -4663,7 +1230,7 @@
             </a:ln>
             <a:extLst>
               <a:ext uri="{91240B29-F687-4f45-9708-019B960494DF}">
-                <a14:hiddenLine xmlns="" xmlns:a14="http://schemas.microsoft.com/office/drawing/2010/main" w="9525">
+                <a14:hiddenLine xmlns:a14="http://schemas.microsoft.com/office/drawing/2010/main" xmlns="" w="9525">
                   <a:solidFill>
                     <a:srgbClr val="000000"/>
                   </a:solidFill>
@@ -4725,7 +1292,7 @@
             </a:ln>
             <a:extLst>
               <a:ext uri="{91240B29-F687-4f45-9708-019B960494DF}">
-                <a14:hiddenLine xmlns="" xmlns:a14="http://schemas.microsoft.com/office/drawing/2010/main" w="9525">
+                <a14:hiddenLine xmlns:a14="http://schemas.microsoft.com/office/drawing/2010/main" xmlns="" w="9525">
                   <a:solidFill>
                     <a:srgbClr val="000000"/>
                   </a:solidFill>
@@ -4815,7 +1382,7 @@
             </a:ln>
             <a:extLst>
               <a:ext uri="{91240B29-F687-4f45-9708-019B960494DF}">
-                <a14:hiddenLine xmlns="" xmlns:a14="http://schemas.microsoft.com/office/drawing/2010/main" w="9525">
+                <a14:hiddenLine xmlns:a14="http://schemas.microsoft.com/office/drawing/2010/main" xmlns="" w="9525">
                   <a:solidFill>
                     <a:srgbClr val="000000"/>
                   </a:solidFill>
@@ -4877,7 +1444,7 @@
             </a:ln>
             <a:extLst>
               <a:ext uri="{91240B29-F687-4f45-9708-019B960494DF}">
-                <a14:hiddenLine xmlns="" xmlns:a14="http://schemas.microsoft.com/office/drawing/2010/main" w="9525">
+                <a14:hiddenLine xmlns:a14="http://schemas.microsoft.com/office/drawing/2010/main" xmlns="" w="9525">
                   <a:solidFill>
                     <a:srgbClr val="000000"/>
                   </a:solidFill>
@@ -4939,7 +1506,7 @@
             </a:ln>
             <a:extLst>
               <a:ext uri="{91240B29-F687-4f45-9708-019B960494DF}">
-                <a14:hiddenLine xmlns="" xmlns:a14="http://schemas.microsoft.com/office/drawing/2010/main" w="9525">
+                <a14:hiddenLine xmlns:a14="http://schemas.microsoft.com/office/drawing/2010/main" xmlns="" w="9525">
                   <a:solidFill>
                     <a:srgbClr val="000000"/>
                   </a:solidFill>
@@ -5029,7 +1596,7 @@
             </a:ln>
             <a:extLst>
               <a:ext uri="{91240B29-F687-4f45-9708-019B960494DF}">
-                <a14:hiddenLine xmlns="" xmlns:a14="http://schemas.microsoft.com/office/drawing/2010/main" w="9525">
+                <a14:hiddenLine xmlns:a14="http://schemas.microsoft.com/office/drawing/2010/main" xmlns="" w="9525">
                   <a:solidFill>
                     <a:srgbClr val="000000"/>
                   </a:solidFill>
@@ -5119,7 +1686,7 @@
             </a:ln>
             <a:extLst>
               <a:ext uri="{91240B29-F687-4f45-9708-019B960494DF}">
-                <a14:hiddenLine xmlns="" xmlns:a14="http://schemas.microsoft.com/office/drawing/2010/main" w="9525">
+                <a14:hiddenLine xmlns:a14="http://schemas.microsoft.com/office/drawing/2010/main" xmlns="" w="9525">
                   <a:solidFill>
                     <a:srgbClr val="000000"/>
                   </a:solidFill>
@@ -5181,7 +1748,7 @@
             </a:ln>
             <a:extLst>
               <a:ext uri="{91240B29-F687-4f45-9708-019B960494DF}">
-                <a14:hiddenLine xmlns="" xmlns:a14="http://schemas.microsoft.com/office/drawing/2010/main" w="9525">
+                <a14:hiddenLine xmlns:a14="http://schemas.microsoft.com/office/drawing/2010/main" xmlns="" w="9525">
                   <a:solidFill>
                     <a:srgbClr val="000000"/>
                   </a:solidFill>
@@ -5291,7 +1858,7 @@
             </a:ln>
             <a:extLst>
               <a:ext uri="{91240B29-F687-4f45-9708-019B960494DF}">
-                <a14:hiddenLine xmlns="" xmlns:a14="http://schemas.microsoft.com/office/drawing/2010/main" w="9525">
+                <a14:hiddenLine xmlns:a14="http://schemas.microsoft.com/office/drawing/2010/main" xmlns="" w="9525">
                   <a:solidFill>
                     <a:srgbClr val="000000"/>
                   </a:solidFill>
@@ -5353,7 +1920,7 @@
             </a:ln>
             <a:extLst>
               <a:ext uri="{91240B29-F687-4f45-9708-019B960494DF}">
-                <a14:hiddenLine xmlns="" xmlns:a14="http://schemas.microsoft.com/office/drawing/2010/main" w="9525">
+                <a14:hiddenLine xmlns:a14="http://schemas.microsoft.com/office/drawing/2010/main" xmlns="" w="9525">
                   <a:solidFill>
                     <a:srgbClr val="000000"/>
                   </a:solidFill>
@@ -5443,7 +2010,7 @@
             </a:ln>
             <a:extLst>
               <a:ext uri="{91240B29-F687-4f45-9708-019B960494DF}">
-                <a14:hiddenLine xmlns="" xmlns:a14="http://schemas.microsoft.com/office/drawing/2010/main" w="9525">
+                <a14:hiddenLine xmlns:a14="http://schemas.microsoft.com/office/drawing/2010/main" xmlns="" w="9525">
                   <a:solidFill>
                     <a:srgbClr val="000000"/>
                   </a:solidFill>
@@ -5533,7 +2100,7 @@
             </a:ln>
             <a:extLst>
               <a:ext uri="{91240B29-F687-4f45-9708-019B960494DF}">
-                <a14:hiddenLine xmlns="" xmlns:a14="http://schemas.microsoft.com/office/drawing/2010/main" w="9525">
+                <a14:hiddenLine xmlns:a14="http://schemas.microsoft.com/office/drawing/2010/main" xmlns="" w="9525">
                   <a:solidFill>
                     <a:srgbClr val="000000"/>
                   </a:solidFill>
@@ -5595,7 +2162,7 @@
             </a:ln>
             <a:extLst>
               <a:ext uri="{91240B29-F687-4f45-9708-019B960494DF}">
-                <a14:hiddenLine xmlns="" xmlns:a14="http://schemas.microsoft.com/office/drawing/2010/main" w="9525">
+                <a14:hiddenLine xmlns:a14="http://schemas.microsoft.com/office/drawing/2010/main" xmlns="" w="9525">
                   <a:solidFill>
                     <a:srgbClr val="000000"/>
                   </a:solidFill>
@@ -5685,7 +2252,7 @@
             </a:ln>
             <a:extLst>
               <a:ext uri="{91240B29-F687-4f45-9708-019B960494DF}">
-                <a14:hiddenLine xmlns="" xmlns:a14="http://schemas.microsoft.com/office/drawing/2010/main" w="9525">
+                <a14:hiddenLine xmlns:a14="http://schemas.microsoft.com/office/drawing/2010/main" xmlns="" w="9525">
                   <a:solidFill>
                     <a:srgbClr val="000000"/>
                   </a:solidFill>
@@ -5775,7 +2342,7 @@
             </a:ln>
             <a:extLst>
               <a:ext uri="{91240B29-F687-4f45-9708-019B960494DF}">
-                <a14:hiddenLine xmlns="" xmlns:a14="http://schemas.microsoft.com/office/drawing/2010/main" w="9525">
+                <a14:hiddenLine xmlns:a14="http://schemas.microsoft.com/office/drawing/2010/main" xmlns="" w="9525">
                   <a:solidFill>
                     <a:srgbClr val="000000"/>
                   </a:solidFill>
@@ -5831,7 +2398,7 @@
             </a:ln>
             <a:extLst>
               <a:ext uri="{91240B29-F687-4f45-9708-019B960494DF}">
-                <a14:hiddenLine xmlns="" xmlns:a14="http://schemas.microsoft.com/office/drawing/2010/main" w="9525">
+                <a14:hiddenLine xmlns:a14="http://schemas.microsoft.com/office/drawing/2010/main" xmlns="" w="9525">
                   <a:solidFill>
                     <a:srgbClr val="000000"/>
                   </a:solidFill>
@@ -5921,7 +2488,7 @@
             </a:ln>
             <a:extLst>
               <a:ext uri="{91240B29-F687-4f45-9708-019B960494DF}">
-                <a14:hiddenLine xmlns="" xmlns:a14="http://schemas.microsoft.com/office/drawing/2010/main" w="9525">
+                <a14:hiddenLine xmlns:a14="http://schemas.microsoft.com/office/drawing/2010/main" xmlns="" w="9525">
                   <a:solidFill>
                     <a:srgbClr val="000000"/>
                   </a:solidFill>
@@ -5977,7 +2544,7 @@
             </a:ln>
             <a:extLst>
               <a:ext uri="{91240B29-F687-4f45-9708-019B960494DF}">
-                <a14:hiddenLine xmlns="" xmlns:a14="http://schemas.microsoft.com/office/drawing/2010/main" w="9525">
+                <a14:hiddenLine xmlns:a14="http://schemas.microsoft.com/office/drawing/2010/main" xmlns="" w="9525">
                   <a:solidFill>
                     <a:srgbClr val="000000"/>
                   </a:solidFill>
@@ -6067,7 +2634,7 @@
             </a:ln>
             <a:extLst>
               <a:ext uri="{91240B29-F687-4f45-9708-019B960494DF}">
-                <a14:hiddenLine xmlns="" xmlns:a14="http://schemas.microsoft.com/office/drawing/2010/main" w="9525">
+                <a14:hiddenLine xmlns:a14="http://schemas.microsoft.com/office/drawing/2010/main" xmlns="" w="9525">
                   <a:solidFill>
                     <a:srgbClr val="000000"/>
                   </a:solidFill>
@@ -6135,7 +2702,7 @@
             </a:ln>
             <a:extLst>
               <a:ext uri="{91240B29-F687-4f45-9708-019B960494DF}">
-                <a14:hiddenLine xmlns="" xmlns:a14="http://schemas.microsoft.com/office/drawing/2010/main" w="9525">
+                <a14:hiddenLine xmlns:a14="http://schemas.microsoft.com/office/drawing/2010/main" xmlns="" w="9525">
                   <a:solidFill>
                     <a:srgbClr val="000000"/>
                   </a:solidFill>
@@ -6225,7 +2792,7 @@
             </a:ln>
             <a:extLst>
               <a:ext uri="{91240B29-F687-4f45-9708-019B960494DF}">
-                <a14:hiddenLine xmlns="" xmlns:a14="http://schemas.microsoft.com/office/drawing/2010/main" w="9525">
+                <a14:hiddenLine xmlns:a14="http://schemas.microsoft.com/office/drawing/2010/main" xmlns="" w="9525">
                   <a:solidFill>
                     <a:srgbClr val="000000"/>
                   </a:solidFill>
@@ -6293,7 +2860,7 @@
             </a:ln>
             <a:extLst>
               <a:ext uri="{91240B29-F687-4f45-9708-019B960494DF}">
-                <a14:hiddenLine xmlns="" xmlns:a14="http://schemas.microsoft.com/office/drawing/2010/main" w="9525">
+                <a14:hiddenLine xmlns:a14="http://schemas.microsoft.com/office/drawing/2010/main" xmlns="" w="9525">
                   <a:solidFill>
                     <a:srgbClr val="000000"/>
                   </a:solidFill>
@@ -6383,7 +2950,7 @@
             </a:ln>
             <a:extLst>
               <a:ext uri="{91240B29-F687-4f45-9708-019B960494DF}">
-                <a14:hiddenLine xmlns="" xmlns:a14="http://schemas.microsoft.com/office/drawing/2010/main" w="9525">
+                <a14:hiddenLine xmlns:a14="http://schemas.microsoft.com/office/drawing/2010/main" xmlns="" w="9525">
                   <a:solidFill>
                     <a:srgbClr val="000000"/>
                   </a:solidFill>
@@ -6417,7 +2984,7 @@
             </a:ln>
             <a:extLst>
               <a:ext uri="{91240B29-F687-4f45-9708-019B960494DF}">
-                <a14:hiddenLine xmlns="" xmlns:a14="http://schemas.microsoft.com/office/drawing/2010/main" w="9525">
+                <a14:hiddenLine xmlns:a14="http://schemas.microsoft.com/office/drawing/2010/main" xmlns="" w="9525">
                   <a:solidFill>
                     <a:srgbClr val="000000"/>
                   </a:solidFill>
@@ -6507,7 +3074,7 @@
             </a:ln>
             <a:extLst>
               <a:ext uri="{91240B29-F687-4f45-9708-019B960494DF}">
-                <a14:hiddenLine xmlns="" xmlns:a14="http://schemas.microsoft.com/office/drawing/2010/main" w="9525">
+                <a14:hiddenLine xmlns:a14="http://schemas.microsoft.com/office/drawing/2010/main" xmlns="" w="9525">
                   <a:solidFill>
                     <a:srgbClr val="000000"/>
                   </a:solidFill>
@@ -6569,7 +3136,7 @@
             </a:ln>
             <a:extLst>
               <a:ext uri="{91240B29-F687-4f45-9708-019B960494DF}">
-                <a14:hiddenLine xmlns="" xmlns:a14="http://schemas.microsoft.com/office/drawing/2010/main" w="9525">
+                <a14:hiddenLine xmlns:a14="http://schemas.microsoft.com/office/drawing/2010/main" xmlns="" w="9525">
                   <a:solidFill>
                     <a:srgbClr val="000000"/>
                   </a:solidFill>
@@ -6631,7 +3198,7 @@
             </a:ln>
             <a:extLst>
               <a:ext uri="{91240B29-F687-4f45-9708-019B960494DF}">
-                <a14:hiddenLine xmlns="" xmlns:a14="http://schemas.microsoft.com/office/drawing/2010/main" w="9525">
+                <a14:hiddenLine xmlns:a14="http://schemas.microsoft.com/office/drawing/2010/main" xmlns="" w="9525">
                   <a:solidFill>
                     <a:srgbClr val="000000"/>
                   </a:solidFill>
@@ -6721,7 +3288,7 @@
             </a:ln>
             <a:extLst>
               <a:ext uri="{91240B29-F687-4f45-9708-019B960494DF}">
-                <a14:hiddenLine xmlns="" xmlns:a14="http://schemas.microsoft.com/office/drawing/2010/main" w="9525">
+                <a14:hiddenLine xmlns:a14="http://schemas.microsoft.com/office/drawing/2010/main" xmlns="" w="9525">
                   <a:solidFill>
                     <a:srgbClr val="000000"/>
                   </a:solidFill>
@@ -6789,7 +3356,7 @@
             </a:ln>
             <a:extLst>
               <a:ext uri="{91240B29-F687-4f45-9708-019B960494DF}">
-                <a14:hiddenLine xmlns="" xmlns:a14="http://schemas.microsoft.com/office/drawing/2010/main" w="9525">
+                <a14:hiddenLine xmlns:a14="http://schemas.microsoft.com/office/drawing/2010/main" xmlns="" w="9525">
                   <a:solidFill>
                     <a:srgbClr val="000000"/>
                   </a:solidFill>
@@ -6851,7 +3418,7 @@
             </a:ln>
             <a:extLst>
               <a:ext uri="{91240B29-F687-4f45-9708-019B960494DF}">
-                <a14:hiddenLine xmlns="" xmlns:a14="http://schemas.microsoft.com/office/drawing/2010/main" w="9525">
+                <a14:hiddenLine xmlns:a14="http://schemas.microsoft.com/office/drawing/2010/main" xmlns="" w="9525">
                   <a:solidFill>
                     <a:srgbClr val="000000"/>
                   </a:solidFill>
@@ -6941,7 +3508,7 @@
             </a:ln>
             <a:extLst>
               <a:ext uri="{91240B29-F687-4f45-9708-019B960494DF}">
-                <a14:hiddenLine xmlns="" xmlns:a14="http://schemas.microsoft.com/office/drawing/2010/main" w="9525">
+                <a14:hiddenLine xmlns:a14="http://schemas.microsoft.com/office/drawing/2010/main" xmlns="" w="9525">
                   <a:solidFill>
                     <a:srgbClr val="000000"/>
                   </a:solidFill>
@@ -7003,7 +3570,7 @@
             </a:ln>
             <a:extLst>
               <a:ext uri="{91240B29-F687-4f45-9708-019B960494DF}">
-                <a14:hiddenLine xmlns="" xmlns:a14="http://schemas.microsoft.com/office/drawing/2010/main" w="9525">
+                <a14:hiddenLine xmlns:a14="http://schemas.microsoft.com/office/drawing/2010/main" xmlns="" w="9525">
                   <a:solidFill>
                     <a:srgbClr val="000000"/>
                   </a:solidFill>
@@ -7093,7 +3660,7 @@
             </a:ln>
             <a:extLst>
               <a:ext uri="{91240B29-F687-4f45-9708-019B960494DF}">
-                <a14:hiddenLine xmlns="" xmlns:a14="http://schemas.microsoft.com/office/drawing/2010/main" w="9525">
+                <a14:hiddenLine xmlns:a14="http://schemas.microsoft.com/office/drawing/2010/main" xmlns="" w="9525">
                   <a:solidFill>
                     <a:srgbClr val="000000"/>
                   </a:solidFill>
@@ -7155,7 +3722,7 @@
             </a:ln>
             <a:extLst>
               <a:ext uri="{91240B29-F687-4f45-9708-019B960494DF}">
-                <a14:hiddenLine xmlns="" xmlns:a14="http://schemas.microsoft.com/office/drawing/2010/main" w="9525">
+                <a14:hiddenLine xmlns:a14="http://schemas.microsoft.com/office/drawing/2010/main" xmlns="" w="9525">
                   <a:solidFill>
                     <a:srgbClr val="000000"/>
                   </a:solidFill>
@@ -7245,7 +3812,7 @@
             </a:ln>
             <a:extLst>
               <a:ext uri="{91240B29-F687-4f45-9708-019B960494DF}">
-                <a14:hiddenLine xmlns="" xmlns:a14="http://schemas.microsoft.com/office/drawing/2010/main" w="9525">
+                <a14:hiddenLine xmlns:a14="http://schemas.microsoft.com/office/drawing/2010/main" xmlns="" w="9525">
                   <a:solidFill>
                     <a:srgbClr val="000000"/>
                   </a:solidFill>
@@ -7279,7 +3846,7 @@
             </a:ln>
             <a:extLst>
               <a:ext uri="{91240B29-F687-4f45-9708-019B960494DF}">
-                <a14:hiddenLine xmlns="" xmlns:a14="http://schemas.microsoft.com/office/drawing/2010/main" w="9525">
+                <a14:hiddenLine xmlns:a14="http://schemas.microsoft.com/office/drawing/2010/main" xmlns="" w="9525">
                   <a:solidFill>
                     <a:srgbClr val="000000"/>
                   </a:solidFill>
@@ -7344,7 +3911,7 @@
             </a:ln>
             <a:extLst>
               <a:ext uri="{91240B29-F687-4f45-9708-019B960494DF}">
-                <a14:hiddenLine xmlns="" xmlns:a14="http://schemas.microsoft.com/office/drawing/2010/main" w="9525">
+                <a14:hiddenLine xmlns:a14="http://schemas.microsoft.com/office/drawing/2010/main" xmlns="" w="9525">
                   <a:solidFill>
                     <a:srgbClr val="000000"/>
                   </a:solidFill>
@@ -7434,7 +4001,7 @@
             </a:ln>
             <a:extLst>
               <a:ext uri="{91240B29-F687-4f45-9708-019B960494DF}">
-                <a14:hiddenLine xmlns="" xmlns:a14="http://schemas.microsoft.com/office/drawing/2010/main" w="9525">
+                <a14:hiddenLine xmlns:a14="http://schemas.microsoft.com/office/drawing/2010/main" xmlns="" w="9525">
                   <a:solidFill>
                     <a:srgbClr val="000000"/>
                   </a:solidFill>
@@ -7496,7 +4063,7 @@
             </a:ln>
             <a:extLst>
               <a:ext uri="{91240B29-F687-4f45-9708-019B960494DF}">
-                <a14:hiddenLine xmlns="" xmlns:a14="http://schemas.microsoft.com/office/drawing/2010/main" w="9525">
+                <a14:hiddenLine xmlns:a14="http://schemas.microsoft.com/office/drawing/2010/main" xmlns="" w="9525">
                   <a:solidFill>
                     <a:srgbClr val="000000"/>
                   </a:solidFill>
@@ -7586,7 +4153,7 @@
             </a:ln>
             <a:extLst>
               <a:ext uri="{91240B29-F687-4f45-9708-019B960494DF}">
-                <a14:hiddenLine xmlns="" xmlns:a14="http://schemas.microsoft.com/office/drawing/2010/main" w="9525">
+                <a14:hiddenLine xmlns:a14="http://schemas.microsoft.com/office/drawing/2010/main" xmlns="" w="9525">
                   <a:solidFill>
                     <a:srgbClr val="000000"/>
                   </a:solidFill>
@@ -7676,7 +4243,7 @@
             </a:ln>
             <a:extLst>
               <a:ext uri="{91240B29-F687-4f45-9708-019B960494DF}">
-                <a14:hiddenLine xmlns="" xmlns:a14="http://schemas.microsoft.com/office/drawing/2010/main" w="9525">
+                <a14:hiddenLine xmlns:a14="http://schemas.microsoft.com/office/drawing/2010/main" xmlns="" w="9525">
                   <a:solidFill>
                     <a:srgbClr val="000000"/>
                   </a:solidFill>
@@ -7741,7 +4308,7 @@
             </a:ln>
             <a:extLst>
               <a:ext uri="{91240B29-F687-4f45-9708-019B960494DF}">
-                <a14:hiddenLine xmlns="" xmlns:a14="http://schemas.microsoft.com/office/drawing/2010/main" w="9525">
+                <a14:hiddenLine xmlns:a14="http://schemas.microsoft.com/office/drawing/2010/main" xmlns="" w="9525">
                   <a:solidFill>
                     <a:srgbClr val="000000"/>
                   </a:solidFill>
@@ -7803,7 +4370,7 @@
             </a:ln>
             <a:extLst>
               <a:ext uri="{91240B29-F687-4f45-9708-019B960494DF}">
-                <a14:hiddenLine xmlns="" xmlns:a14="http://schemas.microsoft.com/office/drawing/2010/main" w="9525">
+                <a14:hiddenLine xmlns:a14="http://schemas.microsoft.com/office/drawing/2010/main" xmlns="" w="9525">
                   <a:solidFill>
                     <a:srgbClr val="000000"/>
                   </a:solidFill>
@@ -7893,7 +4460,7 @@
             </a:ln>
             <a:extLst>
               <a:ext uri="{91240B29-F687-4f45-9708-019B960494DF}">
-                <a14:hiddenLine xmlns="" xmlns:a14="http://schemas.microsoft.com/office/drawing/2010/main" w="9525">
+                <a14:hiddenLine xmlns:a14="http://schemas.microsoft.com/office/drawing/2010/main" xmlns="" w="9525">
                   <a:solidFill>
                     <a:srgbClr val="000000"/>
                   </a:solidFill>
@@ -7983,7 +4550,7 @@
             </a:ln>
             <a:extLst>
               <a:ext uri="{91240B29-F687-4f45-9708-019B960494DF}">
-                <a14:hiddenLine xmlns="" xmlns:a14="http://schemas.microsoft.com/office/drawing/2010/main" w="9525">
+                <a14:hiddenLine xmlns:a14="http://schemas.microsoft.com/office/drawing/2010/main" xmlns="" w="9525">
                   <a:solidFill>
                     <a:srgbClr val="000000"/>
                   </a:solidFill>
@@ -8045,7 +4612,7 @@
             </a:ln>
             <a:extLst>
               <a:ext uri="{91240B29-F687-4f45-9708-019B960494DF}">
-                <a14:hiddenLine xmlns="" xmlns:a14="http://schemas.microsoft.com/office/drawing/2010/main" w="9525">
+                <a14:hiddenLine xmlns:a14="http://schemas.microsoft.com/office/drawing/2010/main" xmlns="" w="9525">
                   <a:solidFill>
                     <a:srgbClr val="000000"/>
                   </a:solidFill>
@@ -8165,7 +4732,7 @@
             </a:ln>
             <a:extLst>
               <a:ext uri="{91240B29-F687-4f45-9708-019B960494DF}">
-                <a14:hiddenLine xmlns="" xmlns:a14="http://schemas.microsoft.com/office/drawing/2010/main" w="9525">
+                <a14:hiddenLine xmlns:a14="http://schemas.microsoft.com/office/drawing/2010/main" xmlns="" w="9525">
                   <a:solidFill>
                     <a:srgbClr val="000000"/>
                   </a:solidFill>
@@ -8233,7 +4800,7 @@
             </a:ln>
             <a:extLst>
               <a:ext uri="{91240B29-F687-4f45-9708-019B960494DF}">
-                <a14:hiddenLine xmlns="" xmlns:a14="http://schemas.microsoft.com/office/drawing/2010/main" w="9525">
+                <a14:hiddenLine xmlns:a14="http://schemas.microsoft.com/office/drawing/2010/main" xmlns="" w="9525">
                   <a:solidFill>
                     <a:srgbClr val="000000"/>
                   </a:solidFill>
@@ -8323,7 +4890,7 @@
             </a:ln>
             <a:extLst>
               <a:ext uri="{91240B29-F687-4f45-9708-019B960494DF}">
-                <a14:hiddenLine xmlns="" xmlns:a14="http://schemas.microsoft.com/office/drawing/2010/main" w="9525">
+                <a14:hiddenLine xmlns:a14="http://schemas.microsoft.com/office/drawing/2010/main" xmlns="" w="9525">
                   <a:solidFill>
                     <a:srgbClr val="000000"/>
                   </a:solidFill>
@@ -8463,7 +5030,7 @@
           <a:p>
             <a:fld id="{48A87A34-81AB-432B-8DAE-1953F412C126}" type="datetimeFigureOut">
               <a:rPr lang="en-US" smtClean="0"/>
-              <a:t>5/13/2022</a:t>
+              <a:t>5/15/2022</a:t>
             </a:fld>
             <a:endParaRPr lang="en-US" dirty="0"/>
           </a:p>
@@ -8730,7 +5297,7 @@
           <a:p>
             <a:fld id="{48A87A34-81AB-432B-8DAE-1953F412C126}" type="datetimeFigureOut">
               <a:rPr lang="en-US" smtClean="0"/>
-              <a:t>5/13/2022</a:t>
+              <a:t>5/15/2022</a:t>
             </a:fld>
             <a:endParaRPr lang="en-US" dirty="0"/>
           </a:p>
@@ -8926,7 +5493,7 @@
           <a:p>
             <a:fld id="{48A87A34-81AB-432B-8DAE-1953F412C126}" type="datetimeFigureOut">
               <a:rPr lang="en-US" smtClean="0"/>
-              <a:t>5/13/2022</a:t>
+              <a:t>5/15/2022</a:t>
             </a:fld>
             <a:endParaRPr lang="en-US" dirty="0"/>
           </a:p>
@@ -9189,7 +5756,7 @@
           <a:p>
             <a:fld id="{48A87A34-81AB-432B-8DAE-1953F412C126}" type="datetimeFigureOut">
               <a:rPr lang="en-US" smtClean="0"/>
-              <a:t>5/13/2022</a:t>
+              <a:t>5/15/2022</a:t>
             </a:fld>
             <a:endParaRPr lang="en-US" dirty="0"/>
           </a:p>
@@ -9623,7 +6190,7 @@
           <a:p>
             <a:fld id="{48A87A34-81AB-432B-8DAE-1953F412C126}" type="datetimeFigureOut">
               <a:rPr lang="en-US" smtClean="0"/>
-              <a:t>5/13/2022</a:t>
+              <a:t>5/15/2022</a:t>
             </a:fld>
             <a:endParaRPr lang="en-US" dirty="0"/>
           </a:p>
@@ -10169,7 +6736,7 @@
           <a:p>
             <a:fld id="{48A87A34-81AB-432B-8DAE-1953F412C126}" type="datetimeFigureOut">
               <a:rPr lang="en-US" smtClean="0"/>
-              <a:t>5/13/2022</a:t>
+              <a:t>5/15/2022</a:t>
             </a:fld>
             <a:endParaRPr lang="en-US" dirty="0"/>
           </a:p>
@@ -10889,7 +7456,7 @@
           <a:p>
             <a:fld id="{48A87A34-81AB-432B-8DAE-1953F412C126}" type="datetimeFigureOut">
               <a:rPr lang="en-US" smtClean="0"/>
-              <a:t>5/13/2022</a:t>
+              <a:t>5/15/2022</a:t>
             </a:fld>
             <a:endParaRPr lang="en-US" dirty="0"/>
           </a:p>
@@ -11059,7 +7626,7 @@
           <a:p>
             <a:fld id="{48A87A34-81AB-432B-8DAE-1953F412C126}" type="datetimeFigureOut">
               <a:rPr lang="en-US" smtClean="0"/>
-              <a:t>5/13/2022</a:t>
+              <a:t>5/15/2022</a:t>
             </a:fld>
             <a:endParaRPr lang="en-US" dirty="0"/>
           </a:p>
@@ -11239,7 +7806,7 @@
           <a:p>
             <a:fld id="{48A87A34-81AB-432B-8DAE-1953F412C126}" type="datetimeFigureOut">
               <a:rPr lang="en-US" smtClean="0"/>
-              <a:t>5/13/2022</a:t>
+              <a:t>5/15/2022</a:t>
             </a:fld>
             <a:endParaRPr lang="en-US" dirty="0"/>
           </a:p>
@@ -11409,7 +7976,7 @@
           <a:p>
             <a:fld id="{48A87A34-81AB-432B-8DAE-1953F412C126}" type="datetimeFigureOut">
               <a:rPr lang="en-US" smtClean="0"/>
-              <a:t>5/13/2022</a:t>
+              <a:t>5/15/2022</a:t>
             </a:fld>
             <a:endParaRPr lang="en-US" dirty="0"/>
           </a:p>
@@ -11659,7 +8226,7 @@
           <a:p>
             <a:fld id="{48A87A34-81AB-432B-8DAE-1953F412C126}" type="datetimeFigureOut">
               <a:rPr lang="en-US" smtClean="0"/>
-              <a:t>5/13/2022</a:t>
+              <a:t>5/15/2022</a:t>
             </a:fld>
             <a:endParaRPr lang="en-US" dirty="0"/>
           </a:p>
@@ -11891,7 +8458,7 @@
           <a:p>
             <a:fld id="{48A87A34-81AB-432B-8DAE-1953F412C126}" type="datetimeFigureOut">
               <a:rPr lang="en-US" smtClean="0"/>
-              <a:t>5/13/2022</a:t>
+              <a:t>5/15/2022</a:t>
             </a:fld>
             <a:endParaRPr lang="en-US" dirty="0"/>
           </a:p>
@@ -12272,7 +8839,7 @@
           <a:p>
             <a:fld id="{48A87A34-81AB-432B-8DAE-1953F412C126}" type="datetimeFigureOut">
               <a:rPr lang="en-US" smtClean="0"/>
-              <a:t>5/13/2022</a:t>
+              <a:t>5/15/2022</a:t>
             </a:fld>
             <a:endParaRPr lang="en-US" dirty="0"/>
           </a:p>
@@ -12390,7 +8957,7 @@
           <a:p>
             <a:fld id="{48A87A34-81AB-432B-8DAE-1953F412C126}" type="datetimeFigureOut">
               <a:rPr lang="en-US" smtClean="0"/>
-              <a:t>5/13/2022</a:t>
+              <a:t>5/15/2022</a:t>
             </a:fld>
             <a:endParaRPr lang="en-US" dirty="0"/>
           </a:p>
@@ -12485,7 +9052,7 @@
           <a:p>
             <a:fld id="{48A87A34-81AB-432B-8DAE-1953F412C126}" type="datetimeFigureOut">
               <a:rPr lang="en-US" smtClean="0"/>
-              <a:t>5/13/2022</a:t>
+              <a:t>5/15/2022</a:t>
             </a:fld>
             <a:endParaRPr lang="en-US" dirty="0"/>
           </a:p>
@@ -12734,7 +9301,7 @@
           <a:p>
             <a:fld id="{48A87A34-81AB-432B-8DAE-1953F412C126}" type="datetimeFigureOut">
               <a:rPr lang="en-US" smtClean="0"/>
-              <a:t>5/13/2022</a:t>
+              <a:t>5/15/2022</a:t>
             </a:fld>
             <a:endParaRPr lang="en-US" dirty="0"/>
           </a:p>
@@ -13014,7 +9581,7 @@
           <a:p>
             <a:fld id="{48A87A34-81AB-432B-8DAE-1953F412C126}" type="datetimeFigureOut">
               <a:rPr lang="en-US" smtClean="0"/>
-              <a:t>5/13/2022</a:t>
+              <a:t>5/15/2022</a:t>
             </a:fld>
             <a:endParaRPr lang="en-US" dirty="0"/>
           </a:p>
@@ -13137,7 +9704,7 @@
           <a:noFill/>
           <a:extLst>
             <a:ext uri="{909E8E84-426E-40dd-AFC4-6F175D3DCCD1}">
-              <a14:hiddenFill xmlns="" xmlns:a14="http://schemas.microsoft.com/office/drawing/2010/main">
+              <a14:hiddenFill xmlns:a14="http://schemas.microsoft.com/office/drawing/2010/main" xmlns="">
                 <a:solidFill>
                   <a:srgbClr val="FFFFFF"/>
                 </a:solidFill>
@@ -13211,7 +9778,7 @@
               </a:ln>
               <a:extLst>
                 <a:ext uri="{91240B29-F687-4f45-9708-019B960494DF}">
-                  <a14:hiddenLine xmlns="" xmlns:a14="http://schemas.microsoft.com/office/drawing/2010/main" w="9525">
+                  <a14:hiddenLine xmlns:a14="http://schemas.microsoft.com/office/drawing/2010/main" xmlns="" w="9525">
                     <a:solidFill>
                       <a:srgbClr val="000000"/>
                     </a:solidFill>
@@ -13301,7 +9868,7 @@
               </a:ln>
               <a:extLst>
                 <a:ext uri="{91240B29-F687-4f45-9708-019B960494DF}">
-                  <a14:hiddenLine xmlns="" xmlns:a14="http://schemas.microsoft.com/office/drawing/2010/main" w="9525">
+                  <a14:hiddenLine xmlns:a14="http://schemas.microsoft.com/office/drawing/2010/main" xmlns="" w="9525">
                     <a:solidFill>
                       <a:srgbClr val="000000"/>
                     </a:solidFill>
@@ -13391,7 +9958,7 @@
               </a:ln>
               <a:extLst>
                 <a:ext uri="{91240B29-F687-4f45-9708-019B960494DF}">
-                  <a14:hiddenLine xmlns="" xmlns:a14="http://schemas.microsoft.com/office/drawing/2010/main" w="9525">
+                  <a14:hiddenLine xmlns:a14="http://schemas.microsoft.com/office/drawing/2010/main" xmlns="" w="9525">
                     <a:solidFill>
                       <a:srgbClr val="000000"/>
                     </a:solidFill>
@@ -13453,7 +10020,7 @@
               </a:ln>
               <a:extLst>
                 <a:ext uri="{91240B29-F687-4f45-9708-019B960494DF}">
-                  <a14:hiddenLine xmlns="" xmlns:a14="http://schemas.microsoft.com/office/drawing/2010/main" w="9525">
+                  <a14:hiddenLine xmlns:a14="http://schemas.microsoft.com/office/drawing/2010/main" xmlns="" w="9525">
                     <a:solidFill>
                       <a:srgbClr val="000000"/>
                     </a:solidFill>
@@ -13543,7 +10110,7 @@
               </a:ln>
               <a:extLst>
                 <a:ext uri="{91240B29-F687-4f45-9708-019B960494DF}">
-                  <a14:hiddenLine xmlns="" xmlns:a14="http://schemas.microsoft.com/office/drawing/2010/main" w="9525">
+                  <a14:hiddenLine xmlns:a14="http://schemas.microsoft.com/office/drawing/2010/main" xmlns="" w="9525">
                     <a:solidFill>
                       <a:srgbClr val="000000"/>
                     </a:solidFill>
@@ -13605,7 +10172,7 @@
               </a:ln>
               <a:extLst>
                 <a:ext uri="{91240B29-F687-4f45-9708-019B960494DF}">
-                  <a14:hiddenLine xmlns="" xmlns:a14="http://schemas.microsoft.com/office/drawing/2010/main" w="9525">
+                  <a14:hiddenLine xmlns:a14="http://schemas.microsoft.com/office/drawing/2010/main" xmlns="" w="9525">
                     <a:solidFill>
                       <a:srgbClr val="000000"/>
                     </a:solidFill>
@@ -13667,7 +10234,7 @@
               </a:ln>
               <a:extLst>
                 <a:ext uri="{91240B29-F687-4f45-9708-019B960494DF}">
-                  <a14:hiddenLine xmlns="" xmlns:a14="http://schemas.microsoft.com/office/drawing/2010/main" w="9525">
+                  <a14:hiddenLine xmlns:a14="http://schemas.microsoft.com/office/drawing/2010/main" xmlns="" w="9525">
                     <a:solidFill>
                       <a:srgbClr val="000000"/>
                     </a:solidFill>
@@ -13757,7 +10324,7 @@
               </a:ln>
               <a:extLst>
                 <a:ext uri="{91240B29-F687-4f45-9708-019B960494DF}">
-                  <a14:hiddenLine xmlns="" xmlns:a14="http://schemas.microsoft.com/office/drawing/2010/main" w="9525">
+                  <a14:hiddenLine xmlns:a14="http://schemas.microsoft.com/office/drawing/2010/main" xmlns="" w="9525">
                     <a:solidFill>
                       <a:srgbClr val="000000"/>
                     </a:solidFill>
@@ -13847,7 +10414,7 @@
               </a:ln>
               <a:extLst>
                 <a:ext uri="{91240B29-F687-4f45-9708-019B960494DF}">
-                  <a14:hiddenLine xmlns="" xmlns:a14="http://schemas.microsoft.com/office/drawing/2010/main" w="9525">
+                  <a14:hiddenLine xmlns:a14="http://schemas.microsoft.com/office/drawing/2010/main" xmlns="" w="9525">
                     <a:solidFill>
                       <a:srgbClr val="000000"/>
                     </a:solidFill>
@@ -13909,7 +10476,7 @@
               </a:ln>
               <a:extLst>
                 <a:ext uri="{91240B29-F687-4f45-9708-019B960494DF}">
-                  <a14:hiddenLine xmlns="" xmlns:a14="http://schemas.microsoft.com/office/drawing/2010/main" w="9525">
+                  <a14:hiddenLine xmlns:a14="http://schemas.microsoft.com/office/drawing/2010/main" xmlns="" w="9525">
                     <a:solidFill>
                       <a:srgbClr val="000000"/>
                     </a:solidFill>
@@ -14019,7 +10586,7 @@
               </a:ln>
               <a:extLst>
                 <a:ext uri="{91240B29-F687-4f45-9708-019B960494DF}">
-                  <a14:hiddenLine xmlns="" xmlns:a14="http://schemas.microsoft.com/office/drawing/2010/main" w="9525">
+                  <a14:hiddenLine xmlns:a14="http://schemas.microsoft.com/office/drawing/2010/main" xmlns="" w="9525">
                     <a:solidFill>
                       <a:srgbClr val="000000"/>
                     </a:solidFill>
@@ -14103,7 +10670,7 @@
               </a:ln>
               <a:extLst>
                 <a:ext uri="{91240B29-F687-4f45-9708-019B960494DF}">
-                  <a14:hiddenLine xmlns="" xmlns:a14="http://schemas.microsoft.com/office/drawing/2010/main" w="9525">
+                  <a14:hiddenLine xmlns:a14="http://schemas.microsoft.com/office/drawing/2010/main" xmlns="" w="9525">
                     <a:solidFill>
                       <a:srgbClr val="000000"/>
                     </a:solidFill>
@@ -14165,7 +10732,7 @@
               </a:ln>
               <a:extLst>
                 <a:ext uri="{91240B29-F687-4f45-9708-019B960494DF}">
-                  <a14:hiddenLine xmlns="" xmlns:a14="http://schemas.microsoft.com/office/drawing/2010/main" w="9525">
+                  <a14:hiddenLine xmlns:a14="http://schemas.microsoft.com/office/drawing/2010/main" xmlns="" w="9525">
                     <a:solidFill>
                       <a:srgbClr val="000000"/>
                     </a:solidFill>
@@ -14227,7 +10794,7 @@
               </a:ln>
               <a:extLst>
                 <a:ext uri="{91240B29-F687-4f45-9708-019B960494DF}">
-                  <a14:hiddenLine xmlns="" xmlns:a14="http://schemas.microsoft.com/office/drawing/2010/main" w="9525">
+                  <a14:hiddenLine xmlns:a14="http://schemas.microsoft.com/office/drawing/2010/main" xmlns="" w="9525">
                     <a:solidFill>
                       <a:srgbClr val="000000"/>
                     </a:solidFill>
@@ -14317,7 +10884,7 @@
               </a:ln>
               <a:extLst>
                 <a:ext uri="{91240B29-F687-4f45-9708-019B960494DF}">
-                  <a14:hiddenLine xmlns="" xmlns:a14="http://schemas.microsoft.com/office/drawing/2010/main" w="9525">
+                  <a14:hiddenLine xmlns:a14="http://schemas.microsoft.com/office/drawing/2010/main" xmlns="" w="9525">
                     <a:solidFill>
                       <a:srgbClr val="000000"/>
                     </a:solidFill>
@@ -14351,7 +10918,7 @@
               </a:ln>
               <a:extLst>
                 <a:ext uri="{91240B29-F687-4f45-9708-019B960494DF}">
-                  <a14:hiddenLine xmlns="" xmlns:a14="http://schemas.microsoft.com/office/drawing/2010/main" w="9525">
+                  <a14:hiddenLine xmlns:a14="http://schemas.microsoft.com/office/drawing/2010/main" xmlns="" w="9525">
                     <a:solidFill>
                       <a:srgbClr val="000000"/>
                     </a:solidFill>
@@ -14416,7 +10983,7 @@
               </a:ln>
               <a:extLst>
                 <a:ext uri="{91240B29-F687-4f45-9708-019B960494DF}">
-                  <a14:hiddenLine xmlns="" xmlns:a14="http://schemas.microsoft.com/office/drawing/2010/main" w="9525">
+                  <a14:hiddenLine xmlns:a14="http://schemas.microsoft.com/office/drawing/2010/main" xmlns="" w="9525">
                     <a:solidFill>
                       <a:srgbClr val="000000"/>
                     </a:solidFill>
@@ -14506,7 +11073,7 @@
               </a:ln>
               <a:extLst>
                 <a:ext uri="{91240B29-F687-4f45-9708-019B960494DF}">
-                  <a14:hiddenLine xmlns="" xmlns:a14="http://schemas.microsoft.com/office/drawing/2010/main" w="9525">
+                  <a14:hiddenLine xmlns:a14="http://schemas.microsoft.com/office/drawing/2010/main" xmlns="" w="9525">
                     <a:solidFill>
                       <a:srgbClr val="000000"/>
                     </a:solidFill>
@@ -14568,7 +11135,7 @@
               </a:ln>
               <a:extLst>
                 <a:ext uri="{91240B29-F687-4f45-9708-019B960494DF}">
-                  <a14:hiddenLine xmlns="" xmlns:a14="http://schemas.microsoft.com/office/drawing/2010/main" w="9525">
+                  <a14:hiddenLine xmlns:a14="http://schemas.microsoft.com/office/drawing/2010/main" xmlns="" w="9525">
                     <a:solidFill>
                       <a:srgbClr val="000000"/>
                     </a:solidFill>
@@ -14658,7 +11225,7 @@
               </a:ln>
               <a:extLst>
                 <a:ext uri="{91240B29-F687-4f45-9708-019B960494DF}">
-                  <a14:hiddenLine xmlns="" xmlns:a14="http://schemas.microsoft.com/office/drawing/2010/main" w="9525">
+                  <a14:hiddenLine xmlns:a14="http://schemas.microsoft.com/office/drawing/2010/main" xmlns="" w="9525">
                     <a:solidFill>
                       <a:srgbClr val="000000"/>
                     </a:solidFill>
@@ -14723,7 +11290,7 @@
               </a:ln>
               <a:extLst>
                 <a:ext uri="{91240B29-F687-4f45-9708-019B960494DF}">
-                  <a14:hiddenLine xmlns="" xmlns:a14="http://schemas.microsoft.com/office/drawing/2010/main" w="9525">
+                  <a14:hiddenLine xmlns:a14="http://schemas.microsoft.com/office/drawing/2010/main" xmlns="" w="9525">
                     <a:solidFill>
                       <a:srgbClr val="000000"/>
                     </a:solidFill>
@@ -14785,7 +11352,7 @@
               </a:ln>
               <a:extLst>
                 <a:ext uri="{91240B29-F687-4f45-9708-019B960494DF}">
-                  <a14:hiddenLine xmlns="" xmlns:a14="http://schemas.microsoft.com/office/drawing/2010/main" w="9525">
+                  <a14:hiddenLine xmlns:a14="http://schemas.microsoft.com/office/drawing/2010/main" xmlns="" w="9525">
                     <a:solidFill>
                       <a:srgbClr val="000000"/>
                     </a:solidFill>
@@ -14875,7 +11442,7 @@
               </a:ln>
               <a:extLst>
                 <a:ext uri="{91240B29-F687-4f45-9708-019B960494DF}">
-                  <a14:hiddenLine xmlns="" xmlns:a14="http://schemas.microsoft.com/office/drawing/2010/main" w="9525">
+                  <a14:hiddenLine xmlns:a14="http://schemas.microsoft.com/office/drawing/2010/main" xmlns="" w="9525">
                     <a:solidFill>
                       <a:srgbClr val="000000"/>
                     </a:solidFill>
@@ -14965,7 +11532,7 @@
               </a:ln>
               <a:extLst>
                 <a:ext uri="{91240B29-F687-4f45-9708-019B960494DF}">
-                  <a14:hiddenLine xmlns="" xmlns:a14="http://schemas.microsoft.com/office/drawing/2010/main" w="9525">
+                  <a14:hiddenLine xmlns:a14="http://schemas.microsoft.com/office/drawing/2010/main" xmlns="" w="9525">
                     <a:solidFill>
                       <a:srgbClr val="000000"/>
                     </a:solidFill>
@@ -15030,7 +11597,7 @@
               </a:ln>
               <a:extLst>
                 <a:ext uri="{91240B29-F687-4f45-9708-019B960494DF}">
-                  <a14:hiddenLine xmlns="" xmlns:a14="http://schemas.microsoft.com/office/drawing/2010/main" w="9525">
+                  <a14:hiddenLine xmlns:a14="http://schemas.microsoft.com/office/drawing/2010/main" xmlns="" w="9525">
                     <a:solidFill>
                       <a:srgbClr val="000000"/>
                     </a:solidFill>
@@ -15150,7 +11717,7 @@
               </a:ln>
               <a:extLst>
                 <a:ext uri="{91240B29-F687-4f45-9708-019B960494DF}">
-                  <a14:hiddenLine xmlns="" xmlns:a14="http://schemas.microsoft.com/office/drawing/2010/main" w="9525">
+                  <a14:hiddenLine xmlns:a14="http://schemas.microsoft.com/office/drawing/2010/main" xmlns="" w="9525">
                     <a:solidFill>
                       <a:srgbClr val="000000"/>
                     </a:solidFill>
@@ -15231,7 +11798,7 @@
               </a:ln>
               <a:extLst>
                 <a:ext uri="{91240B29-F687-4f45-9708-019B960494DF}">
-                  <a14:hiddenLine xmlns="" xmlns:a14="http://schemas.microsoft.com/office/drawing/2010/main" w="9525">
+                  <a14:hiddenLine xmlns:a14="http://schemas.microsoft.com/office/drawing/2010/main" xmlns="" w="9525">
                     <a:solidFill>
                       <a:srgbClr val="000000"/>
                     </a:solidFill>
@@ -15346,7 +11913,7 @@
               </a:ln>
               <a:extLst>
                 <a:ext uri="{91240B29-F687-4f45-9708-019B960494DF}">
-                  <a14:hiddenLine xmlns="" xmlns:a14="http://schemas.microsoft.com/office/drawing/2010/main" w="9525">
+                  <a14:hiddenLine xmlns:a14="http://schemas.microsoft.com/office/drawing/2010/main" xmlns="" w="9525">
                     <a:solidFill>
                       <a:srgbClr val="000000"/>
                     </a:solidFill>
@@ -15436,7 +12003,7 @@
               </a:ln>
               <a:extLst>
                 <a:ext uri="{91240B29-F687-4f45-9708-019B960494DF}">
-                  <a14:hiddenLine xmlns="" xmlns:a14="http://schemas.microsoft.com/office/drawing/2010/main" w="9525">
+                  <a14:hiddenLine xmlns:a14="http://schemas.microsoft.com/office/drawing/2010/main" xmlns="" w="9525">
                     <a:solidFill>
                       <a:srgbClr val="000000"/>
                     </a:solidFill>
@@ -15501,7 +12068,7 @@
               </a:ln>
               <a:extLst>
                 <a:ext uri="{91240B29-F687-4f45-9708-019B960494DF}">
-                  <a14:hiddenLine xmlns="" xmlns:a14="http://schemas.microsoft.com/office/drawing/2010/main" w="9525">
+                  <a14:hiddenLine xmlns:a14="http://schemas.microsoft.com/office/drawing/2010/main" xmlns="" w="9525">
                     <a:solidFill>
                       <a:srgbClr val="000000"/>
                     </a:solidFill>
@@ -15591,7 +12158,7 @@
               </a:ln>
               <a:extLst>
                 <a:ext uri="{91240B29-F687-4f45-9708-019B960494DF}">
-                  <a14:hiddenLine xmlns="" xmlns:a14="http://schemas.microsoft.com/office/drawing/2010/main" w="9525">
+                  <a14:hiddenLine xmlns:a14="http://schemas.microsoft.com/office/drawing/2010/main" xmlns="" w="9525">
                     <a:solidFill>
                       <a:srgbClr val="000000"/>
                     </a:solidFill>
@@ -15659,7 +12226,7 @@
               </a:ln>
               <a:extLst>
                 <a:ext uri="{91240B29-F687-4f45-9708-019B960494DF}">
-                  <a14:hiddenLine xmlns="" xmlns:a14="http://schemas.microsoft.com/office/drawing/2010/main" w="9525">
+                  <a14:hiddenLine xmlns:a14="http://schemas.microsoft.com/office/drawing/2010/main" xmlns="" w="9525">
                     <a:solidFill>
                       <a:srgbClr val="000000"/>
                     </a:solidFill>
@@ -15749,7 +12316,7 @@
               </a:ln>
               <a:extLst>
                 <a:ext uri="{91240B29-F687-4f45-9708-019B960494DF}">
-                  <a14:hiddenLine xmlns="" xmlns:a14="http://schemas.microsoft.com/office/drawing/2010/main" w="9525">
+                  <a14:hiddenLine xmlns:a14="http://schemas.microsoft.com/office/drawing/2010/main" xmlns="" w="9525">
                     <a:solidFill>
                       <a:srgbClr val="000000"/>
                     </a:solidFill>
@@ -15817,7 +12384,7 @@
               </a:ln>
               <a:extLst>
                 <a:ext uri="{91240B29-F687-4f45-9708-019B960494DF}">
-                  <a14:hiddenLine xmlns="" xmlns:a14="http://schemas.microsoft.com/office/drawing/2010/main" w="9525">
+                  <a14:hiddenLine xmlns:a14="http://schemas.microsoft.com/office/drawing/2010/main" xmlns="" w="9525">
                     <a:solidFill>
                       <a:srgbClr val="000000"/>
                     </a:solidFill>
@@ -15907,7 +12474,7 @@
               </a:ln>
               <a:extLst>
                 <a:ext uri="{91240B29-F687-4f45-9708-019B960494DF}">
-                  <a14:hiddenLine xmlns="" xmlns:a14="http://schemas.microsoft.com/office/drawing/2010/main" w="9525">
+                  <a14:hiddenLine xmlns:a14="http://schemas.microsoft.com/office/drawing/2010/main" xmlns="" w="9525">
                     <a:solidFill>
                       <a:srgbClr val="000000"/>
                     </a:solidFill>
@@ -15941,7 +12508,7 @@
               </a:ln>
               <a:extLst>
                 <a:ext uri="{91240B29-F687-4f45-9708-019B960494DF}">
-                  <a14:hiddenLine xmlns="" xmlns:a14="http://schemas.microsoft.com/office/drawing/2010/main" w="9525">
+                  <a14:hiddenLine xmlns:a14="http://schemas.microsoft.com/office/drawing/2010/main" xmlns="" w="9525">
                     <a:solidFill>
                       <a:srgbClr val="000000"/>
                     </a:solidFill>
@@ -16082,7 +12649,7 @@
             <a:fld id="{48A87A34-81AB-432B-8DAE-1953F412C126}" type="datetimeFigureOut">
               <a:rPr lang="en-US" smtClean="0"/>
               <a:pPr/>
-              <a:t>5/13/2022</a:t>
+              <a:t>5/15/2022</a:t>
             </a:fld>
             <a:endParaRPr lang="en-US" dirty="0"/>
           </a:p>
@@ -16619,7 +13186,7 @@
         </p:nvSpPr>
         <p:spPr>
           <a:xfrm>
-            <a:off x="1141413" y="618518"/>
+            <a:off x="969145" y="406043"/>
             <a:ext cx="9905998" cy="902274"/>
           </a:xfrm>
         </p:spPr>
@@ -16639,40 +13206,844 @@
           </a:p>
         </p:txBody>
       </p:sp>
-      <p:graphicFrame>
-        <p:nvGraphicFramePr>
-          <p:cNvPr id="4" name="Content Placeholder 3">
+      <p:pic>
+        <p:nvPicPr>
+          <p:cNvPr id="5" name="Picture 4" descr="A person in a blue shirt&#10;&#10;Description automatically generated with medium confidence">
             <a:extLst>
               <a:ext uri="{FF2B5EF4-FFF2-40B4-BE49-F238E27FC236}">
-                <a16:creationId xmlns:a16="http://schemas.microsoft.com/office/drawing/2014/main" id="{8D4F1745-A55E-4835-88EB-BC637121B608}"/>
-              </a:ext>
-              <a:ext uri="{C183D7F6-B498-43B3-948B-1728B52AA6E4}">
-                <adec:decorative xmlns:adec="http://schemas.microsoft.com/office/drawing/2017/decorative" val="1"/>
+                <a16:creationId xmlns:a16="http://schemas.microsoft.com/office/drawing/2014/main" id="{23DA348F-0CCC-6C22-61F6-45309BA59DD0}"/>
               </a:ext>
             </a:extLst>
           </p:cNvPr>
-          <p:cNvGraphicFramePr>
-            <a:graphicFrameLocks noGrp="1"/>
-          </p:cNvGraphicFramePr>
+          <p:cNvPicPr>
+            <a:picLocks noChangeAspect="1"/>
+          </p:cNvPicPr>
+          <p:nvPr/>
+        </p:nvPicPr>
+        <p:blipFill>
+          <a:blip r:embed="rId2"/>
+          <a:stretch>
+            <a:fillRect/>
+          </a:stretch>
+        </p:blipFill>
+        <p:spPr>
+          <a:xfrm>
+            <a:off x="594872" y="2002055"/>
+            <a:ext cx="2046772" cy="2046772"/>
+          </a:xfrm>
+          <a:prstGeom prst="rect">
+            <a:avLst/>
+          </a:prstGeom>
+        </p:spPr>
+      </p:pic>
+      <p:pic>
+        <p:nvPicPr>
+          <p:cNvPr id="7" name="Picture 6" descr="A picture containing wall, person, indoor, posing&#10;&#10;Description automatically generated">
+            <a:extLst>
+              <a:ext uri="{FF2B5EF4-FFF2-40B4-BE49-F238E27FC236}">
+                <a16:creationId xmlns:a16="http://schemas.microsoft.com/office/drawing/2014/main" id="{CB4A3C0F-E08F-4783-9CE4-028D6FC39E75}"/>
+              </a:ext>
+            </a:extLst>
+          </p:cNvPr>
+          <p:cNvPicPr>
+            <a:picLocks noChangeAspect="1"/>
+          </p:cNvPicPr>
+          <p:nvPr/>
+        </p:nvPicPr>
+        <p:blipFill>
+          <a:blip r:embed="rId3"/>
+          <a:stretch>
+            <a:fillRect/>
+          </a:stretch>
+        </p:blipFill>
+        <p:spPr>
+          <a:xfrm>
+            <a:off x="3322844" y="1971501"/>
+            <a:ext cx="2086951" cy="2086951"/>
+          </a:xfrm>
+          <a:prstGeom prst="rect">
+            <a:avLst/>
+          </a:prstGeom>
+        </p:spPr>
+      </p:pic>
+      <p:pic>
+        <p:nvPicPr>
+          <p:cNvPr id="11" name="Picture 10" descr="A person wearing glasses&#10;&#10;Description automatically generated with medium confidence">
+            <a:extLst>
+              <a:ext uri="{FF2B5EF4-FFF2-40B4-BE49-F238E27FC236}">
+                <a16:creationId xmlns:a16="http://schemas.microsoft.com/office/drawing/2014/main" id="{83B25039-5684-F0B0-8BCB-5E7C64796ADC}"/>
+              </a:ext>
+            </a:extLst>
+          </p:cNvPr>
+          <p:cNvPicPr>
+            <a:picLocks noChangeAspect="1"/>
+          </p:cNvPicPr>
+          <p:nvPr/>
+        </p:nvPicPr>
+        <p:blipFill>
+          <a:blip r:embed="rId4"/>
+          <a:stretch>
+            <a:fillRect/>
+          </a:stretch>
+        </p:blipFill>
+        <p:spPr>
+          <a:xfrm>
+            <a:off x="6166400" y="2002055"/>
+            <a:ext cx="2086951" cy="2086951"/>
+          </a:xfrm>
+          <a:prstGeom prst="rect">
+            <a:avLst/>
+          </a:prstGeom>
+        </p:spPr>
+      </p:pic>
+      <p:sp>
+        <p:nvSpPr>
+          <p:cNvPr id="13" name="Content Placeholder 12">
+            <a:extLst>
+              <a:ext uri="{FF2B5EF4-FFF2-40B4-BE49-F238E27FC236}">
+                <a16:creationId xmlns:a16="http://schemas.microsoft.com/office/drawing/2014/main" id="{2F4B75E4-5515-D634-643A-2183BC4AEB19}"/>
+              </a:ext>
+            </a:extLst>
+          </p:cNvPr>
+          <p:cNvSpPr>
+            <a:spLocks noGrp="1"/>
+          </p:cNvSpPr>
           <p:nvPr>
             <p:ph idx="1"/>
-            <p:extLst>
-              <p:ext uri="{D42A27DB-BD31-4B8C-83A1-F6EECF244321}">
-                <p14:modId xmlns:p14="http://schemas.microsoft.com/office/powerpoint/2010/main" val="3828883480"/>
-              </p:ext>
-            </p:extLst>
           </p:nvPr>
-        </p:nvGraphicFramePr>
-        <p:xfrm>
-          <a:off x="1141413" y="2249488"/>
-          <a:ext cx="9906000" cy="3541712"/>
-        </p:xfrm>
-        <a:graphic>
-          <a:graphicData uri="http://schemas.openxmlformats.org/drawingml/2006/diagram">
-            <dgm:relIds xmlns:dgm="http://schemas.openxmlformats.org/drawingml/2006/diagram" xmlns:r="http://schemas.openxmlformats.org/officeDocument/2006/relationships" r:dm="rId2" r:lo="rId3" r:qs="rId4" r:cs="rId5"/>
-          </a:graphicData>
-        </a:graphic>
-      </p:graphicFrame>
+        </p:nvSpPr>
+        <p:spPr>
+          <a:xfrm>
+            <a:off x="493134" y="4472922"/>
+            <a:ext cx="2690381" cy="1282985"/>
+          </a:xfrm>
+        </p:spPr>
+        <p:txBody>
+          <a:bodyPr/>
+          <a:lstStyle/>
+          <a:p>
+            <a:r>
+              <a:rPr lang="en-US" dirty="0" err="1"/>
+              <a:t>Iliyana</a:t>
+            </a:r>
+            <a:r>
+              <a:rPr lang="en-US" dirty="0"/>
+              <a:t> </a:t>
+            </a:r>
+            <a:r>
+              <a:rPr lang="en-US" dirty="0" err="1"/>
+              <a:t>Michevska</a:t>
+            </a:r>
+            <a:endParaRPr lang="en-US" dirty="0"/>
+          </a:p>
+          <a:p>
+            <a:r>
+              <a:rPr lang="en-US" dirty="0"/>
+              <a:t>Scrum Trainer</a:t>
+            </a:r>
+          </a:p>
+        </p:txBody>
+      </p:sp>
+      <p:sp>
+        <p:nvSpPr>
+          <p:cNvPr id="15" name="Content Placeholder 12">
+            <a:extLst>
+              <a:ext uri="{FF2B5EF4-FFF2-40B4-BE49-F238E27FC236}">
+                <a16:creationId xmlns:a16="http://schemas.microsoft.com/office/drawing/2014/main" id="{52E000DF-27BD-110A-53B5-866BE137ADE3}"/>
+              </a:ext>
+            </a:extLst>
+          </p:cNvPr>
+          <p:cNvSpPr txBox="1">
+            <a:spLocks/>
+          </p:cNvSpPr>
+          <p:nvPr/>
+        </p:nvSpPr>
+        <p:spPr>
+          <a:xfrm>
+            <a:off x="3177951" y="4430030"/>
+            <a:ext cx="3034516" cy="1282985"/>
+          </a:xfrm>
+          <a:prstGeom prst="rect">
+            <a:avLst/>
+          </a:prstGeom>
+        </p:spPr>
+        <p:txBody>
+          <a:bodyPr vert="horz" lIns="91440" tIns="45720" rIns="91440" bIns="45720" rtlCol="0">
+            <a:noAutofit/>
+          </a:bodyPr>
+          <a:lstStyle>
+            <a:lvl1pPr marL="228600" indent="-228600" algn="l" defTabSz="914400" rtl="0" eaLnBrk="1" latinLnBrk="0" hangingPunct="1">
+              <a:lnSpc>
+                <a:spcPct val="120000"/>
+              </a:lnSpc>
+              <a:spcBef>
+                <a:spcPts val="1000"/>
+              </a:spcBef>
+              <a:buSzPct val="125000"/>
+              <a:buFont typeface="Arial" panose="020B0604020202020204" pitchFamily="34" charset="0"/>
+              <a:buChar char="•"/>
+              <a:defRPr sz="2400" kern="1200">
+                <a:solidFill>
+                  <a:schemeClr val="tx1"/>
+                </a:solidFill>
+                <a:latin typeface="+mn-lt"/>
+                <a:ea typeface="+mn-ea"/>
+                <a:cs typeface="+mn-cs"/>
+              </a:defRPr>
+            </a:lvl1pPr>
+            <a:lvl2pPr marL="685800" indent="-228600" algn="l" defTabSz="914400" rtl="0" eaLnBrk="1" latinLnBrk="0" hangingPunct="1">
+              <a:lnSpc>
+                <a:spcPct val="120000"/>
+              </a:lnSpc>
+              <a:spcBef>
+                <a:spcPts val="500"/>
+              </a:spcBef>
+              <a:buSzPct val="125000"/>
+              <a:buFont typeface="Arial" panose="020B0604020202020204" pitchFamily="34" charset="0"/>
+              <a:buChar char="•"/>
+              <a:defRPr sz="2000" kern="1200">
+                <a:solidFill>
+                  <a:schemeClr val="tx1"/>
+                </a:solidFill>
+                <a:latin typeface="+mn-lt"/>
+                <a:ea typeface="+mn-ea"/>
+                <a:cs typeface="+mn-cs"/>
+              </a:defRPr>
+            </a:lvl2pPr>
+            <a:lvl3pPr marL="1143000" indent="-228600" algn="l" defTabSz="914400" rtl="0" eaLnBrk="1" latinLnBrk="0" hangingPunct="1">
+              <a:lnSpc>
+                <a:spcPct val="120000"/>
+              </a:lnSpc>
+              <a:spcBef>
+                <a:spcPts val="500"/>
+              </a:spcBef>
+              <a:buSzPct val="125000"/>
+              <a:buFont typeface="Arial" panose="020B0604020202020204" pitchFamily="34" charset="0"/>
+              <a:buChar char="•"/>
+              <a:defRPr sz="1800" kern="1200">
+                <a:solidFill>
+                  <a:schemeClr val="tx1"/>
+                </a:solidFill>
+                <a:latin typeface="+mn-lt"/>
+                <a:ea typeface="+mn-ea"/>
+                <a:cs typeface="+mn-cs"/>
+              </a:defRPr>
+            </a:lvl3pPr>
+            <a:lvl4pPr marL="1600200" indent="-228600" algn="l" defTabSz="914400" rtl="0" eaLnBrk="1" latinLnBrk="0" hangingPunct="1">
+              <a:lnSpc>
+                <a:spcPct val="120000"/>
+              </a:lnSpc>
+              <a:spcBef>
+                <a:spcPts val="500"/>
+              </a:spcBef>
+              <a:buSzPct val="125000"/>
+              <a:buFont typeface="Arial" panose="020B0604020202020204" pitchFamily="34" charset="0"/>
+              <a:buChar char="•"/>
+              <a:defRPr sz="1600" kern="1200">
+                <a:solidFill>
+                  <a:schemeClr val="tx1"/>
+                </a:solidFill>
+                <a:latin typeface="+mn-lt"/>
+                <a:ea typeface="+mn-ea"/>
+                <a:cs typeface="+mn-cs"/>
+              </a:defRPr>
+            </a:lvl4pPr>
+            <a:lvl5pPr marL="2057400" indent="-228600" algn="l" defTabSz="914400" rtl="0" eaLnBrk="1" latinLnBrk="0" hangingPunct="1">
+              <a:lnSpc>
+                <a:spcPct val="120000"/>
+              </a:lnSpc>
+              <a:spcBef>
+                <a:spcPts val="500"/>
+              </a:spcBef>
+              <a:buSzPct val="125000"/>
+              <a:buFont typeface="Arial" panose="020B0604020202020204" pitchFamily="34" charset="0"/>
+              <a:buChar char="•"/>
+              <a:defRPr sz="1600" kern="1200">
+                <a:solidFill>
+                  <a:schemeClr val="tx1"/>
+                </a:solidFill>
+                <a:latin typeface="+mn-lt"/>
+                <a:ea typeface="+mn-ea"/>
+                <a:cs typeface="+mn-cs"/>
+              </a:defRPr>
+            </a:lvl5pPr>
+            <a:lvl6pPr marL="2514600" indent="-228600" algn="l" defTabSz="914400" rtl="0" eaLnBrk="1" latinLnBrk="0" hangingPunct="1">
+              <a:lnSpc>
+                <a:spcPct val="120000"/>
+              </a:lnSpc>
+              <a:spcBef>
+                <a:spcPts val="500"/>
+              </a:spcBef>
+              <a:buSzPct val="125000"/>
+              <a:buFont typeface="Arial" panose="020B0604020202020204" pitchFamily="34" charset="0"/>
+              <a:buChar char="•"/>
+              <a:defRPr sz="1400" kern="1200">
+                <a:solidFill>
+                  <a:schemeClr val="tx1"/>
+                </a:solidFill>
+                <a:latin typeface="+mn-lt"/>
+                <a:ea typeface="+mn-ea"/>
+                <a:cs typeface="+mn-cs"/>
+              </a:defRPr>
+            </a:lvl6pPr>
+            <a:lvl7pPr marL="2971800" indent="-228600" algn="l" defTabSz="914400" rtl="0" eaLnBrk="1" latinLnBrk="0" hangingPunct="1">
+              <a:lnSpc>
+                <a:spcPct val="120000"/>
+              </a:lnSpc>
+              <a:spcBef>
+                <a:spcPts val="500"/>
+              </a:spcBef>
+              <a:buSzPct val="125000"/>
+              <a:buFont typeface="Arial" panose="020B0604020202020204" pitchFamily="34" charset="0"/>
+              <a:buChar char="•"/>
+              <a:defRPr sz="1400" kern="1200">
+                <a:solidFill>
+                  <a:schemeClr val="tx1"/>
+                </a:solidFill>
+                <a:latin typeface="+mn-lt"/>
+                <a:ea typeface="+mn-ea"/>
+                <a:cs typeface="+mn-cs"/>
+              </a:defRPr>
+            </a:lvl7pPr>
+            <a:lvl8pPr marL="3429000" indent="-228600" algn="l" defTabSz="914400" rtl="0" eaLnBrk="1" latinLnBrk="0" hangingPunct="1">
+              <a:lnSpc>
+                <a:spcPct val="120000"/>
+              </a:lnSpc>
+              <a:spcBef>
+                <a:spcPts val="500"/>
+              </a:spcBef>
+              <a:buSzPct val="125000"/>
+              <a:buFont typeface="Arial" panose="020B0604020202020204" pitchFamily="34" charset="0"/>
+              <a:buChar char="•"/>
+              <a:defRPr sz="1400" kern="1200">
+                <a:solidFill>
+                  <a:schemeClr val="tx1"/>
+                </a:solidFill>
+                <a:latin typeface="+mn-lt"/>
+                <a:ea typeface="+mn-ea"/>
+                <a:cs typeface="+mn-cs"/>
+              </a:defRPr>
+            </a:lvl8pPr>
+            <a:lvl9pPr marL="3886200" indent="-228600" algn="l" defTabSz="914400" rtl="0" eaLnBrk="1" latinLnBrk="0" hangingPunct="1">
+              <a:lnSpc>
+                <a:spcPct val="120000"/>
+              </a:lnSpc>
+              <a:spcBef>
+                <a:spcPts val="500"/>
+              </a:spcBef>
+              <a:buSzPct val="125000"/>
+              <a:buFont typeface="Arial" panose="020B0604020202020204" pitchFamily="34" charset="0"/>
+              <a:buChar char="•"/>
+              <a:defRPr sz="1400" kern="1200">
+                <a:solidFill>
+                  <a:schemeClr val="tx1"/>
+                </a:solidFill>
+                <a:latin typeface="+mn-lt"/>
+                <a:ea typeface="+mn-ea"/>
+                <a:cs typeface="+mn-cs"/>
+              </a:defRPr>
+            </a:lvl9pPr>
+          </a:lstStyle>
+          <a:p>
+            <a:r>
+              <a:rPr lang="en-US" dirty="0" err="1"/>
+              <a:t>Plamen</a:t>
+            </a:r>
+            <a:r>
+              <a:rPr lang="en-US" dirty="0"/>
+              <a:t> </a:t>
+            </a:r>
+            <a:r>
+              <a:rPr lang="en-US" dirty="0" err="1"/>
+              <a:t>Daylyanov</a:t>
+            </a:r>
+            <a:endParaRPr lang="en-US" dirty="0"/>
+          </a:p>
+          <a:p>
+            <a:r>
+              <a:rPr lang="en-US" dirty="0"/>
+              <a:t>Back-end Developer</a:t>
+            </a:r>
+          </a:p>
+        </p:txBody>
+      </p:sp>
+      <p:sp>
+        <p:nvSpPr>
+          <p:cNvPr id="16" name="Content Placeholder 12">
+            <a:extLst>
+              <a:ext uri="{FF2B5EF4-FFF2-40B4-BE49-F238E27FC236}">
+                <a16:creationId xmlns:a16="http://schemas.microsoft.com/office/drawing/2014/main" id="{1B90BAB1-D0DE-7CD4-E9B2-11860032D7A7}"/>
+              </a:ext>
+            </a:extLst>
+          </p:cNvPr>
+          <p:cNvSpPr txBox="1">
+            <a:spLocks/>
+          </p:cNvSpPr>
+          <p:nvPr/>
+        </p:nvSpPr>
+        <p:spPr>
+          <a:xfrm>
+            <a:off x="6042100" y="4424013"/>
+            <a:ext cx="3034516" cy="1282985"/>
+          </a:xfrm>
+          <a:prstGeom prst="rect">
+            <a:avLst/>
+          </a:prstGeom>
+        </p:spPr>
+        <p:txBody>
+          <a:bodyPr vert="horz" lIns="91440" tIns="45720" rIns="91440" bIns="45720" rtlCol="0">
+            <a:noAutofit/>
+          </a:bodyPr>
+          <a:lstStyle>
+            <a:lvl1pPr marL="228600" indent="-228600" algn="l" defTabSz="914400" rtl="0" eaLnBrk="1" latinLnBrk="0" hangingPunct="1">
+              <a:lnSpc>
+                <a:spcPct val="120000"/>
+              </a:lnSpc>
+              <a:spcBef>
+                <a:spcPts val="1000"/>
+              </a:spcBef>
+              <a:buSzPct val="125000"/>
+              <a:buFont typeface="Arial" panose="020B0604020202020204" pitchFamily="34" charset="0"/>
+              <a:buChar char="•"/>
+              <a:defRPr sz="2400" kern="1200">
+                <a:solidFill>
+                  <a:schemeClr val="tx1"/>
+                </a:solidFill>
+                <a:latin typeface="+mn-lt"/>
+                <a:ea typeface="+mn-ea"/>
+                <a:cs typeface="+mn-cs"/>
+              </a:defRPr>
+            </a:lvl1pPr>
+            <a:lvl2pPr marL="685800" indent="-228600" algn="l" defTabSz="914400" rtl="0" eaLnBrk="1" latinLnBrk="0" hangingPunct="1">
+              <a:lnSpc>
+                <a:spcPct val="120000"/>
+              </a:lnSpc>
+              <a:spcBef>
+                <a:spcPts val="500"/>
+              </a:spcBef>
+              <a:buSzPct val="125000"/>
+              <a:buFont typeface="Arial" panose="020B0604020202020204" pitchFamily="34" charset="0"/>
+              <a:buChar char="•"/>
+              <a:defRPr sz="2000" kern="1200">
+                <a:solidFill>
+                  <a:schemeClr val="tx1"/>
+                </a:solidFill>
+                <a:latin typeface="+mn-lt"/>
+                <a:ea typeface="+mn-ea"/>
+                <a:cs typeface="+mn-cs"/>
+              </a:defRPr>
+            </a:lvl2pPr>
+            <a:lvl3pPr marL="1143000" indent="-228600" algn="l" defTabSz="914400" rtl="0" eaLnBrk="1" latinLnBrk="0" hangingPunct="1">
+              <a:lnSpc>
+                <a:spcPct val="120000"/>
+              </a:lnSpc>
+              <a:spcBef>
+                <a:spcPts val="500"/>
+              </a:spcBef>
+              <a:buSzPct val="125000"/>
+              <a:buFont typeface="Arial" panose="020B0604020202020204" pitchFamily="34" charset="0"/>
+              <a:buChar char="•"/>
+              <a:defRPr sz="1800" kern="1200">
+                <a:solidFill>
+                  <a:schemeClr val="tx1"/>
+                </a:solidFill>
+                <a:latin typeface="+mn-lt"/>
+                <a:ea typeface="+mn-ea"/>
+                <a:cs typeface="+mn-cs"/>
+              </a:defRPr>
+            </a:lvl3pPr>
+            <a:lvl4pPr marL="1600200" indent="-228600" algn="l" defTabSz="914400" rtl="0" eaLnBrk="1" latinLnBrk="0" hangingPunct="1">
+              <a:lnSpc>
+                <a:spcPct val="120000"/>
+              </a:lnSpc>
+              <a:spcBef>
+                <a:spcPts val="500"/>
+              </a:spcBef>
+              <a:buSzPct val="125000"/>
+              <a:buFont typeface="Arial" panose="020B0604020202020204" pitchFamily="34" charset="0"/>
+              <a:buChar char="•"/>
+              <a:defRPr sz="1600" kern="1200">
+                <a:solidFill>
+                  <a:schemeClr val="tx1"/>
+                </a:solidFill>
+                <a:latin typeface="+mn-lt"/>
+                <a:ea typeface="+mn-ea"/>
+                <a:cs typeface="+mn-cs"/>
+              </a:defRPr>
+            </a:lvl4pPr>
+            <a:lvl5pPr marL="2057400" indent="-228600" algn="l" defTabSz="914400" rtl="0" eaLnBrk="1" latinLnBrk="0" hangingPunct="1">
+              <a:lnSpc>
+                <a:spcPct val="120000"/>
+              </a:lnSpc>
+              <a:spcBef>
+                <a:spcPts val="500"/>
+              </a:spcBef>
+              <a:buSzPct val="125000"/>
+              <a:buFont typeface="Arial" panose="020B0604020202020204" pitchFamily="34" charset="0"/>
+              <a:buChar char="•"/>
+              <a:defRPr sz="1600" kern="1200">
+                <a:solidFill>
+                  <a:schemeClr val="tx1"/>
+                </a:solidFill>
+                <a:latin typeface="+mn-lt"/>
+                <a:ea typeface="+mn-ea"/>
+                <a:cs typeface="+mn-cs"/>
+              </a:defRPr>
+            </a:lvl5pPr>
+            <a:lvl6pPr marL="2514600" indent="-228600" algn="l" defTabSz="914400" rtl="0" eaLnBrk="1" latinLnBrk="0" hangingPunct="1">
+              <a:lnSpc>
+                <a:spcPct val="120000"/>
+              </a:lnSpc>
+              <a:spcBef>
+                <a:spcPts val="500"/>
+              </a:spcBef>
+              <a:buSzPct val="125000"/>
+              <a:buFont typeface="Arial" panose="020B0604020202020204" pitchFamily="34" charset="0"/>
+              <a:buChar char="•"/>
+              <a:defRPr sz="1400" kern="1200">
+                <a:solidFill>
+                  <a:schemeClr val="tx1"/>
+                </a:solidFill>
+                <a:latin typeface="+mn-lt"/>
+                <a:ea typeface="+mn-ea"/>
+                <a:cs typeface="+mn-cs"/>
+              </a:defRPr>
+            </a:lvl6pPr>
+            <a:lvl7pPr marL="2971800" indent="-228600" algn="l" defTabSz="914400" rtl="0" eaLnBrk="1" latinLnBrk="0" hangingPunct="1">
+              <a:lnSpc>
+                <a:spcPct val="120000"/>
+              </a:lnSpc>
+              <a:spcBef>
+                <a:spcPts val="500"/>
+              </a:spcBef>
+              <a:buSzPct val="125000"/>
+              <a:buFont typeface="Arial" panose="020B0604020202020204" pitchFamily="34" charset="0"/>
+              <a:buChar char="•"/>
+              <a:defRPr sz="1400" kern="1200">
+                <a:solidFill>
+                  <a:schemeClr val="tx1"/>
+                </a:solidFill>
+                <a:latin typeface="+mn-lt"/>
+                <a:ea typeface="+mn-ea"/>
+                <a:cs typeface="+mn-cs"/>
+              </a:defRPr>
+            </a:lvl7pPr>
+            <a:lvl8pPr marL="3429000" indent="-228600" algn="l" defTabSz="914400" rtl="0" eaLnBrk="1" latinLnBrk="0" hangingPunct="1">
+              <a:lnSpc>
+                <a:spcPct val="120000"/>
+              </a:lnSpc>
+              <a:spcBef>
+                <a:spcPts val="500"/>
+              </a:spcBef>
+              <a:buSzPct val="125000"/>
+              <a:buFont typeface="Arial" panose="020B0604020202020204" pitchFamily="34" charset="0"/>
+              <a:buChar char="•"/>
+              <a:defRPr sz="1400" kern="1200">
+                <a:solidFill>
+                  <a:schemeClr val="tx1"/>
+                </a:solidFill>
+                <a:latin typeface="+mn-lt"/>
+                <a:ea typeface="+mn-ea"/>
+                <a:cs typeface="+mn-cs"/>
+              </a:defRPr>
+            </a:lvl8pPr>
+            <a:lvl9pPr marL="3886200" indent="-228600" algn="l" defTabSz="914400" rtl="0" eaLnBrk="1" latinLnBrk="0" hangingPunct="1">
+              <a:lnSpc>
+                <a:spcPct val="120000"/>
+              </a:lnSpc>
+              <a:spcBef>
+                <a:spcPts val="500"/>
+              </a:spcBef>
+              <a:buSzPct val="125000"/>
+              <a:buFont typeface="Arial" panose="020B0604020202020204" pitchFamily="34" charset="0"/>
+              <a:buChar char="•"/>
+              <a:defRPr sz="1400" kern="1200">
+                <a:solidFill>
+                  <a:schemeClr val="tx1"/>
+                </a:solidFill>
+                <a:latin typeface="+mn-lt"/>
+                <a:ea typeface="+mn-ea"/>
+                <a:cs typeface="+mn-cs"/>
+              </a:defRPr>
+            </a:lvl9pPr>
+          </a:lstStyle>
+          <a:p>
+            <a:r>
+              <a:rPr lang="en-US" dirty="0" err="1"/>
+              <a:t>Kaloyan</a:t>
+            </a:r>
+            <a:r>
+              <a:rPr lang="en-US" dirty="0"/>
+              <a:t> </a:t>
+            </a:r>
+            <a:r>
+              <a:rPr lang="en-US" dirty="0" err="1"/>
+              <a:t>Dimov</a:t>
+            </a:r>
+            <a:endParaRPr lang="en-US" dirty="0"/>
+          </a:p>
+          <a:p>
+            <a:r>
+              <a:rPr lang="en-US" dirty="0"/>
+              <a:t>Back-end Developer</a:t>
+            </a:r>
+          </a:p>
+        </p:txBody>
+      </p:sp>
+      <p:pic>
+        <p:nvPicPr>
+          <p:cNvPr id="17" name="Picture 16" descr="A person wearing glasses&#10;&#10;Description automatically generated with medium confidence">
+            <a:extLst>
+              <a:ext uri="{FF2B5EF4-FFF2-40B4-BE49-F238E27FC236}">
+                <a16:creationId xmlns:a16="http://schemas.microsoft.com/office/drawing/2014/main" id="{6ADCFF66-0B9F-BAFF-2D7D-5791AB7428A3}"/>
+              </a:ext>
+            </a:extLst>
+          </p:cNvPr>
+          <p:cNvPicPr>
+            <a:picLocks noChangeAspect="1"/>
+          </p:cNvPicPr>
+          <p:nvPr/>
+        </p:nvPicPr>
+        <p:blipFill>
+          <a:blip r:embed="rId5"/>
+          <a:stretch>
+            <a:fillRect/>
+          </a:stretch>
+        </p:blipFill>
+        <p:spPr>
+          <a:xfrm>
+            <a:off x="9304506" y="1961876"/>
+            <a:ext cx="2086951" cy="2086951"/>
+          </a:xfrm>
+          <a:prstGeom prst="rect">
+            <a:avLst/>
+          </a:prstGeom>
+        </p:spPr>
+      </p:pic>
+      <p:sp>
+        <p:nvSpPr>
+          <p:cNvPr id="18" name="Content Placeholder 12">
+            <a:extLst>
+              <a:ext uri="{FF2B5EF4-FFF2-40B4-BE49-F238E27FC236}">
+                <a16:creationId xmlns:a16="http://schemas.microsoft.com/office/drawing/2014/main" id="{95E2927D-D823-4A53-C415-945BEF408C67}"/>
+              </a:ext>
+            </a:extLst>
+          </p:cNvPr>
+          <p:cNvSpPr txBox="1">
+            <a:spLocks/>
+          </p:cNvSpPr>
+          <p:nvPr/>
+        </p:nvSpPr>
+        <p:spPr>
+          <a:xfrm>
+            <a:off x="9071052" y="4414389"/>
+            <a:ext cx="2690381" cy="1282985"/>
+          </a:xfrm>
+          <a:prstGeom prst="rect">
+            <a:avLst/>
+          </a:prstGeom>
+        </p:spPr>
+        <p:txBody>
+          <a:bodyPr vert="horz" lIns="91440" tIns="45720" rIns="91440" bIns="45720" rtlCol="0">
+            <a:normAutofit/>
+          </a:bodyPr>
+          <a:lstStyle>
+            <a:lvl1pPr marL="228600" indent="-228600" algn="l" defTabSz="914400" rtl="0" eaLnBrk="1" latinLnBrk="0" hangingPunct="1">
+              <a:lnSpc>
+                <a:spcPct val="120000"/>
+              </a:lnSpc>
+              <a:spcBef>
+                <a:spcPts val="1000"/>
+              </a:spcBef>
+              <a:buSzPct val="125000"/>
+              <a:buFont typeface="Arial" panose="020B0604020202020204" pitchFamily="34" charset="0"/>
+              <a:buChar char="•"/>
+              <a:defRPr sz="2400" kern="1200">
+                <a:solidFill>
+                  <a:schemeClr val="tx1"/>
+                </a:solidFill>
+                <a:latin typeface="+mn-lt"/>
+                <a:ea typeface="+mn-ea"/>
+                <a:cs typeface="+mn-cs"/>
+              </a:defRPr>
+            </a:lvl1pPr>
+            <a:lvl2pPr marL="685800" indent="-228600" algn="l" defTabSz="914400" rtl="0" eaLnBrk="1" latinLnBrk="0" hangingPunct="1">
+              <a:lnSpc>
+                <a:spcPct val="120000"/>
+              </a:lnSpc>
+              <a:spcBef>
+                <a:spcPts val="500"/>
+              </a:spcBef>
+              <a:buSzPct val="125000"/>
+              <a:buFont typeface="Arial" panose="020B0604020202020204" pitchFamily="34" charset="0"/>
+              <a:buChar char="•"/>
+              <a:defRPr sz="2000" kern="1200">
+                <a:solidFill>
+                  <a:schemeClr val="tx1"/>
+                </a:solidFill>
+                <a:latin typeface="+mn-lt"/>
+                <a:ea typeface="+mn-ea"/>
+                <a:cs typeface="+mn-cs"/>
+              </a:defRPr>
+            </a:lvl2pPr>
+            <a:lvl3pPr marL="1143000" indent="-228600" algn="l" defTabSz="914400" rtl="0" eaLnBrk="1" latinLnBrk="0" hangingPunct="1">
+              <a:lnSpc>
+                <a:spcPct val="120000"/>
+              </a:lnSpc>
+              <a:spcBef>
+                <a:spcPts val="500"/>
+              </a:spcBef>
+              <a:buSzPct val="125000"/>
+              <a:buFont typeface="Arial" panose="020B0604020202020204" pitchFamily="34" charset="0"/>
+              <a:buChar char="•"/>
+              <a:defRPr sz="1800" kern="1200">
+                <a:solidFill>
+                  <a:schemeClr val="tx1"/>
+                </a:solidFill>
+                <a:latin typeface="+mn-lt"/>
+                <a:ea typeface="+mn-ea"/>
+                <a:cs typeface="+mn-cs"/>
+              </a:defRPr>
+            </a:lvl3pPr>
+            <a:lvl4pPr marL="1600200" indent="-228600" algn="l" defTabSz="914400" rtl="0" eaLnBrk="1" latinLnBrk="0" hangingPunct="1">
+              <a:lnSpc>
+                <a:spcPct val="120000"/>
+              </a:lnSpc>
+              <a:spcBef>
+                <a:spcPts val="500"/>
+              </a:spcBef>
+              <a:buSzPct val="125000"/>
+              <a:buFont typeface="Arial" panose="020B0604020202020204" pitchFamily="34" charset="0"/>
+              <a:buChar char="•"/>
+              <a:defRPr sz="1600" kern="1200">
+                <a:solidFill>
+                  <a:schemeClr val="tx1"/>
+                </a:solidFill>
+                <a:latin typeface="+mn-lt"/>
+                <a:ea typeface="+mn-ea"/>
+                <a:cs typeface="+mn-cs"/>
+              </a:defRPr>
+            </a:lvl4pPr>
+            <a:lvl5pPr marL="2057400" indent="-228600" algn="l" defTabSz="914400" rtl="0" eaLnBrk="1" latinLnBrk="0" hangingPunct="1">
+              <a:lnSpc>
+                <a:spcPct val="120000"/>
+              </a:lnSpc>
+              <a:spcBef>
+                <a:spcPts val="500"/>
+              </a:spcBef>
+              <a:buSzPct val="125000"/>
+              <a:buFont typeface="Arial" panose="020B0604020202020204" pitchFamily="34" charset="0"/>
+              <a:buChar char="•"/>
+              <a:defRPr sz="1600" kern="1200">
+                <a:solidFill>
+                  <a:schemeClr val="tx1"/>
+                </a:solidFill>
+                <a:latin typeface="+mn-lt"/>
+                <a:ea typeface="+mn-ea"/>
+                <a:cs typeface="+mn-cs"/>
+              </a:defRPr>
+            </a:lvl5pPr>
+            <a:lvl6pPr marL="2514600" indent="-228600" algn="l" defTabSz="914400" rtl="0" eaLnBrk="1" latinLnBrk="0" hangingPunct="1">
+              <a:lnSpc>
+                <a:spcPct val="120000"/>
+              </a:lnSpc>
+              <a:spcBef>
+                <a:spcPts val="500"/>
+              </a:spcBef>
+              <a:buSzPct val="125000"/>
+              <a:buFont typeface="Arial" panose="020B0604020202020204" pitchFamily="34" charset="0"/>
+              <a:buChar char="•"/>
+              <a:defRPr sz="1400" kern="1200">
+                <a:solidFill>
+                  <a:schemeClr val="tx1"/>
+                </a:solidFill>
+                <a:latin typeface="+mn-lt"/>
+                <a:ea typeface="+mn-ea"/>
+                <a:cs typeface="+mn-cs"/>
+              </a:defRPr>
+            </a:lvl6pPr>
+            <a:lvl7pPr marL="2971800" indent="-228600" algn="l" defTabSz="914400" rtl="0" eaLnBrk="1" latinLnBrk="0" hangingPunct="1">
+              <a:lnSpc>
+                <a:spcPct val="120000"/>
+              </a:lnSpc>
+              <a:spcBef>
+                <a:spcPts val="500"/>
+              </a:spcBef>
+              <a:buSzPct val="125000"/>
+              <a:buFont typeface="Arial" panose="020B0604020202020204" pitchFamily="34" charset="0"/>
+              <a:buChar char="•"/>
+              <a:defRPr sz="1400" kern="1200">
+                <a:solidFill>
+                  <a:schemeClr val="tx1"/>
+                </a:solidFill>
+                <a:latin typeface="+mn-lt"/>
+                <a:ea typeface="+mn-ea"/>
+                <a:cs typeface="+mn-cs"/>
+              </a:defRPr>
+            </a:lvl7pPr>
+            <a:lvl8pPr marL="3429000" indent="-228600" algn="l" defTabSz="914400" rtl="0" eaLnBrk="1" latinLnBrk="0" hangingPunct="1">
+              <a:lnSpc>
+                <a:spcPct val="120000"/>
+              </a:lnSpc>
+              <a:spcBef>
+                <a:spcPts val="500"/>
+              </a:spcBef>
+              <a:buSzPct val="125000"/>
+              <a:buFont typeface="Arial" panose="020B0604020202020204" pitchFamily="34" charset="0"/>
+              <a:buChar char="•"/>
+              <a:defRPr sz="1400" kern="1200">
+                <a:solidFill>
+                  <a:schemeClr val="tx1"/>
+                </a:solidFill>
+                <a:latin typeface="+mn-lt"/>
+                <a:ea typeface="+mn-ea"/>
+                <a:cs typeface="+mn-cs"/>
+              </a:defRPr>
+            </a:lvl8pPr>
+            <a:lvl9pPr marL="3886200" indent="-228600" algn="l" defTabSz="914400" rtl="0" eaLnBrk="1" latinLnBrk="0" hangingPunct="1">
+              <a:lnSpc>
+                <a:spcPct val="120000"/>
+              </a:lnSpc>
+              <a:spcBef>
+                <a:spcPts val="500"/>
+              </a:spcBef>
+              <a:buSzPct val="125000"/>
+              <a:buFont typeface="Arial" panose="020B0604020202020204" pitchFamily="34" charset="0"/>
+              <a:buChar char="•"/>
+              <a:defRPr sz="1400" kern="1200">
+                <a:solidFill>
+                  <a:schemeClr val="tx1"/>
+                </a:solidFill>
+                <a:latin typeface="+mn-lt"/>
+                <a:ea typeface="+mn-ea"/>
+                <a:cs typeface="+mn-cs"/>
+              </a:defRPr>
+            </a:lvl9pPr>
+          </a:lstStyle>
+          <a:p>
+            <a:r>
+              <a:rPr lang="en-US" dirty="0"/>
+              <a:t>Konstantin </a:t>
+            </a:r>
+            <a:r>
+              <a:rPr lang="en-US" dirty="0" err="1"/>
+              <a:t>Dinev</a:t>
+            </a:r>
+            <a:endParaRPr lang="en-US" dirty="0"/>
+          </a:p>
+          <a:p>
+            <a:r>
+              <a:rPr lang="en-US" dirty="0"/>
+              <a:t>QA </a:t>
+            </a:r>
+            <a:r>
+              <a:rPr lang="en-US" dirty="0" err="1"/>
+              <a:t>Enginner</a:t>
+            </a:r>
+            <a:endParaRPr lang="en-US" dirty="0"/>
+          </a:p>
+        </p:txBody>
+      </p:sp>
     </p:spTree>
     <p:extLst>
       <p:ext uri="{BB962C8B-B14F-4D97-AF65-F5344CB8AC3E}">
@@ -18770,15 +16141,6 @@
 </file>
 
 <file path=customXml/item1.xml><?xml version="1.0" encoding="utf-8"?>
-<?mso-contentType ?>
-<FormTemplates xmlns="http://schemas.microsoft.com/sharepoint/v3/contenttype/forms">
-  <Display>DocumentLibraryForm</Display>
-  <Edit>DocumentLibraryForm</Edit>
-  <New>DocumentLibraryForm</New>
-</FormTemplates>
-</file>
-
-<file path=customXml/item2.xml><?xml version="1.0" encoding="utf-8"?>
 <ct:contentTypeSchema xmlns:ct="http://schemas.microsoft.com/office/2006/metadata/contentType" xmlns:ma="http://schemas.microsoft.com/office/2006/metadata/properties/metaAttributes" ct:_="" ma:_="" ma:contentTypeName="Document" ma:contentTypeID="0x01010079F111ED35F8CC479449609E8A0923A6" ma:contentTypeVersion="11" ma:contentTypeDescription="Create a new document." ma:contentTypeScope="" ma:versionID="96291512c1ee715ab617f4c07df79fc1">
   <xsd:schema xmlns:xsd="http://www.w3.org/2001/XMLSchema" xmlns:xs="http://www.w3.org/2001/XMLSchema" xmlns:p="http://schemas.microsoft.com/office/2006/metadata/properties" xmlns:ns2="71af3243-3dd4-4a8d-8c0d-dd76da1f02a5" xmlns:ns3="16c05727-aa75-4e4a-9b5f-8a80a1165891" targetNamespace="http://schemas.microsoft.com/office/2006/metadata/properties" ma:root="true" ma:fieldsID="8256c27c40ca5c40ce1cf6c44f0205df" ns2:_="" ns3:_="">
     <xsd:import namespace="71af3243-3dd4-4a8d-8c0d-dd76da1f02a5"/>
@@ -18989,6 +16351,15 @@
 </ct:contentTypeSchema>
 </file>
 
+<file path=customXml/item2.xml><?xml version="1.0" encoding="utf-8"?>
+<?mso-contentType ?>
+<FormTemplates xmlns="http://schemas.microsoft.com/sharepoint/v3/contenttype/forms">
+  <Display>DocumentLibraryForm</Display>
+  <Edit>DocumentLibraryForm</Edit>
+  <New>DocumentLibraryForm</New>
+</FormTemplates>
+</file>
+
 <file path=customXml/item3.xml><?xml version="1.0" encoding="utf-8"?>
 <p:properties xmlns:p="http://schemas.microsoft.com/office/2006/metadata/properties" xmlns:xsi="http://www.w3.org/2001/XMLSchema-instance" xmlns:pc="http://schemas.microsoft.com/office/infopath/2007/PartnerControls">
   <documentManagement>
@@ -18998,14 +16369,6 @@
 </file>
 
 <file path=customXml/itemProps1.xml><?xml version="1.0" encoding="utf-8"?>
-<ds:datastoreItem xmlns:ds="http://schemas.openxmlformats.org/officeDocument/2006/customXml" ds:itemID="{B579702B-25C7-40D7-9E29-7686B11A9660}">
-  <ds:schemaRefs>
-    <ds:schemaRef ds:uri="http://schemas.microsoft.com/sharepoint/v3/contenttype/forms"/>
-  </ds:schemaRefs>
-</ds:datastoreItem>
-</file>
-
-<file path=customXml/itemProps2.xml><?xml version="1.0" encoding="utf-8"?>
 <ds:datastoreItem xmlns:ds="http://schemas.openxmlformats.org/officeDocument/2006/customXml" ds:itemID="{A7C0B241-13E5-418D-8920-D23491E2D2C0}">
   <ds:schemaRefs>
     <ds:schemaRef ds:uri="http://schemas.microsoft.com/office/2006/metadata/contentType"/>
@@ -19024,6 +16387,14 @@
 </ds:datastoreItem>
 </file>
 
+<file path=customXml/itemProps2.xml><?xml version="1.0" encoding="utf-8"?>
+<ds:datastoreItem xmlns:ds="http://schemas.openxmlformats.org/officeDocument/2006/customXml" ds:itemID="{B579702B-25C7-40D7-9E29-7686B11A9660}">
+  <ds:schemaRefs>
+    <ds:schemaRef ds:uri="http://schemas.microsoft.com/sharepoint/v3/contenttype/forms"/>
+  </ds:schemaRefs>
+</ds:datastoreItem>
+</file>
+
 <file path=customXml/itemProps3.xml><?xml version="1.0" encoding="utf-8"?>
 <ds:datastoreItem xmlns:ds="http://schemas.openxmlformats.org/officeDocument/2006/customXml" ds:itemID="{E7866CFD-F94E-4AE5-ACEA-86FEC0F48A10}">
   <ds:schemaRefs>

--- a/Documents/Presentation.pptx
+++ b/Documents/Presentation.pptx
@@ -805,7 +805,7 @@
           <a:noFill/>
           <a:extLst>
             <a:ext uri="{909E8E84-426E-40dd-AFC4-6F175D3DCCD1}">
-              <a14:hiddenFill xmlns:a14="http://schemas.microsoft.com/office/drawing/2010/main" xmlns="">
+              <a14:hiddenFill xmlns="" xmlns:a14="http://schemas.microsoft.com/office/drawing/2010/main">
                 <a:solidFill>
                   <a:srgbClr val="FFFFFF"/>
                 </a:solidFill>
@@ -864,7 +864,7 @@
             </a:ln>
             <a:extLst>
               <a:ext uri="{91240B29-F687-4f45-9708-019B960494DF}">
-                <a14:hiddenLine xmlns:a14="http://schemas.microsoft.com/office/drawing/2010/main" xmlns="" w="9525">
+                <a14:hiddenLine xmlns="" xmlns:a14="http://schemas.microsoft.com/office/drawing/2010/main" w="9525">
                   <a:solidFill>
                     <a:srgbClr val="000000"/>
                   </a:solidFill>
@@ -954,7 +954,7 @@
             </a:ln>
             <a:extLst>
               <a:ext uri="{91240B29-F687-4f45-9708-019B960494DF}">
-                <a14:hiddenLine xmlns:a14="http://schemas.microsoft.com/office/drawing/2010/main" xmlns="" w="9525">
+                <a14:hiddenLine xmlns="" xmlns:a14="http://schemas.microsoft.com/office/drawing/2010/main" w="9525">
                   <a:solidFill>
                     <a:srgbClr val="000000"/>
                   </a:solidFill>
@@ -1044,7 +1044,7 @@
             </a:ln>
             <a:extLst>
               <a:ext uri="{91240B29-F687-4f45-9708-019B960494DF}">
-                <a14:hiddenLine xmlns:a14="http://schemas.microsoft.com/office/drawing/2010/main" xmlns="" w="9525">
+                <a14:hiddenLine xmlns="" xmlns:a14="http://schemas.microsoft.com/office/drawing/2010/main" w="9525">
                   <a:solidFill>
                     <a:srgbClr val="000000"/>
                   </a:solidFill>
@@ -1078,7 +1078,7 @@
             </a:ln>
             <a:extLst>
               <a:ext uri="{91240B29-F687-4f45-9708-019B960494DF}">
-                <a14:hiddenLine xmlns:a14="http://schemas.microsoft.com/office/drawing/2010/main" xmlns="" w="9525">
+                <a14:hiddenLine xmlns="" xmlns:a14="http://schemas.microsoft.com/office/drawing/2010/main" w="9525">
                   <a:solidFill>
                     <a:srgbClr val="000000"/>
                   </a:solidFill>
@@ -1168,7 +1168,7 @@
             </a:ln>
             <a:extLst>
               <a:ext uri="{91240B29-F687-4f45-9708-019B960494DF}">
-                <a14:hiddenLine xmlns:a14="http://schemas.microsoft.com/office/drawing/2010/main" xmlns="" w="9525">
+                <a14:hiddenLine xmlns="" xmlns:a14="http://schemas.microsoft.com/office/drawing/2010/main" w="9525">
                   <a:solidFill>
                     <a:srgbClr val="000000"/>
                   </a:solidFill>
@@ -1230,7 +1230,7 @@
             </a:ln>
             <a:extLst>
               <a:ext uri="{91240B29-F687-4f45-9708-019B960494DF}">
-                <a14:hiddenLine xmlns:a14="http://schemas.microsoft.com/office/drawing/2010/main" xmlns="" w="9525">
+                <a14:hiddenLine xmlns="" xmlns:a14="http://schemas.microsoft.com/office/drawing/2010/main" w="9525">
                   <a:solidFill>
                     <a:srgbClr val="000000"/>
                   </a:solidFill>
@@ -1292,7 +1292,7 @@
             </a:ln>
             <a:extLst>
               <a:ext uri="{91240B29-F687-4f45-9708-019B960494DF}">
-                <a14:hiddenLine xmlns:a14="http://schemas.microsoft.com/office/drawing/2010/main" xmlns="" w="9525">
+                <a14:hiddenLine xmlns="" xmlns:a14="http://schemas.microsoft.com/office/drawing/2010/main" w="9525">
                   <a:solidFill>
                     <a:srgbClr val="000000"/>
                   </a:solidFill>
@@ -1382,7 +1382,7 @@
             </a:ln>
             <a:extLst>
               <a:ext uri="{91240B29-F687-4f45-9708-019B960494DF}">
-                <a14:hiddenLine xmlns:a14="http://schemas.microsoft.com/office/drawing/2010/main" xmlns="" w="9525">
+                <a14:hiddenLine xmlns="" xmlns:a14="http://schemas.microsoft.com/office/drawing/2010/main" w="9525">
                   <a:solidFill>
                     <a:srgbClr val="000000"/>
                   </a:solidFill>
@@ -1444,7 +1444,7 @@
             </a:ln>
             <a:extLst>
               <a:ext uri="{91240B29-F687-4f45-9708-019B960494DF}">
-                <a14:hiddenLine xmlns:a14="http://schemas.microsoft.com/office/drawing/2010/main" xmlns="" w="9525">
+                <a14:hiddenLine xmlns="" xmlns:a14="http://schemas.microsoft.com/office/drawing/2010/main" w="9525">
                   <a:solidFill>
                     <a:srgbClr val="000000"/>
                   </a:solidFill>
@@ -1506,7 +1506,7 @@
             </a:ln>
             <a:extLst>
               <a:ext uri="{91240B29-F687-4f45-9708-019B960494DF}">
-                <a14:hiddenLine xmlns:a14="http://schemas.microsoft.com/office/drawing/2010/main" xmlns="" w="9525">
+                <a14:hiddenLine xmlns="" xmlns:a14="http://schemas.microsoft.com/office/drawing/2010/main" w="9525">
                   <a:solidFill>
                     <a:srgbClr val="000000"/>
                   </a:solidFill>
@@ -1596,7 +1596,7 @@
             </a:ln>
             <a:extLst>
               <a:ext uri="{91240B29-F687-4f45-9708-019B960494DF}">
-                <a14:hiddenLine xmlns:a14="http://schemas.microsoft.com/office/drawing/2010/main" xmlns="" w="9525">
+                <a14:hiddenLine xmlns="" xmlns:a14="http://schemas.microsoft.com/office/drawing/2010/main" w="9525">
                   <a:solidFill>
                     <a:srgbClr val="000000"/>
                   </a:solidFill>
@@ -1686,7 +1686,7 @@
             </a:ln>
             <a:extLst>
               <a:ext uri="{91240B29-F687-4f45-9708-019B960494DF}">
-                <a14:hiddenLine xmlns:a14="http://schemas.microsoft.com/office/drawing/2010/main" xmlns="" w="9525">
+                <a14:hiddenLine xmlns="" xmlns:a14="http://schemas.microsoft.com/office/drawing/2010/main" w="9525">
                   <a:solidFill>
                     <a:srgbClr val="000000"/>
                   </a:solidFill>
@@ -1748,7 +1748,7 @@
             </a:ln>
             <a:extLst>
               <a:ext uri="{91240B29-F687-4f45-9708-019B960494DF}">
-                <a14:hiddenLine xmlns:a14="http://schemas.microsoft.com/office/drawing/2010/main" xmlns="" w="9525">
+                <a14:hiddenLine xmlns="" xmlns:a14="http://schemas.microsoft.com/office/drawing/2010/main" w="9525">
                   <a:solidFill>
                     <a:srgbClr val="000000"/>
                   </a:solidFill>
@@ -1858,7 +1858,7 @@
             </a:ln>
             <a:extLst>
               <a:ext uri="{91240B29-F687-4f45-9708-019B960494DF}">
-                <a14:hiddenLine xmlns:a14="http://schemas.microsoft.com/office/drawing/2010/main" xmlns="" w="9525">
+                <a14:hiddenLine xmlns="" xmlns:a14="http://schemas.microsoft.com/office/drawing/2010/main" w="9525">
                   <a:solidFill>
                     <a:srgbClr val="000000"/>
                   </a:solidFill>
@@ -1920,7 +1920,7 @@
             </a:ln>
             <a:extLst>
               <a:ext uri="{91240B29-F687-4f45-9708-019B960494DF}">
-                <a14:hiddenLine xmlns:a14="http://schemas.microsoft.com/office/drawing/2010/main" xmlns="" w="9525">
+                <a14:hiddenLine xmlns="" xmlns:a14="http://schemas.microsoft.com/office/drawing/2010/main" w="9525">
                   <a:solidFill>
                     <a:srgbClr val="000000"/>
                   </a:solidFill>
@@ -2010,7 +2010,7 @@
             </a:ln>
             <a:extLst>
               <a:ext uri="{91240B29-F687-4f45-9708-019B960494DF}">
-                <a14:hiddenLine xmlns:a14="http://schemas.microsoft.com/office/drawing/2010/main" xmlns="" w="9525">
+                <a14:hiddenLine xmlns="" xmlns:a14="http://schemas.microsoft.com/office/drawing/2010/main" w="9525">
                   <a:solidFill>
                     <a:srgbClr val="000000"/>
                   </a:solidFill>
@@ -2100,7 +2100,7 @@
             </a:ln>
             <a:extLst>
               <a:ext uri="{91240B29-F687-4f45-9708-019B960494DF}">
-                <a14:hiddenLine xmlns:a14="http://schemas.microsoft.com/office/drawing/2010/main" xmlns="" w="9525">
+                <a14:hiddenLine xmlns="" xmlns:a14="http://schemas.microsoft.com/office/drawing/2010/main" w="9525">
                   <a:solidFill>
                     <a:srgbClr val="000000"/>
                   </a:solidFill>
@@ -2162,7 +2162,7 @@
             </a:ln>
             <a:extLst>
               <a:ext uri="{91240B29-F687-4f45-9708-019B960494DF}">
-                <a14:hiddenLine xmlns:a14="http://schemas.microsoft.com/office/drawing/2010/main" xmlns="" w="9525">
+                <a14:hiddenLine xmlns="" xmlns:a14="http://schemas.microsoft.com/office/drawing/2010/main" w="9525">
                   <a:solidFill>
                     <a:srgbClr val="000000"/>
                   </a:solidFill>
@@ -2252,7 +2252,7 @@
             </a:ln>
             <a:extLst>
               <a:ext uri="{91240B29-F687-4f45-9708-019B960494DF}">
-                <a14:hiddenLine xmlns:a14="http://schemas.microsoft.com/office/drawing/2010/main" xmlns="" w="9525">
+                <a14:hiddenLine xmlns="" xmlns:a14="http://schemas.microsoft.com/office/drawing/2010/main" w="9525">
                   <a:solidFill>
                     <a:srgbClr val="000000"/>
                   </a:solidFill>
@@ -2342,7 +2342,7 @@
             </a:ln>
             <a:extLst>
               <a:ext uri="{91240B29-F687-4f45-9708-019B960494DF}">
-                <a14:hiddenLine xmlns:a14="http://schemas.microsoft.com/office/drawing/2010/main" xmlns="" w="9525">
+                <a14:hiddenLine xmlns="" xmlns:a14="http://schemas.microsoft.com/office/drawing/2010/main" w="9525">
                   <a:solidFill>
                     <a:srgbClr val="000000"/>
                   </a:solidFill>
@@ -2398,7 +2398,7 @@
             </a:ln>
             <a:extLst>
               <a:ext uri="{91240B29-F687-4f45-9708-019B960494DF}">
-                <a14:hiddenLine xmlns:a14="http://schemas.microsoft.com/office/drawing/2010/main" xmlns="" w="9525">
+                <a14:hiddenLine xmlns="" xmlns:a14="http://schemas.microsoft.com/office/drawing/2010/main" w="9525">
                   <a:solidFill>
                     <a:srgbClr val="000000"/>
                   </a:solidFill>
@@ -2488,7 +2488,7 @@
             </a:ln>
             <a:extLst>
               <a:ext uri="{91240B29-F687-4f45-9708-019B960494DF}">
-                <a14:hiddenLine xmlns:a14="http://schemas.microsoft.com/office/drawing/2010/main" xmlns="" w="9525">
+                <a14:hiddenLine xmlns="" xmlns:a14="http://schemas.microsoft.com/office/drawing/2010/main" w="9525">
                   <a:solidFill>
                     <a:srgbClr val="000000"/>
                   </a:solidFill>
@@ -2544,7 +2544,7 @@
             </a:ln>
             <a:extLst>
               <a:ext uri="{91240B29-F687-4f45-9708-019B960494DF}">
-                <a14:hiddenLine xmlns:a14="http://schemas.microsoft.com/office/drawing/2010/main" xmlns="" w="9525">
+                <a14:hiddenLine xmlns="" xmlns:a14="http://schemas.microsoft.com/office/drawing/2010/main" w="9525">
                   <a:solidFill>
                     <a:srgbClr val="000000"/>
                   </a:solidFill>
@@ -2634,7 +2634,7 @@
             </a:ln>
             <a:extLst>
               <a:ext uri="{91240B29-F687-4f45-9708-019B960494DF}">
-                <a14:hiddenLine xmlns:a14="http://schemas.microsoft.com/office/drawing/2010/main" xmlns="" w="9525">
+                <a14:hiddenLine xmlns="" xmlns:a14="http://schemas.microsoft.com/office/drawing/2010/main" w="9525">
                   <a:solidFill>
                     <a:srgbClr val="000000"/>
                   </a:solidFill>
@@ -2702,7 +2702,7 @@
             </a:ln>
             <a:extLst>
               <a:ext uri="{91240B29-F687-4f45-9708-019B960494DF}">
-                <a14:hiddenLine xmlns:a14="http://schemas.microsoft.com/office/drawing/2010/main" xmlns="" w="9525">
+                <a14:hiddenLine xmlns="" xmlns:a14="http://schemas.microsoft.com/office/drawing/2010/main" w="9525">
                   <a:solidFill>
                     <a:srgbClr val="000000"/>
                   </a:solidFill>
@@ -2792,7 +2792,7 @@
             </a:ln>
             <a:extLst>
               <a:ext uri="{91240B29-F687-4f45-9708-019B960494DF}">
-                <a14:hiddenLine xmlns:a14="http://schemas.microsoft.com/office/drawing/2010/main" xmlns="" w="9525">
+                <a14:hiddenLine xmlns="" xmlns:a14="http://schemas.microsoft.com/office/drawing/2010/main" w="9525">
                   <a:solidFill>
                     <a:srgbClr val="000000"/>
                   </a:solidFill>
@@ -2860,7 +2860,7 @@
             </a:ln>
             <a:extLst>
               <a:ext uri="{91240B29-F687-4f45-9708-019B960494DF}">
-                <a14:hiddenLine xmlns:a14="http://schemas.microsoft.com/office/drawing/2010/main" xmlns="" w="9525">
+                <a14:hiddenLine xmlns="" xmlns:a14="http://schemas.microsoft.com/office/drawing/2010/main" w="9525">
                   <a:solidFill>
                     <a:srgbClr val="000000"/>
                   </a:solidFill>
@@ -2950,7 +2950,7 @@
             </a:ln>
             <a:extLst>
               <a:ext uri="{91240B29-F687-4f45-9708-019B960494DF}">
-                <a14:hiddenLine xmlns:a14="http://schemas.microsoft.com/office/drawing/2010/main" xmlns="" w="9525">
+                <a14:hiddenLine xmlns="" xmlns:a14="http://schemas.microsoft.com/office/drawing/2010/main" w="9525">
                   <a:solidFill>
                     <a:srgbClr val="000000"/>
                   </a:solidFill>
@@ -2984,7 +2984,7 @@
             </a:ln>
             <a:extLst>
               <a:ext uri="{91240B29-F687-4f45-9708-019B960494DF}">
-                <a14:hiddenLine xmlns:a14="http://schemas.microsoft.com/office/drawing/2010/main" xmlns="" w="9525">
+                <a14:hiddenLine xmlns="" xmlns:a14="http://schemas.microsoft.com/office/drawing/2010/main" w="9525">
                   <a:solidFill>
                     <a:srgbClr val="000000"/>
                   </a:solidFill>
@@ -3074,7 +3074,7 @@
             </a:ln>
             <a:extLst>
               <a:ext uri="{91240B29-F687-4f45-9708-019B960494DF}">
-                <a14:hiddenLine xmlns:a14="http://schemas.microsoft.com/office/drawing/2010/main" xmlns="" w="9525">
+                <a14:hiddenLine xmlns="" xmlns:a14="http://schemas.microsoft.com/office/drawing/2010/main" w="9525">
                   <a:solidFill>
                     <a:srgbClr val="000000"/>
                   </a:solidFill>
@@ -3136,7 +3136,7 @@
             </a:ln>
             <a:extLst>
               <a:ext uri="{91240B29-F687-4f45-9708-019B960494DF}">
-                <a14:hiddenLine xmlns:a14="http://schemas.microsoft.com/office/drawing/2010/main" xmlns="" w="9525">
+                <a14:hiddenLine xmlns="" xmlns:a14="http://schemas.microsoft.com/office/drawing/2010/main" w="9525">
                   <a:solidFill>
                     <a:srgbClr val="000000"/>
                   </a:solidFill>
@@ -3198,7 +3198,7 @@
             </a:ln>
             <a:extLst>
               <a:ext uri="{91240B29-F687-4f45-9708-019B960494DF}">
-                <a14:hiddenLine xmlns:a14="http://schemas.microsoft.com/office/drawing/2010/main" xmlns="" w="9525">
+                <a14:hiddenLine xmlns="" xmlns:a14="http://schemas.microsoft.com/office/drawing/2010/main" w="9525">
                   <a:solidFill>
                     <a:srgbClr val="000000"/>
                   </a:solidFill>
@@ -3288,7 +3288,7 @@
             </a:ln>
             <a:extLst>
               <a:ext uri="{91240B29-F687-4f45-9708-019B960494DF}">
-                <a14:hiddenLine xmlns:a14="http://schemas.microsoft.com/office/drawing/2010/main" xmlns="" w="9525">
+                <a14:hiddenLine xmlns="" xmlns:a14="http://schemas.microsoft.com/office/drawing/2010/main" w="9525">
                   <a:solidFill>
                     <a:srgbClr val="000000"/>
                   </a:solidFill>
@@ -3356,7 +3356,7 @@
             </a:ln>
             <a:extLst>
               <a:ext uri="{91240B29-F687-4f45-9708-019B960494DF}">
-                <a14:hiddenLine xmlns:a14="http://schemas.microsoft.com/office/drawing/2010/main" xmlns="" w="9525">
+                <a14:hiddenLine xmlns="" xmlns:a14="http://schemas.microsoft.com/office/drawing/2010/main" w="9525">
                   <a:solidFill>
                     <a:srgbClr val="000000"/>
                   </a:solidFill>
@@ -3418,7 +3418,7 @@
             </a:ln>
             <a:extLst>
               <a:ext uri="{91240B29-F687-4f45-9708-019B960494DF}">
-                <a14:hiddenLine xmlns:a14="http://schemas.microsoft.com/office/drawing/2010/main" xmlns="" w="9525">
+                <a14:hiddenLine xmlns="" xmlns:a14="http://schemas.microsoft.com/office/drawing/2010/main" w="9525">
                   <a:solidFill>
                     <a:srgbClr val="000000"/>
                   </a:solidFill>
@@ -3508,7 +3508,7 @@
             </a:ln>
             <a:extLst>
               <a:ext uri="{91240B29-F687-4f45-9708-019B960494DF}">
-                <a14:hiddenLine xmlns:a14="http://schemas.microsoft.com/office/drawing/2010/main" xmlns="" w="9525">
+                <a14:hiddenLine xmlns="" xmlns:a14="http://schemas.microsoft.com/office/drawing/2010/main" w="9525">
                   <a:solidFill>
                     <a:srgbClr val="000000"/>
                   </a:solidFill>
@@ -3570,7 +3570,7 @@
             </a:ln>
             <a:extLst>
               <a:ext uri="{91240B29-F687-4f45-9708-019B960494DF}">
-                <a14:hiddenLine xmlns:a14="http://schemas.microsoft.com/office/drawing/2010/main" xmlns="" w="9525">
+                <a14:hiddenLine xmlns="" xmlns:a14="http://schemas.microsoft.com/office/drawing/2010/main" w="9525">
                   <a:solidFill>
                     <a:srgbClr val="000000"/>
                   </a:solidFill>
@@ -3660,7 +3660,7 @@
             </a:ln>
             <a:extLst>
               <a:ext uri="{91240B29-F687-4f45-9708-019B960494DF}">
-                <a14:hiddenLine xmlns:a14="http://schemas.microsoft.com/office/drawing/2010/main" xmlns="" w="9525">
+                <a14:hiddenLine xmlns="" xmlns:a14="http://schemas.microsoft.com/office/drawing/2010/main" w="9525">
                   <a:solidFill>
                     <a:srgbClr val="000000"/>
                   </a:solidFill>
@@ -3722,7 +3722,7 @@
             </a:ln>
             <a:extLst>
               <a:ext uri="{91240B29-F687-4f45-9708-019B960494DF}">
-                <a14:hiddenLine xmlns:a14="http://schemas.microsoft.com/office/drawing/2010/main" xmlns="" w="9525">
+                <a14:hiddenLine xmlns="" xmlns:a14="http://schemas.microsoft.com/office/drawing/2010/main" w="9525">
                   <a:solidFill>
                     <a:srgbClr val="000000"/>
                   </a:solidFill>
@@ -3812,7 +3812,7 @@
             </a:ln>
             <a:extLst>
               <a:ext uri="{91240B29-F687-4f45-9708-019B960494DF}">
-                <a14:hiddenLine xmlns:a14="http://schemas.microsoft.com/office/drawing/2010/main" xmlns="" w="9525">
+                <a14:hiddenLine xmlns="" xmlns:a14="http://schemas.microsoft.com/office/drawing/2010/main" w="9525">
                   <a:solidFill>
                     <a:srgbClr val="000000"/>
                   </a:solidFill>
@@ -3846,7 +3846,7 @@
             </a:ln>
             <a:extLst>
               <a:ext uri="{91240B29-F687-4f45-9708-019B960494DF}">
-                <a14:hiddenLine xmlns:a14="http://schemas.microsoft.com/office/drawing/2010/main" xmlns="" w="9525">
+                <a14:hiddenLine xmlns="" xmlns:a14="http://schemas.microsoft.com/office/drawing/2010/main" w="9525">
                   <a:solidFill>
                     <a:srgbClr val="000000"/>
                   </a:solidFill>
@@ -3911,7 +3911,7 @@
             </a:ln>
             <a:extLst>
               <a:ext uri="{91240B29-F687-4f45-9708-019B960494DF}">
-                <a14:hiddenLine xmlns:a14="http://schemas.microsoft.com/office/drawing/2010/main" xmlns="" w="9525">
+                <a14:hiddenLine xmlns="" xmlns:a14="http://schemas.microsoft.com/office/drawing/2010/main" w="9525">
                   <a:solidFill>
                     <a:srgbClr val="000000"/>
                   </a:solidFill>
@@ -4001,7 +4001,7 @@
             </a:ln>
             <a:extLst>
               <a:ext uri="{91240B29-F687-4f45-9708-019B960494DF}">
-                <a14:hiddenLine xmlns:a14="http://schemas.microsoft.com/office/drawing/2010/main" xmlns="" w="9525">
+                <a14:hiddenLine xmlns="" xmlns:a14="http://schemas.microsoft.com/office/drawing/2010/main" w="9525">
                   <a:solidFill>
                     <a:srgbClr val="000000"/>
                   </a:solidFill>
@@ -4063,7 +4063,7 @@
             </a:ln>
             <a:extLst>
               <a:ext uri="{91240B29-F687-4f45-9708-019B960494DF}">
-                <a14:hiddenLine xmlns:a14="http://schemas.microsoft.com/office/drawing/2010/main" xmlns="" w="9525">
+                <a14:hiddenLine xmlns="" xmlns:a14="http://schemas.microsoft.com/office/drawing/2010/main" w="9525">
                   <a:solidFill>
                     <a:srgbClr val="000000"/>
                   </a:solidFill>
@@ -4153,7 +4153,7 @@
             </a:ln>
             <a:extLst>
               <a:ext uri="{91240B29-F687-4f45-9708-019B960494DF}">
-                <a14:hiddenLine xmlns:a14="http://schemas.microsoft.com/office/drawing/2010/main" xmlns="" w="9525">
+                <a14:hiddenLine xmlns="" xmlns:a14="http://schemas.microsoft.com/office/drawing/2010/main" w="9525">
                   <a:solidFill>
                     <a:srgbClr val="000000"/>
                   </a:solidFill>
@@ -4243,7 +4243,7 @@
             </a:ln>
             <a:extLst>
               <a:ext uri="{91240B29-F687-4f45-9708-019B960494DF}">
-                <a14:hiddenLine xmlns:a14="http://schemas.microsoft.com/office/drawing/2010/main" xmlns="" w="9525">
+                <a14:hiddenLine xmlns="" xmlns:a14="http://schemas.microsoft.com/office/drawing/2010/main" w="9525">
                   <a:solidFill>
                     <a:srgbClr val="000000"/>
                   </a:solidFill>
@@ -4308,7 +4308,7 @@
             </a:ln>
             <a:extLst>
               <a:ext uri="{91240B29-F687-4f45-9708-019B960494DF}">
-                <a14:hiddenLine xmlns:a14="http://schemas.microsoft.com/office/drawing/2010/main" xmlns="" w="9525">
+                <a14:hiddenLine xmlns="" xmlns:a14="http://schemas.microsoft.com/office/drawing/2010/main" w="9525">
                   <a:solidFill>
                     <a:srgbClr val="000000"/>
                   </a:solidFill>
@@ -4370,7 +4370,7 @@
             </a:ln>
             <a:extLst>
               <a:ext uri="{91240B29-F687-4f45-9708-019B960494DF}">
-                <a14:hiddenLine xmlns:a14="http://schemas.microsoft.com/office/drawing/2010/main" xmlns="" w="9525">
+                <a14:hiddenLine xmlns="" xmlns:a14="http://schemas.microsoft.com/office/drawing/2010/main" w="9525">
                   <a:solidFill>
                     <a:srgbClr val="000000"/>
                   </a:solidFill>
@@ -4460,7 +4460,7 @@
             </a:ln>
             <a:extLst>
               <a:ext uri="{91240B29-F687-4f45-9708-019B960494DF}">
-                <a14:hiddenLine xmlns:a14="http://schemas.microsoft.com/office/drawing/2010/main" xmlns="" w="9525">
+                <a14:hiddenLine xmlns="" xmlns:a14="http://schemas.microsoft.com/office/drawing/2010/main" w="9525">
                   <a:solidFill>
                     <a:srgbClr val="000000"/>
                   </a:solidFill>
@@ -4550,7 +4550,7 @@
             </a:ln>
             <a:extLst>
               <a:ext uri="{91240B29-F687-4f45-9708-019B960494DF}">
-                <a14:hiddenLine xmlns:a14="http://schemas.microsoft.com/office/drawing/2010/main" xmlns="" w="9525">
+                <a14:hiddenLine xmlns="" xmlns:a14="http://schemas.microsoft.com/office/drawing/2010/main" w="9525">
                   <a:solidFill>
                     <a:srgbClr val="000000"/>
                   </a:solidFill>
@@ -4612,7 +4612,7 @@
             </a:ln>
             <a:extLst>
               <a:ext uri="{91240B29-F687-4f45-9708-019B960494DF}">
-                <a14:hiddenLine xmlns:a14="http://schemas.microsoft.com/office/drawing/2010/main" xmlns="" w="9525">
+                <a14:hiddenLine xmlns="" xmlns:a14="http://schemas.microsoft.com/office/drawing/2010/main" w="9525">
                   <a:solidFill>
                     <a:srgbClr val="000000"/>
                   </a:solidFill>
@@ -4732,7 +4732,7 @@
             </a:ln>
             <a:extLst>
               <a:ext uri="{91240B29-F687-4f45-9708-019B960494DF}">
-                <a14:hiddenLine xmlns:a14="http://schemas.microsoft.com/office/drawing/2010/main" xmlns="" w="9525">
+                <a14:hiddenLine xmlns="" xmlns:a14="http://schemas.microsoft.com/office/drawing/2010/main" w="9525">
                   <a:solidFill>
                     <a:srgbClr val="000000"/>
                   </a:solidFill>
@@ -4800,7 +4800,7 @@
             </a:ln>
             <a:extLst>
               <a:ext uri="{91240B29-F687-4f45-9708-019B960494DF}">
-                <a14:hiddenLine xmlns:a14="http://schemas.microsoft.com/office/drawing/2010/main" xmlns="" w="9525">
+                <a14:hiddenLine xmlns="" xmlns:a14="http://schemas.microsoft.com/office/drawing/2010/main" w="9525">
                   <a:solidFill>
                     <a:srgbClr val="000000"/>
                   </a:solidFill>
@@ -4890,7 +4890,7 @@
             </a:ln>
             <a:extLst>
               <a:ext uri="{91240B29-F687-4f45-9708-019B960494DF}">
-                <a14:hiddenLine xmlns:a14="http://schemas.microsoft.com/office/drawing/2010/main" xmlns="" w="9525">
+                <a14:hiddenLine xmlns="" xmlns:a14="http://schemas.microsoft.com/office/drawing/2010/main" w="9525">
                   <a:solidFill>
                     <a:srgbClr val="000000"/>
                   </a:solidFill>
@@ -9704,7 +9704,7 @@
           <a:noFill/>
           <a:extLst>
             <a:ext uri="{909E8E84-426E-40dd-AFC4-6F175D3DCCD1}">
-              <a14:hiddenFill xmlns:a14="http://schemas.microsoft.com/office/drawing/2010/main" xmlns="">
+              <a14:hiddenFill xmlns="" xmlns:a14="http://schemas.microsoft.com/office/drawing/2010/main">
                 <a:solidFill>
                   <a:srgbClr val="FFFFFF"/>
                 </a:solidFill>
@@ -9778,7 +9778,7 @@
               </a:ln>
               <a:extLst>
                 <a:ext uri="{91240B29-F687-4f45-9708-019B960494DF}">
-                  <a14:hiddenLine xmlns:a14="http://schemas.microsoft.com/office/drawing/2010/main" xmlns="" w="9525">
+                  <a14:hiddenLine xmlns="" xmlns:a14="http://schemas.microsoft.com/office/drawing/2010/main" w="9525">
                     <a:solidFill>
                       <a:srgbClr val="000000"/>
                     </a:solidFill>
@@ -9868,7 +9868,7 @@
               </a:ln>
               <a:extLst>
                 <a:ext uri="{91240B29-F687-4f45-9708-019B960494DF}">
-                  <a14:hiddenLine xmlns:a14="http://schemas.microsoft.com/office/drawing/2010/main" xmlns="" w="9525">
+                  <a14:hiddenLine xmlns="" xmlns:a14="http://schemas.microsoft.com/office/drawing/2010/main" w="9525">
                     <a:solidFill>
                       <a:srgbClr val="000000"/>
                     </a:solidFill>
@@ -9958,7 +9958,7 @@
               </a:ln>
               <a:extLst>
                 <a:ext uri="{91240B29-F687-4f45-9708-019B960494DF}">
-                  <a14:hiddenLine xmlns:a14="http://schemas.microsoft.com/office/drawing/2010/main" xmlns="" w="9525">
+                  <a14:hiddenLine xmlns="" xmlns:a14="http://schemas.microsoft.com/office/drawing/2010/main" w="9525">
                     <a:solidFill>
                       <a:srgbClr val="000000"/>
                     </a:solidFill>
@@ -10020,7 +10020,7 @@
               </a:ln>
               <a:extLst>
                 <a:ext uri="{91240B29-F687-4f45-9708-019B960494DF}">
-                  <a14:hiddenLine xmlns:a14="http://schemas.microsoft.com/office/drawing/2010/main" xmlns="" w="9525">
+                  <a14:hiddenLine xmlns="" xmlns:a14="http://schemas.microsoft.com/office/drawing/2010/main" w="9525">
                     <a:solidFill>
                       <a:srgbClr val="000000"/>
                     </a:solidFill>
@@ -10110,7 +10110,7 @@
               </a:ln>
               <a:extLst>
                 <a:ext uri="{91240B29-F687-4f45-9708-019B960494DF}">
-                  <a14:hiddenLine xmlns:a14="http://schemas.microsoft.com/office/drawing/2010/main" xmlns="" w="9525">
+                  <a14:hiddenLine xmlns="" xmlns:a14="http://schemas.microsoft.com/office/drawing/2010/main" w="9525">
                     <a:solidFill>
                       <a:srgbClr val="000000"/>
                     </a:solidFill>
@@ -10172,7 +10172,7 @@
               </a:ln>
               <a:extLst>
                 <a:ext uri="{91240B29-F687-4f45-9708-019B960494DF}">
-                  <a14:hiddenLine xmlns:a14="http://schemas.microsoft.com/office/drawing/2010/main" xmlns="" w="9525">
+                  <a14:hiddenLine xmlns="" xmlns:a14="http://schemas.microsoft.com/office/drawing/2010/main" w="9525">
                     <a:solidFill>
                       <a:srgbClr val="000000"/>
                     </a:solidFill>
@@ -10234,7 +10234,7 @@
               </a:ln>
               <a:extLst>
                 <a:ext uri="{91240B29-F687-4f45-9708-019B960494DF}">
-                  <a14:hiddenLine xmlns:a14="http://schemas.microsoft.com/office/drawing/2010/main" xmlns="" w="9525">
+                  <a14:hiddenLine xmlns="" xmlns:a14="http://schemas.microsoft.com/office/drawing/2010/main" w="9525">
                     <a:solidFill>
                       <a:srgbClr val="000000"/>
                     </a:solidFill>
@@ -10324,7 +10324,7 @@
               </a:ln>
               <a:extLst>
                 <a:ext uri="{91240B29-F687-4f45-9708-019B960494DF}">
-                  <a14:hiddenLine xmlns:a14="http://schemas.microsoft.com/office/drawing/2010/main" xmlns="" w="9525">
+                  <a14:hiddenLine xmlns="" xmlns:a14="http://schemas.microsoft.com/office/drawing/2010/main" w="9525">
                     <a:solidFill>
                       <a:srgbClr val="000000"/>
                     </a:solidFill>
@@ -10414,7 +10414,7 @@
               </a:ln>
               <a:extLst>
                 <a:ext uri="{91240B29-F687-4f45-9708-019B960494DF}">
-                  <a14:hiddenLine xmlns:a14="http://schemas.microsoft.com/office/drawing/2010/main" xmlns="" w="9525">
+                  <a14:hiddenLine xmlns="" xmlns:a14="http://schemas.microsoft.com/office/drawing/2010/main" w="9525">
                     <a:solidFill>
                       <a:srgbClr val="000000"/>
                     </a:solidFill>
@@ -10476,7 +10476,7 @@
               </a:ln>
               <a:extLst>
                 <a:ext uri="{91240B29-F687-4f45-9708-019B960494DF}">
-                  <a14:hiddenLine xmlns:a14="http://schemas.microsoft.com/office/drawing/2010/main" xmlns="" w="9525">
+                  <a14:hiddenLine xmlns="" xmlns:a14="http://schemas.microsoft.com/office/drawing/2010/main" w="9525">
                     <a:solidFill>
                       <a:srgbClr val="000000"/>
                     </a:solidFill>
@@ -10586,7 +10586,7 @@
               </a:ln>
               <a:extLst>
                 <a:ext uri="{91240B29-F687-4f45-9708-019B960494DF}">
-                  <a14:hiddenLine xmlns:a14="http://schemas.microsoft.com/office/drawing/2010/main" xmlns="" w="9525">
+                  <a14:hiddenLine xmlns="" xmlns:a14="http://schemas.microsoft.com/office/drawing/2010/main" w="9525">
                     <a:solidFill>
                       <a:srgbClr val="000000"/>
                     </a:solidFill>
@@ -10670,7 +10670,7 @@
               </a:ln>
               <a:extLst>
                 <a:ext uri="{91240B29-F687-4f45-9708-019B960494DF}">
-                  <a14:hiddenLine xmlns:a14="http://schemas.microsoft.com/office/drawing/2010/main" xmlns="" w="9525">
+                  <a14:hiddenLine xmlns="" xmlns:a14="http://schemas.microsoft.com/office/drawing/2010/main" w="9525">
                     <a:solidFill>
                       <a:srgbClr val="000000"/>
                     </a:solidFill>
@@ -10732,7 +10732,7 @@
               </a:ln>
               <a:extLst>
                 <a:ext uri="{91240B29-F687-4f45-9708-019B960494DF}">
-                  <a14:hiddenLine xmlns:a14="http://schemas.microsoft.com/office/drawing/2010/main" xmlns="" w="9525">
+                  <a14:hiddenLine xmlns="" xmlns:a14="http://schemas.microsoft.com/office/drawing/2010/main" w="9525">
                     <a:solidFill>
                       <a:srgbClr val="000000"/>
                     </a:solidFill>
@@ -10794,7 +10794,7 @@
               </a:ln>
               <a:extLst>
                 <a:ext uri="{91240B29-F687-4f45-9708-019B960494DF}">
-                  <a14:hiddenLine xmlns:a14="http://schemas.microsoft.com/office/drawing/2010/main" xmlns="" w="9525">
+                  <a14:hiddenLine xmlns="" xmlns:a14="http://schemas.microsoft.com/office/drawing/2010/main" w="9525">
                     <a:solidFill>
                       <a:srgbClr val="000000"/>
                     </a:solidFill>
@@ -10884,7 +10884,7 @@
               </a:ln>
               <a:extLst>
                 <a:ext uri="{91240B29-F687-4f45-9708-019B960494DF}">
-                  <a14:hiddenLine xmlns:a14="http://schemas.microsoft.com/office/drawing/2010/main" xmlns="" w="9525">
+                  <a14:hiddenLine xmlns="" xmlns:a14="http://schemas.microsoft.com/office/drawing/2010/main" w="9525">
                     <a:solidFill>
                       <a:srgbClr val="000000"/>
                     </a:solidFill>
@@ -10918,7 +10918,7 @@
               </a:ln>
               <a:extLst>
                 <a:ext uri="{91240B29-F687-4f45-9708-019B960494DF}">
-                  <a14:hiddenLine xmlns:a14="http://schemas.microsoft.com/office/drawing/2010/main" xmlns="" w="9525">
+                  <a14:hiddenLine xmlns="" xmlns:a14="http://schemas.microsoft.com/office/drawing/2010/main" w="9525">
                     <a:solidFill>
                       <a:srgbClr val="000000"/>
                     </a:solidFill>
@@ -10983,7 +10983,7 @@
               </a:ln>
               <a:extLst>
                 <a:ext uri="{91240B29-F687-4f45-9708-019B960494DF}">
-                  <a14:hiddenLine xmlns:a14="http://schemas.microsoft.com/office/drawing/2010/main" xmlns="" w="9525">
+                  <a14:hiddenLine xmlns="" xmlns:a14="http://schemas.microsoft.com/office/drawing/2010/main" w="9525">
                     <a:solidFill>
                       <a:srgbClr val="000000"/>
                     </a:solidFill>
@@ -11073,7 +11073,7 @@
               </a:ln>
               <a:extLst>
                 <a:ext uri="{91240B29-F687-4f45-9708-019B960494DF}">
-                  <a14:hiddenLine xmlns:a14="http://schemas.microsoft.com/office/drawing/2010/main" xmlns="" w="9525">
+                  <a14:hiddenLine xmlns="" xmlns:a14="http://schemas.microsoft.com/office/drawing/2010/main" w="9525">
                     <a:solidFill>
                       <a:srgbClr val="000000"/>
                     </a:solidFill>
@@ -11135,7 +11135,7 @@
               </a:ln>
               <a:extLst>
                 <a:ext uri="{91240B29-F687-4f45-9708-019B960494DF}">
-                  <a14:hiddenLine xmlns:a14="http://schemas.microsoft.com/office/drawing/2010/main" xmlns="" w="9525">
+                  <a14:hiddenLine xmlns="" xmlns:a14="http://schemas.microsoft.com/office/drawing/2010/main" w="9525">
                     <a:solidFill>
                       <a:srgbClr val="000000"/>
                     </a:solidFill>
@@ -11225,7 +11225,7 @@
               </a:ln>
               <a:extLst>
                 <a:ext uri="{91240B29-F687-4f45-9708-019B960494DF}">
-                  <a14:hiddenLine xmlns:a14="http://schemas.microsoft.com/office/drawing/2010/main" xmlns="" w="9525">
+                  <a14:hiddenLine xmlns="" xmlns:a14="http://schemas.microsoft.com/office/drawing/2010/main" w="9525">
                     <a:solidFill>
                       <a:srgbClr val="000000"/>
                     </a:solidFill>
@@ -11290,7 +11290,7 @@
               </a:ln>
               <a:extLst>
                 <a:ext uri="{91240B29-F687-4f45-9708-019B960494DF}">
-                  <a14:hiddenLine xmlns:a14="http://schemas.microsoft.com/office/drawing/2010/main" xmlns="" w="9525">
+                  <a14:hiddenLine xmlns="" xmlns:a14="http://schemas.microsoft.com/office/drawing/2010/main" w="9525">
                     <a:solidFill>
                       <a:srgbClr val="000000"/>
                     </a:solidFill>
@@ -11352,7 +11352,7 @@
               </a:ln>
               <a:extLst>
                 <a:ext uri="{91240B29-F687-4f45-9708-019B960494DF}">
-                  <a14:hiddenLine xmlns:a14="http://schemas.microsoft.com/office/drawing/2010/main" xmlns="" w="9525">
+                  <a14:hiddenLine xmlns="" xmlns:a14="http://schemas.microsoft.com/office/drawing/2010/main" w="9525">
                     <a:solidFill>
                       <a:srgbClr val="000000"/>
                     </a:solidFill>
@@ -11442,7 +11442,7 @@
               </a:ln>
               <a:extLst>
                 <a:ext uri="{91240B29-F687-4f45-9708-019B960494DF}">
-                  <a14:hiddenLine xmlns:a14="http://schemas.microsoft.com/office/drawing/2010/main" xmlns="" w="9525">
+                  <a14:hiddenLine xmlns="" xmlns:a14="http://schemas.microsoft.com/office/drawing/2010/main" w="9525">
                     <a:solidFill>
                       <a:srgbClr val="000000"/>
                     </a:solidFill>
@@ -11532,7 +11532,7 @@
               </a:ln>
               <a:extLst>
                 <a:ext uri="{91240B29-F687-4f45-9708-019B960494DF}">
-                  <a14:hiddenLine xmlns:a14="http://schemas.microsoft.com/office/drawing/2010/main" xmlns="" w="9525">
+                  <a14:hiddenLine xmlns="" xmlns:a14="http://schemas.microsoft.com/office/drawing/2010/main" w="9525">
                     <a:solidFill>
                       <a:srgbClr val="000000"/>
                     </a:solidFill>
@@ -11597,7 +11597,7 @@
               </a:ln>
               <a:extLst>
                 <a:ext uri="{91240B29-F687-4f45-9708-019B960494DF}">
-                  <a14:hiddenLine xmlns:a14="http://schemas.microsoft.com/office/drawing/2010/main" xmlns="" w="9525">
+                  <a14:hiddenLine xmlns="" xmlns:a14="http://schemas.microsoft.com/office/drawing/2010/main" w="9525">
                     <a:solidFill>
                       <a:srgbClr val="000000"/>
                     </a:solidFill>
@@ -11717,7 +11717,7 @@
               </a:ln>
               <a:extLst>
                 <a:ext uri="{91240B29-F687-4f45-9708-019B960494DF}">
-                  <a14:hiddenLine xmlns:a14="http://schemas.microsoft.com/office/drawing/2010/main" xmlns="" w="9525">
+                  <a14:hiddenLine xmlns="" xmlns:a14="http://schemas.microsoft.com/office/drawing/2010/main" w="9525">
                     <a:solidFill>
                       <a:srgbClr val="000000"/>
                     </a:solidFill>
@@ -11798,7 +11798,7 @@
               </a:ln>
               <a:extLst>
                 <a:ext uri="{91240B29-F687-4f45-9708-019B960494DF}">
-                  <a14:hiddenLine xmlns:a14="http://schemas.microsoft.com/office/drawing/2010/main" xmlns="" w="9525">
+                  <a14:hiddenLine xmlns="" xmlns:a14="http://schemas.microsoft.com/office/drawing/2010/main" w="9525">
                     <a:solidFill>
                       <a:srgbClr val="000000"/>
                     </a:solidFill>
@@ -11913,7 +11913,7 @@
               </a:ln>
               <a:extLst>
                 <a:ext uri="{91240B29-F687-4f45-9708-019B960494DF}">
-                  <a14:hiddenLine xmlns:a14="http://schemas.microsoft.com/office/drawing/2010/main" xmlns="" w="9525">
+                  <a14:hiddenLine xmlns="" xmlns:a14="http://schemas.microsoft.com/office/drawing/2010/main" w="9525">
                     <a:solidFill>
                       <a:srgbClr val="000000"/>
                     </a:solidFill>
@@ -12003,7 +12003,7 @@
               </a:ln>
               <a:extLst>
                 <a:ext uri="{91240B29-F687-4f45-9708-019B960494DF}">
-                  <a14:hiddenLine xmlns:a14="http://schemas.microsoft.com/office/drawing/2010/main" xmlns="" w="9525">
+                  <a14:hiddenLine xmlns="" xmlns:a14="http://schemas.microsoft.com/office/drawing/2010/main" w="9525">
                     <a:solidFill>
                       <a:srgbClr val="000000"/>
                     </a:solidFill>
@@ -12068,7 +12068,7 @@
               </a:ln>
               <a:extLst>
                 <a:ext uri="{91240B29-F687-4f45-9708-019B960494DF}">
-                  <a14:hiddenLine xmlns:a14="http://schemas.microsoft.com/office/drawing/2010/main" xmlns="" w="9525">
+                  <a14:hiddenLine xmlns="" xmlns:a14="http://schemas.microsoft.com/office/drawing/2010/main" w="9525">
                     <a:solidFill>
                       <a:srgbClr val="000000"/>
                     </a:solidFill>
@@ -12158,7 +12158,7 @@
               </a:ln>
               <a:extLst>
                 <a:ext uri="{91240B29-F687-4f45-9708-019B960494DF}">
-                  <a14:hiddenLine xmlns:a14="http://schemas.microsoft.com/office/drawing/2010/main" xmlns="" w="9525">
+                  <a14:hiddenLine xmlns="" xmlns:a14="http://schemas.microsoft.com/office/drawing/2010/main" w="9525">
                     <a:solidFill>
                       <a:srgbClr val="000000"/>
                     </a:solidFill>
@@ -12226,7 +12226,7 @@
               </a:ln>
               <a:extLst>
                 <a:ext uri="{91240B29-F687-4f45-9708-019B960494DF}">
-                  <a14:hiddenLine xmlns:a14="http://schemas.microsoft.com/office/drawing/2010/main" xmlns="" w="9525">
+                  <a14:hiddenLine xmlns="" xmlns:a14="http://schemas.microsoft.com/office/drawing/2010/main" w="9525">
                     <a:solidFill>
                       <a:srgbClr val="000000"/>
                     </a:solidFill>
@@ -12316,7 +12316,7 @@
               </a:ln>
               <a:extLst>
                 <a:ext uri="{91240B29-F687-4f45-9708-019B960494DF}">
-                  <a14:hiddenLine xmlns:a14="http://schemas.microsoft.com/office/drawing/2010/main" xmlns="" w="9525">
+                  <a14:hiddenLine xmlns="" xmlns:a14="http://schemas.microsoft.com/office/drawing/2010/main" w="9525">
                     <a:solidFill>
                       <a:srgbClr val="000000"/>
                     </a:solidFill>
@@ -12384,7 +12384,7 @@
               </a:ln>
               <a:extLst>
                 <a:ext uri="{91240B29-F687-4f45-9708-019B960494DF}">
-                  <a14:hiddenLine xmlns:a14="http://schemas.microsoft.com/office/drawing/2010/main" xmlns="" w="9525">
+                  <a14:hiddenLine xmlns="" xmlns:a14="http://schemas.microsoft.com/office/drawing/2010/main" w="9525">
                     <a:solidFill>
                       <a:srgbClr val="000000"/>
                     </a:solidFill>
@@ -12474,7 +12474,7 @@
               </a:ln>
               <a:extLst>
                 <a:ext uri="{91240B29-F687-4f45-9708-019B960494DF}">
-                  <a14:hiddenLine xmlns:a14="http://schemas.microsoft.com/office/drawing/2010/main" xmlns="" w="9525">
+                  <a14:hiddenLine xmlns="" xmlns:a14="http://schemas.microsoft.com/office/drawing/2010/main" w="9525">
                     <a:solidFill>
                       <a:srgbClr val="000000"/>
                     </a:solidFill>
@@ -12508,7 +12508,7 @@
               </a:ln>
               <a:extLst>
                 <a:ext uri="{91240B29-F687-4f45-9708-019B960494DF}">
-                  <a14:hiddenLine xmlns:a14="http://schemas.microsoft.com/office/drawing/2010/main" xmlns="" w="9525">
+                  <a14:hiddenLine xmlns="" xmlns:a14="http://schemas.microsoft.com/office/drawing/2010/main" w="9525">
                     <a:solidFill>
                       <a:srgbClr val="000000"/>
                     </a:solidFill>
@@ -13229,67 +13229,7 @@
         <p:spPr>
           <a:xfrm>
             <a:off x="594872" y="2002055"/>
-            <a:ext cx="2046772" cy="2046772"/>
-          </a:xfrm>
-          <a:prstGeom prst="rect">
-            <a:avLst/>
-          </a:prstGeom>
-        </p:spPr>
-      </p:pic>
-      <p:pic>
-        <p:nvPicPr>
-          <p:cNvPr id="7" name="Picture 6" descr="A picture containing wall, person, indoor, posing&#10;&#10;Description automatically generated">
-            <a:extLst>
-              <a:ext uri="{FF2B5EF4-FFF2-40B4-BE49-F238E27FC236}">
-                <a16:creationId xmlns:a16="http://schemas.microsoft.com/office/drawing/2014/main" id="{CB4A3C0F-E08F-4783-9CE4-028D6FC39E75}"/>
-              </a:ext>
-            </a:extLst>
-          </p:cNvPr>
-          <p:cNvPicPr>
-            <a:picLocks noChangeAspect="1"/>
-          </p:cNvPicPr>
-          <p:nvPr/>
-        </p:nvPicPr>
-        <p:blipFill>
-          <a:blip r:embed="rId3"/>
-          <a:stretch>
-            <a:fillRect/>
-          </a:stretch>
-        </p:blipFill>
-        <p:spPr>
-          <a:xfrm>
-            <a:off x="3322844" y="1971501"/>
-            <a:ext cx="2086951" cy="2086951"/>
-          </a:xfrm>
-          <a:prstGeom prst="rect">
-            <a:avLst/>
-          </a:prstGeom>
-        </p:spPr>
-      </p:pic>
-      <p:pic>
-        <p:nvPicPr>
-          <p:cNvPr id="11" name="Picture 10" descr="A person wearing glasses&#10;&#10;Description automatically generated with medium confidence">
-            <a:extLst>
-              <a:ext uri="{FF2B5EF4-FFF2-40B4-BE49-F238E27FC236}">
-                <a16:creationId xmlns:a16="http://schemas.microsoft.com/office/drawing/2014/main" id="{83B25039-5684-F0B0-8BCB-5E7C64796ADC}"/>
-              </a:ext>
-            </a:extLst>
-          </p:cNvPr>
-          <p:cNvPicPr>
-            <a:picLocks noChangeAspect="1"/>
-          </p:cNvPicPr>
-          <p:nvPr/>
-        </p:nvPicPr>
-        <p:blipFill>
-          <a:blip r:embed="rId4"/>
-          <a:stretch>
-            <a:fillRect/>
-          </a:stretch>
-        </p:blipFill>
-        <p:spPr>
-          <a:xfrm>
-            <a:off x="6166400" y="2002055"/>
-            <a:ext cx="2086951" cy="2086951"/>
+            <a:ext cx="2078434" cy="2046772"/>
           </a:xfrm>
           <a:prstGeom prst="rect">
             <a:avLst/>
@@ -13790,36 +13730,6 @@
           </a:p>
         </p:txBody>
       </p:sp>
-      <p:pic>
-        <p:nvPicPr>
-          <p:cNvPr id="17" name="Picture 16" descr="A person wearing glasses&#10;&#10;Description automatically generated with medium confidence">
-            <a:extLst>
-              <a:ext uri="{FF2B5EF4-FFF2-40B4-BE49-F238E27FC236}">
-                <a16:creationId xmlns:a16="http://schemas.microsoft.com/office/drawing/2014/main" id="{6ADCFF66-0B9F-BAFF-2D7D-5791AB7428A3}"/>
-              </a:ext>
-            </a:extLst>
-          </p:cNvPr>
-          <p:cNvPicPr>
-            <a:picLocks noChangeAspect="1"/>
-          </p:cNvPicPr>
-          <p:nvPr/>
-        </p:nvPicPr>
-        <p:blipFill>
-          <a:blip r:embed="rId5"/>
-          <a:stretch>
-            <a:fillRect/>
-          </a:stretch>
-        </p:blipFill>
-        <p:spPr>
-          <a:xfrm>
-            <a:off x="9304506" y="1961876"/>
-            <a:ext cx="2086951" cy="2086951"/>
-          </a:xfrm>
-          <a:prstGeom prst="rect">
-            <a:avLst/>
-          </a:prstGeom>
-        </p:spPr>
-      </p:pic>
       <p:sp>
         <p:nvSpPr>
           <p:cNvPr id="18" name="Content Placeholder 12">
@@ -14034,16 +13944,101 @@
           <a:p>
             <a:r>
               <a:rPr lang="en-US" dirty="0"/>
-              <a:t>QA </a:t>
+              <a:t>QA Engineer</a:t>
             </a:r>
-            <a:r>
-              <a:rPr lang="en-US" dirty="0" err="1"/>
-              <a:t>Enginner</a:t>
-            </a:r>
-            <a:endParaRPr lang="en-US" dirty="0"/>
           </a:p>
         </p:txBody>
       </p:sp>
+      <p:pic>
+        <p:nvPicPr>
+          <p:cNvPr id="8" name="Picture 7" descr="A person in a blue shirt&#10;&#10;Description automatically generated with medium confidence">
+            <a:extLst>
+              <a:ext uri="{FF2B5EF4-FFF2-40B4-BE49-F238E27FC236}">
+                <a16:creationId xmlns:a16="http://schemas.microsoft.com/office/drawing/2014/main" id="{0C268714-D4CF-A516-E981-0B7972D78C84}"/>
+              </a:ext>
+            </a:extLst>
+          </p:cNvPr>
+          <p:cNvPicPr>
+            <a:picLocks noChangeAspect="1"/>
+          </p:cNvPicPr>
+          <p:nvPr/>
+        </p:nvPicPr>
+        <p:blipFill>
+          <a:blip r:embed="rId3"/>
+          <a:stretch>
+            <a:fillRect/>
+          </a:stretch>
+        </p:blipFill>
+        <p:spPr>
+          <a:xfrm>
+            <a:off x="3519054" y="2002055"/>
+            <a:ext cx="2078434" cy="2032286"/>
+          </a:xfrm>
+          <a:prstGeom prst="rect">
+            <a:avLst/>
+          </a:prstGeom>
+        </p:spPr>
+      </p:pic>
+      <p:pic>
+        <p:nvPicPr>
+          <p:cNvPr id="10" name="Picture 9" descr="A person wearing glasses&#10;&#10;Description automatically generated with medium confidence">
+            <a:extLst>
+              <a:ext uri="{FF2B5EF4-FFF2-40B4-BE49-F238E27FC236}">
+                <a16:creationId xmlns:a16="http://schemas.microsoft.com/office/drawing/2014/main" id="{4B5C8A45-5E55-ABED-2AC2-69F8A2F9CBBB}"/>
+              </a:ext>
+            </a:extLst>
+          </p:cNvPr>
+          <p:cNvPicPr>
+            <a:picLocks noChangeAspect="1"/>
+          </p:cNvPicPr>
+          <p:nvPr/>
+        </p:nvPicPr>
+        <p:blipFill>
+          <a:blip r:embed="rId4"/>
+          <a:stretch>
+            <a:fillRect/>
+          </a:stretch>
+        </p:blipFill>
+        <p:spPr>
+          <a:xfrm>
+            <a:off x="9071052" y="2009297"/>
+            <a:ext cx="2078434" cy="2032287"/>
+          </a:xfrm>
+          <a:prstGeom prst="rect">
+            <a:avLst/>
+          </a:prstGeom>
+        </p:spPr>
+      </p:pic>
+      <p:pic>
+        <p:nvPicPr>
+          <p:cNvPr id="14" name="Picture 13" descr="A person wearing glasses&#10;&#10;Description automatically generated with low confidence">
+            <a:extLst>
+              <a:ext uri="{FF2B5EF4-FFF2-40B4-BE49-F238E27FC236}">
+                <a16:creationId xmlns:a16="http://schemas.microsoft.com/office/drawing/2014/main" id="{B39F5B9F-6501-4088-9772-CE582D4B9286}"/>
+              </a:ext>
+            </a:extLst>
+          </p:cNvPr>
+          <p:cNvPicPr>
+            <a:picLocks noChangeAspect="1"/>
+          </p:cNvPicPr>
+          <p:nvPr/>
+        </p:nvPicPr>
+        <p:blipFill>
+          <a:blip r:embed="rId5"/>
+          <a:stretch>
+            <a:fillRect/>
+          </a:stretch>
+        </p:blipFill>
+        <p:spPr>
+          <a:xfrm>
+            <a:off x="6295053" y="2009297"/>
+            <a:ext cx="2078433" cy="2025044"/>
+          </a:xfrm>
+          <a:prstGeom prst="rect">
+            <a:avLst/>
+          </a:prstGeom>
+        </p:spPr>
+      </p:pic>
     </p:spTree>
     <p:extLst>
       <p:ext uri="{BB962C8B-B14F-4D97-AF65-F5344CB8AC3E}">
@@ -16141,6 +16136,15 @@
 </file>
 
 <file path=customXml/item1.xml><?xml version="1.0" encoding="utf-8"?>
+<?mso-contentType ?>
+<FormTemplates xmlns="http://schemas.microsoft.com/sharepoint/v3/contenttype/forms">
+  <Display>DocumentLibraryForm</Display>
+  <Edit>DocumentLibraryForm</Edit>
+  <New>DocumentLibraryForm</New>
+</FormTemplates>
+</file>
+
+<file path=customXml/item2.xml><?xml version="1.0" encoding="utf-8"?>
 <ct:contentTypeSchema xmlns:ct="http://schemas.microsoft.com/office/2006/metadata/contentType" xmlns:ma="http://schemas.microsoft.com/office/2006/metadata/properties/metaAttributes" ct:_="" ma:_="" ma:contentTypeName="Document" ma:contentTypeID="0x01010079F111ED35F8CC479449609E8A0923A6" ma:contentTypeVersion="11" ma:contentTypeDescription="Create a new document." ma:contentTypeScope="" ma:versionID="96291512c1ee715ab617f4c07df79fc1">
   <xsd:schema xmlns:xsd="http://www.w3.org/2001/XMLSchema" xmlns:xs="http://www.w3.org/2001/XMLSchema" xmlns:p="http://schemas.microsoft.com/office/2006/metadata/properties" xmlns:ns2="71af3243-3dd4-4a8d-8c0d-dd76da1f02a5" xmlns:ns3="16c05727-aa75-4e4a-9b5f-8a80a1165891" targetNamespace="http://schemas.microsoft.com/office/2006/metadata/properties" ma:root="true" ma:fieldsID="8256c27c40ca5c40ce1cf6c44f0205df" ns2:_="" ns3:_="">
     <xsd:import namespace="71af3243-3dd4-4a8d-8c0d-dd76da1f02a5"/>
@@ -16351,15 +16355,6 @@
 </ct:contentTypeSchema>
 </file>
 
-<file path=customXml/item2.xml><?xml version="1.0" encoding="utf-8"?>
-<?mso-contentType ?>
-<FormTemplates xmlns="http://schemas.microsoft.com/sharepoint/v3/contenttype/forms">
-  <Display>DocumentLibraryForm</Display>
-  <Edit>DocumentLibraryForm</Edit>
-  <New>DocumentLibraryForm</New>
-</FormTemplates>
-</file>
-
 <file path=customXml/item3.xml><?xml version="1.0" encoding="utf-8"?>
 <p:properties xmlns:p="http://schemas.microsoft.com/office/2006/metadata/properties" xmlns:xsi="http://www.w3.org/2001/XMLSchema-instance" xmlns:pc="http://schemas.microsoft.com/office/infopath/2007/PartnerControls">
   <documentManagement>
@@ -16369,6 +16364,14 @@
 </file>
 
 <file path=customXml/itemProps1.xml><?xml version="1.0" encoding="utf-8"?>
+<ds:datastoreItem xmlns:ds="http://schemas.openxmlformats.org/officeDocument/2006/customXml" ds:itemID="{B579702B-25C7-40D7-9E29-7686B11A9660}">
+  <ds:schemaRefs>
+    <ds:schemaRef ds:uri="http://schemas.microsoft.com/sharepoint/v3/contenttype/forms"/>
+  </ds:schemaRefs>
+</ds:datastoreItem>
+</file>
+
+<file path=customXml/itemProps2.xml><?xml version="1.0" encoding="utf-8"?>
 <ds:datastoreItem xmlns:ds="http://schemas.openxmlformats.org/officeDocument/2006/customXml" ds:itemID="{A7C0B241-13E5-418D-8920-D23491E2D2C0}">
   <ds:schemaRefs>
     <ds:schemaRef ds:uri="http://schemas.microsoft.com/office/2006/metadata/contentType"/>
@@ -16387,14 +16390,6 @@
 </ds:datastoreItem>
 </file>
 
-<file path=customXml/itemProps2.xml><?xml version="1.0" encoding="utf-8"?>
-<ds:datastoreItem xmlns:ds="http://schemas.openxmlformats.org/officeDocument/2006/customXml" ds:itemID="{B579702B-25C7-40D7-9E29-7686B11A9660}">
-  <ds:schemaRefs>
-    <ds:schemaRef ds:uri="http://schemas.microsoft.com/sharepoint/v3/contenttype/forms"/>
-  </ds:schemaRefs>
-</ds:datastoreItem>
-</file>
-
 <file path=customXml/itemProps3.xml><?xml version="1.0" encoding="utf-8"?>
 <ds:datastoreItem xmlns:ds="http://schemas.openxmlformats.org/officeDocument/2006/customXml" ds:itemID="{E7866CFD-F94E-4AE5-ACEA-86FEC0F48A10}">
   <ds:schemaRefs>
